--- a/2020191009_Ahmad Rifa'i_NLP Berita.pptx
+++ b/2020191009_Ahmad Rifa'i_NLP Berita.pptx
@@ -5,17 +5,21 @@
     <p:sldMasterId id="2147483648" r:id="rId1"/>
   </p:sldMasterIdLst>
   <p:notesMasterIdLst>
-    <p:notesMasterId r:id="rId8"/>
+    <p:notesMasterId r:id="rId12"/>
   </p:notesMasterIdLst>
   <p:handoutMasterIdLst>
-    <p:handoutMasterId r:id="rId9"/>
+    <p:handoutMasterId r:id="rId13"/>
   </p:handoutMasterIdLst>
   <p:sldIdLst>
     <p:sldId id="256" r:id="rId3"/>
     <p:sldId id="308" r:id="rId4"/>
     <p:sldId id="309" r:id="rId5"/>
     <p:sldId id="310" r:id="rId6"/>
-    <p:sldId id="311" r:id="rId7"/>
+    <p:sldId id="315" r:id="rId7"/>
+    <p:sldId id="313" r:id="rId8"/>
+    <p:sldId id="314" r:id="rId9"/>
+    <p:sldId id="317" r:id="rId10"/>
+    <p:sldId id="311" r:id="rId11"/>
   </p:sldIdLst>
   <p:sldSz cx="12192000" cy="6858000"/>
   <p:notesSz cx="7103745" cy="10234295"/>
@@ -4075,8 +4079,8 @@
         </p:nvSpPr>
         <p:spPr>
           <a:xfrm>
-            <a:off x="5095558" y="942340"/>
-            <a:ext cx="2011680" cy="1198880"/>
+            <a:off x="3063558" y="942340"/>
+            <a:ext cx="6075680" cy="1198880"/>
           </a:xfrm>
           <a:prstGeom prst="rect">
             <a:avLst/>
@@ -4097,7 +4101,7 @@
           <a:p>
             <a:pPr algn="ctr"/>
             <a:r>
-              <a:rPr lang="en-US" altLang="en-US" sz="7200" b="1">
+              <a:rPr lang="" altLang="en-US" sz="7200" b="1">
                 <a:ln w="10160">
                   <a:solidFill>
                     <a:schemeClr val="accent5"/>
@@ -4115,9 +4119,9 @@
                   </a:outerShdw>
                 </a:effectLst>
               </a:rPr>
-              <a:t>NLP</a:t>
+              <a:t>TEXT MINING</a:t>
             </a:r>
-            <a:endParaRPr lang="en-US" altLang="en-US" sz="7200" b="1">
+            <a:endParaRPr lang="" altLang="en-US" sz="7200" b="1">
               <a:ln w="10160">
                 <a:solidFill>
                   <a:schemeClr val="accent5"/>
@@ -4208,7 +4212,7 @@
         </p:blipFill>
         <p:spPr>
           <a:xfrm>
-            <a:off x="4057015" y="2281555"/>
+            <a:off x="4057015" y="1828165"/>
             <a:ext cx="4259580" cy="1186815"/>
           </a:xfrm>
           <a:prstGeom prst="rect">
@@ -4237,7 +4241,7 @@
         </p:blipFill>
         <p:spPr>
           <a:xfrm>
-            <a:off x="2577465" y="3854450"/>
+            <a:off x="2577465" y="3401060"/>
             <a:ext cx="3126740" cy="1267460"/>
           </a:xfrm>
           <a:prstGeom prst="rect">
@@ -4266,7 +4270,7 @@
         </p:blipFill>
         <p:spPr>
           <a:xfrm>
-            <a:off x="6340475" y="3854450"/>
+            <a:off x="6340475" y="3401060"/>
             <a:ext cx="3126105" cy="1291590"/>
           </a:xfrm>
           <a:prstGeom prst="rect">
@@ -4295,7 +4299,7 @@
         </p:blipFill>
         <p:spPr>
           <a:xfrm>
-            <a:off x="938530" y="5546725"/>
+            <a:off x="938530" y="5093335"/>
             <a:ext cx="3127375" cy="1252855"/>
           </a:xfrm>
           <a:prstGeom prst="rect">
@@ -4324,7 +4328,7 @@
         </p:blipFill>
         <p:spPr>
           <a:xfrm>
-            <a:off x="4648200" y="5546090"/>
+            <a:off x="4648200" y="5092700"/>
             <a:ext cx="3126740" cy="1253490"/>
           </a:xfrm>
           <a:prstGeom prst="rect">
@@ -4353,7 +4357,7 @@
         </p:blipFill>
         <p:spPr>
           <a:xfrm>
-            <a:off x="8316595" y="5546725"/>
+            <a:off x="8316595" y="5093335"/>
             <a:ext cx="3209925" cy="1252855"/>
           </a:xfrm>
           <a:prstGeom prst="rect">
@@ -4374,8 +4378,8 @@
         </p:nvCxnSpPr>
         <p:spPr>
           <a:xfrm flipH="1">
-            <a:off x="3882390" y="2931795"/>
-            <a:ext cx="802640" cy="1377950"/>
+            <a:off x="3882390" y="2658745"/>
+            <a:ext cx="784860" cy="1197610"/>
           </a:xfrm>
           <a:prstGeom prst="straightConnector1">
             <a:avLst/>
@@ -4410,8 +4414,8 @@
         </p:nvCxnSpPr>
         <p:spPr>
           <a:xfrm>
-            <a:off x="5295265" y="2861945"/>
-            <a:ext cx="1936115" cy="1551940"/>
+            <a:off x="5432425" y="2694305"/>
+            <a:ext cx="1798955" cy="1266190"/>
           </a:xfrm>
           <a:prstGeom prst="straightConnector1">
             <a:avLst/>
@@ -4446,8 +4450,8 @@
         </p:nvCxnSpPr>
         <p:spPr>
           <a:xfrm flipH="1">
-            <a:off x="6219825" y="2774315"/>
-            <a:ext cx="680085" cy="3105150"/>
+            <a:off x="6219825" y="2676525"/>
+            <a:ext cx="697865" cy="2749550"/>
           </a:xfrm>
           <a:prstGeom prst="straightConnector1">
             <a:avLst/>
@@ -4482,8 +4486,8 @@
         </p:nvCxnSpPr>
         <p:spPr>
           <a:xfrm>
-            <a:off x="7527925" y="2844165"/>
-            <a:ext cx="2179955" cy="3087370"/>
+            <a:off x="7745095" y="2685415"/>
+            <a:ext cx="1962785" cy="2792730"/>
           </a:xfrm>
           <a:prstGeom prst="straightConnector1">
             <a:avLst/>
@@ -4518,8 +4522,8 @@
         </p:nvCxnSpPr>
         <p:spPr>
           <a:xfrm flipH="1">
-            <a:off x="3114675" y="2792095"/>
-            <a:ext cx="3070225" cy="3017520"/>
+            <a:off x="3114675" y="2667635"/>
+            <a:ext cx="3046730" cy="2688590"/>
           </a:xfrm>
           <a:prstGeom prst="straightConnector1">
             <a:avLst/>
@@ -4563,7 +4567,7 @@
         </p:blipFill>
         <p:spPr>
           <a:xfrm>
-            <a:off x="4552950" y="830580"/>
+            <a:off x="4552950" y="377190"/>
             <a:ext cx="3085465" cy="1308735"/>
           </a:xfrm>
           <a:prstGeom prst="rect">
@@ -4584,7 +4588,7 @@
         </p:nvSpPr>
         <p:spPr>
           <a:xfrm>
-            <a:off x="6838315" y="1589405"/>
+            <a:off x="6838315" y="1136015"/>
             <a:ext cx="1478915" cy="368300"/>
           </a:xfrm>
           <a:prstGeom prst="rect">
@@ -4629,7 +4633,7 @@
         </p:nvCxnSpPr>
         <p:spPr>
           <a:xfrm flipH="1">
-            <a:off x="6186805" y="1653540"/>
+            <a:off x="6186805" y="1209040"/>
             <a:ext cx="19685" cy="628015"/>
           </a:xfrm>
           <a:prstGeom prst="straightConnector1">
@@ -4960,13 +4964,19 @@
             <p:ph type="title"/>
           </p:nvPr>
         </p:nvSpPr>
-        <p:spPr/>
+        <p:spPr>
+          <a:xfrm>
+            <a:off x="609600" y="581025"/>
+            <a:ext cx="10972800" cy="582613"/>
+          </a:xfrm>
+        </p:spPr>
         <p:txBody>
           <a:bodyPr/>
           <a:p>
+            <a:pPr algn="ctr"/>
             <a:r>
               <a:rPr lang="" altLang="en-US" b="1"/>
-              <a:t>MEMBUAT DATA</a:t>
+              <a:t>MEMBUAT FORMAT DATA STANDARD</a:t>
             </a:r>
             <a:endParaRPr lang="" altLang="en-US" b="1"/>
           </a:p>
@@ -4979,8 +4989,8 @@
           <p:nvPr/>
         </p:nvGraphicFramePr>
         <p:xfrm>
-          <a:off x="609600" y="1235710"/>
-          <a:ext cx="6754495" cy="4079875"/>
+          <a:off x="1960245" y="2857500"/>
+          <a:ext cx="8272145" cy="2438400"/>
         </p:xfrm>
         <a:graphic>
           <a:graphicData uri="http://schemas.openxmlformats.org/drawingml/2006/table">
@@ -4989,16 +4999,17 @@
                 <a:tableStyleId>{5C22544A-7EE6-4342-B048-85BDC9FD1C3A}</a:tableStyleId>
               </a:tblPr>
               <a:tblGrid>
-                <a:gridCol w="494030"/>
-                <a:gridCol w="856615"/>
-                <a:gridCol w="857250"/>
-                <a:gridCol w="856615"/>
-                <a:gridCol w="857250"/>
-                <a:gridCol w="856615"/>
-                <a:gridCol w="857250"/>
-                <a:gridCol w="1118870"/>
+                <a:gridCol w="536575"/>
+                <a:gridCol w="931545"/>
+                <a:gridCol w="930910"/>
+                <a:gridCol w="931545"/>
+                <a:gridCol w="930910"/>
+                <a:gridCol w="931545"/>
+                <a:gridCol w="930910"/>
+                <a:gridCol w="932180"/>
+                <a:gridCol w="1216025"/>
               </a:tblGrid>
-              <a:tr h="480695">
+              <a:tr h="484505">
                 <a:tc>
                   <a:txBody>
                     <a:bodyPr/>
@@ -5016,6 +5027,74 @@
                         <a:t>No</a:t>
                       </a:r>
                       <a:endParaRPr lang="en-US" b="0">
+                        <a:solidFill>
+                          <a:srgbClr val="FFFFFF"/>
+                        </a:solidFill>
+                        <a:latin typeface="Calibri" charset="-122"/>
+                      </a:endParaRPr>
+                    </a:p>
+                  </a:txBody>
+                  <a:tcPr marL="12700" marR="12700" marT="12700" vert="horz" anchor="ctr" anchorCtr="0">
+                    <a:lnL w="6350" cap="flat" cmpd="sng">
+                      <a:solidFill>
+                        <a:srgbClr val="000000"/>
+                      </a:solidFill>
+                      <a:prstDash val="solid"/>
+                      <a:headEnd type="none" w="med" len="med"/>
+                      <a:tailEnd type="none" w="med" len="med"/>
+                    </a:lnL>
+                    <a:lnR w="6350" cap="flat" cmpd="sng">
+                      <a:solidFill>
+                        <a:srgbClr val="000000"/>
+                      </a:solidFill>
+                      <a:prstDash val="solid"/>
+                      <a:headEnd type="none" w="med" len="med"/>
+                      <a:tailEnd type="none" w="med" len="med"/>
+                    </a:lnR>
+                    <a:lnT w="6350" cap="flat" cmpd="sng">
+                      <a:solidFill>
+                        <a:srgbClr val="000000"/>
+                      </a:solidFill>
+                      <a:prstDash val="solid"/>
+                      <a:headEnd type="none" w="med" len="med"/>
+                      <a:tailEnd type="none" w="med" len="med"/>
+                    </a:lnT>
+                    <a:lnB w="6350" cap="flat" cmpd="sng">
+                      <a:solidFill>
+                        <a:srgbClr val="000000"/>
+                      </a:solidFill>
+                      <a:prstDash val="solid"/>
+                      <a:headEnd type="none" w="med" len="med"/>
+                      <a:tailEnd type="none" w="med" len="med"/>
+                    </a:lnB>
+                    <a:lnTlToBr>
+                      <a:noFill/>
+                    </a:lnTlToBr>
+                    <a:lnBlToTr>
+                      <a:noFill/>
+                    </a:lnBlToTr>
+                    <a:solidFill>
+                      <a:srgbClr val="00B0F0"/>
+                    </a:solidFill>
+                  </a:tcPr>
+                </a:tc>
+                <a:tc>
+                  <a:txBody>
+                    <a:bodyPr/>
+                    <a:p>
+                      <a:pPr indent="0" algn="ctr">
+                        <a:buNone/>
+                      </a:pPr>
+                      <a:r>
+                        <a:rPr lang="" altLang="en-US" b="0">
+                          <a:solidFill>
+                            <a:srgbClr val="FFFFFF"/>
+                          </a:solidFill>
+                          <a:latin typeface="Calibri" charset="-122"/>
+                        </a:rPr>
+                        <a:t>title</a:t>
+                      </a:r>
+                      <a:endParaRPr lang="" altLang="en-US" b="0">
                         <a:solidFill>
                           <a:srgbClr val="FFFFFF"/>
                         </a:solidFill>
@@ -5544,7 +5623,7 @@
                   </a:tcPr>
                 </a:tc>
               </a:tr>
-              <a:tr h="332740">
+              <a:tr h="335280">
                 <a:tc>
                   <a:txBody>
                     <a:bodyPr/>
@@ -5562,6 +5641,4404 @@
                         <a:t>1</a:t>
                       </a:r>
                       <a:endParaRPr lang="en-US" b="0">
+                        <a:solidFill>
+                          <a:srgbClr val="000000"/>
+                        </a:solidFill>
+                        <a:latin typeface="Calibri" charset="-122"/>
+                      </a:endParaRPr>
+                    </a:p>
+                  </a:txBody>
+                  <a:tcPr marL="12700" marR="12700" marT="12700" vert="horz" anchor="ctr" anchorCtr="0">
+                    <a:lnL w="6350" cap="flat" cmpd="sng">
+                      <a:solidFill>
+                        <a:srgbClr val="000000"/>
+                      </a:solidFill>
+                      <a:prstDash val="solid"/>
+                      <a:headEnd type="none" w="med" len="med"/>
+                      <a:tailEnd type="none" w="med" len="med"/>
+                    </a:lnL>
+                    <a:lnR w="6350" cap="flat" cmpd="sng">
+                      <a:solidFill>
+                        <a:srgbClr val="000000"/>
+                      </a:solidFill>
+                      <a:prstDash val="solid"/>
+                      <a:headEnd type="none" w="med" len="med"/>
+                      <a:tailEnd type="none" w="med" len="med"/>
+                    </a:lnR>
+                    <a:lnT w="6350" cap="flat" cmpd="sng">
+                      <a:solidFill>
+                        <a:srgbClr val="000000"/>
+                      </a:solidFill>
+                      <a:prstDash val="solid"/>
+                      <a:headEnd type="none" w="med" len="med"/>
+                      <a:tailEnd type="none" w="med" len="med"/>
+                    </a:lnT>
+                    <a:lnB w="6350" cap="flat" cmpd="sng">
+                      <a:solidFill>
+                        <a:srgbClr val="000000"/>
+                      </a:solidFill>
+                      <a:prstDash val="solid"/>
+                      <a:headEnd type="none" w="med" len="med"/>
+                      <a:tailEnd type="none" w="med" len="med"/>
+                    </a:lnB>
+                    <a:lnTlToBr>
+                      <a:noFill/>
+                    </a:lnTlToBr>
+                    <a:lnBlToTr>
+                      <a:noFill/>
+                    </a:lnBlToTr>
+                    <a:noFill/>
+                  </a:tcPr>
+                </a:tc>
+                <a:tc>
+                  <a:txBody>
+                    <a:bodyPr/>
+                    <a:p>
+                      <a:pPr indent="0" algn="ctr">
+                        <a:buNone/>
+                      </a:pPr>
+                      <a:r>
+                        <a:rPr lang="" altLang="en-US" b="0">
+                          <a:solidFill>
+                            <a:srgbClr val="000000"/>
+                          </a:solidFill>
+                          <a:latin typeface="Calibri" charset="-122"/>
+                        </a:rPr>
+                        <a:t>judul1</a:t>
+                      </a:r>
+                      <a:endParaRPr lang="" altLang="en-US" b="0">
+                        <a:solidFill>
+                          <a:srgbClr val="000000"/>
+                        </a:solidFill>
+                        <a:latin typeface="Calibri" charset="-122"/>
+                      </a:endParaRPr>
+                    </a:p>
+                  </a:txBody>
+                  <a:tcPr marL="12700" marR="12700" marT="12700" vert="horz" anchor="ctr" anchorCtr="0">
+                    <a:lnL w="6350" cap="flat" cmpd="sng">
+                      <a:solidFill>
+                        <a:srgbClr val="000000"/>
+                      </a:solidFill>
+                      <a:prstDash val="solid"/>
+                      <a:headEnd type="none" w="med" len="med"/>
+                      <a:tailEnd type="none" w="med" len="med"/>
+                    </a:lnL>
+                    <a:lnR w="6350" cap="flat" cmpd="sng">
+                      <a:solidFill>
+                        <a:srgbClr val="000000"/>
+                      </a:solidFill>
+                      <a:prstDash val="solid"/>
+                      <a:headEnd type="none" w="med" len="med"/>
+                      <a:tailEnd type="none" w="med" len="med"/>
+                    </a:lnR>
+                    <a:lnT w="6350" cap="flat" cmpd="sng">
+                      <a:solidFill>
+                        <a:srgbClr val="000000"/>
+                      </a:solidFill>
+                      <a:prstDash val="solid"/>
+                      <a:headEnd type="none" w="med" len="med"/>
+                      <a:tailEnd type="none" w="med" len="med"/>
+                    </a:lnT>
+                    <a:lnB w="6350" cap="flat" cmpd="sng">
+                      <a:solidFill>
+                        <a:srgbClr val="000000"/>
+                      </a:solidFill>
+                      <a:prstDash val="solid"/>
+                      <a:headEnd type="none" w="med" len="med"/>
+                      <a:tailEnd type="none" w="med" len="med"/>
+                    </a:lnB>
+                    <a:lnTlToBr>
+                      <a:noFill/>
+                    </a:lnTlToBr>
+                    <a:lnBlToTr>
+                      <a:noFill/>
+                    </a:lnBlToTr>
+                    <a:noFill/>
+                  </a:tcPr>
+                </a:tc>
+                <a:tc>
+                  <a:txBody>
+                    <a:bodyPr/>
+                    <a:p>
+                      <a:pPr indent="0" algn="ctr">
+                        <a:buNone/>
+                      </a:pPr>
+                      <a:r>
+                        <a:rPr lang="" altLang="en-US" b="0">
+                          <a:solidFill>
+                            <a:srgbClr val="000000"/>
+                          </a:solidFill>
+                          <a:latin typeface="Calibri" charset="-122"/>
+                        </a:rPr>
+                        <a:t>x</a:t>
+                      </a:r>
+                      <a:endParaRPr lang="" altLang="en-US" b="0">
+                        <a:solidFill>
+                          <a:srgbClr val="000000"/>
+                        </a:solidFill>
+                        <a:latin typeface="Calibri" charset="-122"/>
+                      </a:endParaRPr>
+                    </a:p>
+                  </a:txBody>
+                  <a:tcPr marL="12700" marR="12700" marT="12700" vert="horz" anchor="ctr" anchorCtr="0">
+                    <a:lnL w="6350" cap="flat" cmpd="sng">
+                      <a:solidFill>
+                        <a:srgbClr val="000000"/>
+                      </a:solidFill>
+                      <a:prstDash val="solid"/>
+                      <a:headEnd type="none" w="med" len="med"/>
+                      <a:tailEnd type="none" w="med" len="med"/>
+                    </a:lnL>
+                    <a:lnR w="6350" cap="flat" cmpd="sng">
+                      <a:solidFill>
+                        <a:srgbClr val="000000"/>
+                      </a:solidFill>
+                      <a:prstDash val="solid"/>
+                      <a:headEnd type="none" w="med" len="med"/>
+                      <a:tailEnd type="none" w="med" len="med"/>
+                    </a:lnR>
+                    <a:lnT w="6350" cap="flat" cmpd="sng">
+                      <a:solidFill>
+                        <a:srgbClr val="000000"/>
+                      </a:solidFill>
+                      <a:prstDash val="solid"/>
+                      <a:headEnd type="none" w="med" len="med"/>
+                      <a:tailEnd type="none" w="med" len="med"/>
+                    </a:lnT>
+                    <a:lnB w="6350" cap="flat" cmpd="sng">
+                      <a:solidFill>
+                        <a:srgbClr val="000000"/>
+                      </a:solidFill>
+                      <a:prstDash val="solid"/>
+                      <a:headEnd type="none" w="med" len="med"/>
+                      <a:tailEnd type="none" w="med" len="med"/>
+                    </a:lnB>
+                    <a:lnTlToBr>
+                      <a:noFill/>
+                    </a:lnTlToBr>
+                    <a:lnBlToTr>
+                      <a:noFill/>
+                    </a:lnBlToTr>
+                    <a:noFill/>
+                  </a:tcPr>
+                </a:tc>
+                <a:tc>
+                  <a:txBody>
+                    <a:bodyPr/>
+                    <a:p>
+                      <a:pPr indent="0" algn="ctr">
+                        <a:buNone/>
+                      </a:pPr>
+                      <a:r>
+                        <a:rPr lang="" altLang="en-US" b="0">
+                          <a:solidFill>
+                            <a:srgbClr val="000000"/>
+                          </a:solidFill>
+                          <a:latin typeface="Calibri" charset="-122"/>
+                        </a:rPr>
+                        <a:t>x</a:t>
+                      </a:r>
+                      <a:endParaRPr lang="" altLang="en-US" b="0">
+                        <a:solidFill>
+                          <a:srgbClr val="000000"/>
+                        </a:solidFill>
+                        <a:latin typeface="Calibri" charset="-122"/>
+                      </a:endParaRPr>
+                    </a:p>
+                  </a:txBody>
+                  <a:tcPr marL="12700" marR="12700" marT="12700" vert="horz" anchor="ctr" anchorCtr="0">
+                    <a:lnL w="6350" cap="flat" cmpd="sng">
+                      <a:solidFill>
+                        <a:srgbClr val="000000"/>
+                      </a:solidFill>
+                      <a:prstDash val="solid"/>
+                      <a:headEnd type="none" w="med" len="med"/>
+                      <a:tailEnd type="none" w="med" len="med"/>
+                    </a:lnL>
+                    <a:lnR w="6350" cap="flat" cmpd="sng">
+                      <a:solidFill>
+                        <a:srgbClr val="000000"/>
+                      </a:solidFill>
+                      <a:prstDash val="solid"/>
+                      <a:headEnd type="none" w="med" len="med"/>
+                      <a:tailEnd type="none" w="med" len="med"/>
+                    </a:lnR>
+                    <a:lnT w="6350" cap="flat" cmpd="sng">
+                      <a:solidFill>
+                        <a:srgbClr val="000000"/>
+                      </a:solidFill>
+                      <a:prstDash val="solid"/>
+                      <a:headEnd type="none" w="med" len="med"/>
+                      <a:tailEnd type="none" w="med" len="med"/>
+                    </a:lnT>
+                    <a:lnB w="6350" cap="flat" cmpd="sng">
+                      <a:solidFill>
+                        <a:srgbClr val="000000"/>
+                      </a:solidFill>
+                      <a:prstDash val="solid"/>
+                      <a:headEnd type="none" w="med" len="med"/>
+                      <a:tailEnd type="none" w="med" len="med"/>
+                    </a:lnB>
+                    <a:lnTlToBr>
+                      <a:noFill/>
+                    </a:lnTlToBr>
+                    <a:lnBlToTr>
+                      <a:noFill/>
+                    </a:lnBlToTr>
+                    <a:noFill/>
+                  </a:tcPr>
+                </a:tc>
+                <a:tc>
+                  <a:txBody>
+                    <a:bodyPr/>
+                    <a:p>
+                      <a:pPr indent="0" algn="ctr">
+                        <a:buNone/>
+                      </a:pPr>
+                      <a:r>
+                        <a:rPr lang="" altLang="en-US" b="0">
+                          <a:solidFill>
+                            <a:srgbClr val="000000"/>
+                          </a:solidFill>
+                          <a:latin typeface="Calibri" charset="-122"/>
+                        </a:rPr>
+                        <a:t>x</a:t>
+                      </a:r>
+                      <a:endParaRPr lang="" altLang="en-US" b="0">
+                        <a:solidFill>
+                          <a:srgbClr val="000000"/>
+                        </a:solidFill>
+                        <a:latin typeface="Calibri" charset="-122"/>
+                      </a:endParaRPr>
+                    </a:p>
+                  </a:txBody>
+                  <a:tcPr marL="12700" marR="12700" marT="12700" vert="horz" anchor="ctr" anchorCtr="0">
+                    <a:lnL w="6350" cap="flat" cmpd="sng">
+                      <a:solidFill>
+                        <a:srgbClr val="000000"/>
+                      </a:solidFill>
+                      <a:prstDash val="solid"/>
+                      <a:headEnd type="none" w="med" len="med"/>
+                      <a:tailEnd type="none" w="med" len="med"/>
+                    </a:lnL>
+                    <a:lnR w="6350" cap="flat" cmpd="sng">
+                      <a:solidFill>
+                        <a:srgbClr val="000000"/>
+                      </a:solidFill>
+                      <a:prstDash val="solid"/>
+                      <a:headEnd type="none" w="med" len="med"/>
+                      <a:tailEnd type="none" w="med" len="med"/>
+                    </a:lnR>
+                    <a:lnT w="6350" cap="flat" cmpd="sng">
+                      <a:solidFill>
+                        <a:srgbClr val="000000"/>
+                      </a:solidFill>
+                      <a:prstDash val="solid"/>
+                      <a:headEnd type="none" w="med" len="med"/>
+                      <a:tailEnd type="none" w="med" len="med"/>
+                    </a:lnT>
+                    <a:lnB w="6350" cap="flat" cmpd="sng">
+                      <a:solidFill>
+                        <a:srgbClr val="000000"/>
+                      </a:solidFill>
+                      <a:prstDash val="solid"/>
+                      <a:headEnd type="none" w="med" len="med"/>
+                      <a:tailEnd type="none" w="med" len="med"/>
+                    </a:lnB>
+                    <a:lnTlToBr>
+                      <a:noFill/>
+                    </a:lnTlToBr>
+                    <a:lnBlToTr>
+                      <a:noFill/>
+                    </a:lnBlToTr>
+                    <a:noFill/>
+                  </a:tcPr>
+                </a:tc>
+                <a:tc>
+                  <a:txBody>
+                    <a:bodyPr/>
+                    <a:p>
+                      <a:pPr indent="0" algn="ctr">
+                        <a:buNone/>
+                      </a:pPr>
+                      <a:r>
+                        <a:rPr lang="" altLang="en-US" b="0">
+                          <a:solidFill>
+                            <a:srgbClr val="000000"/>
+                          </a:solidFill>
+                          <a:latin typeface="Calibri" charset="-122"/>
+                        </a:rPr>
+                        <a:t>x</a:t>
+                      </a:r>
+                      <a:endParaRPr lang="" altLang="en-US" b="0">
+                        <a:solidFill>
+                          <a:srgbClr val="000000"/>
+                        </a:solidFill>
+                        <a:latin typeface="Calibri" charset="-122"/>
+                      </a:endParaRPr>
+                    </a:p>
+                  </a:txBody>
+                  <a:tcPr marL="12700" marR="12700" marT="12700" vert="horz" anchor="ctr" anchorCtr="0">
+                    <a:lnL w="6350" cap="flat" cmpd="sng">
+                      <a:solidFill>
+                        <a:srgbClr val="000000"/>
+                      </a:solidFill>
+                      <a:prstDash val="solid"/>
+                      <a:headEnd type="none" w="med" len="med"/>
+                      <a:tailEnd type="none" w="med" len="med"/>
+                    </a:lnL>
+                    <a:lnR w="6350" cap="flat" cmpd="sng">
+                      <a:solidFill>
+                        <a:srgbClr val="000000"/>
+                      </a:solidFill>
+                      <a:prstDash val="solid"/>
+                      <a:headEnd type="none" w="med" len="med"/>
+                      <a:tailEnd type="none" w="med" len="med"/>
+                    </a:lnR>
+                    <a:lnT w="6350" cap="flat" cmpd="sng">
+                      <a:solidFill>
+                        <a:srgbClr val="000000"/>
+                      </a:solidFill>
+                      <a:prstDash val="solid"/>
+                      <a:headEnd type="none" w="med" len="med"/>
+                      <a:tailEnd type="none" w="med" len="med"/>
+                    </a:lnT>
+                    <a:lnB w="6350" cap="flat" cmpd="sng">
+                      <a:solidFill>
+                        <a:srgbClr val="000000"/>
+                      </a:solidFill>
+                      <a:prstDash val="solid"/>
+                      <a:headEnd type="none" w="med" len="med"/>
+                      <a:tailEnd type="none" w="med" len="med"/>
+                    </a:lnB>
+                    <a:lnTlToBr>
+                      <a:noFill/>
+                    </a:lnTlToBr>
+                    <a:lnBlToTr>
+                      <a:noFill/>
+                    </a:lnBlToTr>
+                    <a:noFill/>
+                  </a:tcPr>
+                </a:tc>
+                <a:tc>
+                  <a:txBody>
+                    <a:bodyPr/>
+                    <a:p>
+                      <a:pPr indent="0" algn="ctr">
+                        <a:buNone/>
+                      </a:pPr>
+                      <a:r>
+                        <a:rPr lang="" altLang="en-US" b="0">
+                          <a:solidFill>
+                            <a:srgbClr val="000000"/>
+                          </a:solidFill>
+                          <a:latin typeface="Calibri" charset="-122"/>
+                        </a:rPr>
+                        <a:t>x</a:t>
+                      </a:r>
+                      <a:endParaRPr lang="" altLang="en-US" b="0">
+                        <a:solidFill>
+                          <a:srgbClr val="000000"/>
+                        </a:solidFill>
+                        <a:latin typeface="Calibri" charset="-122"/>
+                      </a:endParaRPr>
+                    </a:p>
+                  </a:txBody>
+                  <a:tcPr marL="12700" marR="12700" marT="12700" vert="horz" anchor="ctr" anchorCtr="0">
+                    <a:lnL w="6350" cap="flat" cmpd="sng">
+                      <a:solidFill>
+                        <a:srgbClr val="000000"/>
+                      </a:solidFill>
+                      <a:prstDash val="solid"/>
+                      <a:headEnd type="none" w="med" len="med"/>
+                      <a:tailEnd type="none" w="med" len="med"/>
+                    </a:lnL>
+                    <a:lnR w="6350" cap="flat" cmpd="sng">
+                      <a:solidFill>
+                        <a:srgbClr val="000000"/>
+                      </a:solidFill>
+                      <a:prstDash val="solid"/>
+                      <a:headEnd type="none" w="med" len="med"/>
+                      <a:tailEnd type="none" w="med" len="med"/>
+                    </a:lnR>
+                    <a:lnT w="6350" cap="flat" cmpd="sng">
+                      <a:solidFill>
+                        <a:srgbClr val="000000"/>
+                      </a:solidFill>
+                      <a:prstDash val="solid"/>
+                      <a:headEnd type="none" w="med" len="med"/>
+                      <a:tailEnd type="none" w="med" len="med"/>
+                    </a:lnT>
+                    <a:lnB w="6350" cap="flat" cmpd="sng">
+                      <a:solidFill>
+                        <a:srgbClr val="000000"/>
+                      </a:solidFill>
+                      <a:prstDash val="solid"/>
+                      <a:headEnd type="none" w="med" len="med"/>
+                      <a:tailEnd type="none" w="med" len="med"/>
+                    </a:lnB>
+                    <a:lnTlToBr>
+                      <a:noFill/>
+                    </a:lnTlToBr>
+                    <a:lnBlToTr>
+                      <a:noFill/>
+                    </a:lnBlToTr>
+                    <a:noFill/>
+                  </a:tcPr>
+                </a:tc>
+                <a:tc>
+                  <a:txBody>
+                    <a:bodyPr/>
+                    <a:p>
+                      <a:pPr indent="0" algn="ctr">
+                        <a:buNone/>
+                      </a:pPr>
+                      <a:r>
+                        <a:rPr lang="" altLang="en-US" b="0">
+                          <a:solidFill>
+                            <a:srgbClr val="000000"/>
+                          </a:solidFill>
+                          <a:latin typeface="Calibri" charset="-122"/>
+                        </a:rPr>
+                        <a:t>x</a:t>
+                      </a:r>
+                      <a:endParaRPr lang="" altLang="en-US" b="0">
+                        <a:solidFill>
+                          <a:srgbClr val="000000"/>
+                        </a:solidFill>
+                        <a:latin typeface="Calibri" charset="-122"/>
+                      </a:endParaRPr>
+                    </a:p>
+                  </a:txBody>
+                  <a:tcPr marL="12700" marR="12700" marT="12700" vert="horz" anchor="ctr" anchorCtr="0">
+                    <a:lnL w="6350" cap="flat" cmpd="sng">
+                      <a:solidFill>
+                        <a:srgbClr val="000000"/>
+                      </a:solidFill>
+                      <a:prstDash val="solid"/>
+                      <a:headEnd type="none" w="med" len="med"/>
+                      <a:tailEnd type="none" w="med" len="med"/>
+                    </a:lnL>
+                    <a:lnR w="6350" cap="flat" cmpd="sng">
+                      <a:solidFill>
+                        <a:srgbClr val="000000"/>
+                      </a:solidFill>
+                      <a:prstDash val="solid"/>
+                      <a:headEnd type="none" w="med" len="med"/>
+                      <a:tailEnd type="none" w="med" len="med"/>
+                    </a:lnR>
+                    <a:lnT w="6350" cap="flat" cmpd="sng">
+                      <a:solidFill>
+                        <a:srgbClr val="000000"/>
+                      </a:solidFill>
+                      <a:prstDash val="solid"/>
+                      <a:headEnd type="none" w="med" len="med"/>
+                      <a:tailEnd type="none" w="med" len="med"/>
+                    </a:lnT>
+                    <a:lnB w="6350" cap="flat" cmpd="sng">
+                      <a:solidFill>
+                        <a:srgbClr val="000000"/>
+                      </a:solidFill>
+                      <a:prstDash val="solid"/>
+                      <a:headEnd type="none" w="med" len="med"/>
+                      <a:tailEnd type="none" w="med" len="med"/>
+                    </a:lnB>
+                    <a:lnTlToBr>
+                      <a:noFill/>
+                    </a:lnTlToBr>
+                    <a:lnBlToTr>
+                      <a:noFill/>
+                    </a:lnBlToTr>
+                    <a:noFill/>
+                  </a:tcPr>
+                </a:tc>
+                <a:tc>
+                  <a:txBody>
+                    <a:bodyPr/>
+                    <a:p>
+                      <a:pPr indent="0">
+                        <a:buNone/>
+                      </a:pPr>
+                      <a:r>
+                        <a:rPr lang="" altLang="en-US" b="0">
+                          <a:solidFill>
+                            <a:srgbClr val="000000"/>
+                          </a:solidFill>
+                          <a:latin typeface="Calibri" charset="-122"/>
+                        </a:rPr>
+                        <a:t>kategori1</a:t>
+                      </a:r>
+                      <a:endParaRPr lang="" altLang="en-US" b="0">
+                        <a:solidFill>
+                          <a:srgbClr val="000000"/>
+                        </a:solidFill>
+                        <a:latin typeface="Calibri" charset="-122"/>
+                      </a:endParaRPr>
+                    </a:p>
+                  </a:txBody>
+                  <a:tcPr marL="12700" marR="12700" marT="12700" vert="horz" anchor="ctr" anchorCtr="0">
+                    <a:lnL w="6350" cap="flat" cmpd="sng">
+                      <a:solidFill>
+                        <a:srgbClr val="000000"/>
+                      </a:solidFill>
+                      <a:prstDash val="solid"/>
+                      <a:headEnd type="none" w="med" len="med"/>
+                      <a:tailEnd type="none" w="med" len="med"/>
+                    </a:lnL>
+                    <a:lnR w="6350" cap="flat" cmpd="sng">
+                      <a:solidFill>
+                        <a:srgbClr val="000000"/>
+                      </a:solidFill>
+                      <a:prstDash val="solid"/>
+                      <a:headEnd type="none" w="med" len="med"/>
+                      <a:tailEnd type="none" w="med" len="med"/>
+                    </a:lnR>
+                    <a:lnT w="6350" cap="flat" cmpd="sng">
+                      <a:solidFill>
+                        <a:srgbClr val="000000"/>
+                      </a:solidFill>
+                      <a:prstDash val="solid"/>
+                      <a:headEnd type="none" w="med" len="med"/>
+                      <a:tailEnd type="none" w="med" len="med"/>
+                    </a:lnT>
+                    <a:lnB w="6350" cap="flat" cmpd="sng">
+                      <a:solidFill>
+                        <a:srgbClr val="000000"/>
+                      </a:solidFill>
+                      <a:prstDash val="solid"/>
+                      <a:headEnd type="none" w="med" len="med"/>
+                      <a:tailEnd type="none" w="med" len="med"/>
+                    </a:lnB>
+                    <a:lnTlToBr>
+                      <a:noFill/>
+                    </a:lnTlToBr>
+                    <a:lnBlToTr>
+                      <a:noFill/>
+                    </a:lnBlToTr>
+                    <a:noFill/>
+                  </a:tcPr>
+                </a:tc>
+              </a:tr>
+              <a:tr h="335915">
+                <a:tc>
+                  <a:txBody>
+                    <a:bodyPr/>
+                    <a:p>
+                      <a:pPr indent="0" algn="ctr">
+                        <a:buNone/>
+                      </a:pPr>
+                      <a:r>
+                        <a:rPr lang="en-US" b="0">
+                          <a:solidFill>
+                            <a:srgbClr val="000000"/>
+                          </a:solidFill>
+                          <a:latin typeface="Calibri" charset="-122"/>
+                        </a:rPr>
+                        <a:t>2</a:t>
+                      </a:r>
+                      <a:endParaRPr lang="en-US" b="0">
+                        <a:solidFill>
+                          <a:srgbClr val="000000"/>
+                        </a:solidFill>
+                        <a:latin typeface="Calibri" charset="-122"/>
+                      </a:endParaRPr>
+                    </a:p>
+                  </a:txBody>
+                  <a:tcPr marL="12700" marR="12700" marT="12700" vert="horz" anchor="ctr" anchorCtr="0">
+                    <a:lnL w="6350" cap="flat" cmpd="sng">
+                      <a:solidFill>
+                        <a:srgbClr val="000000"/>
+                      </a:solidFill>
+                      <a:prstDash val="solid"/>
+                      <a:headEnd type="none" w="med" len="med"/>
+                      <a:tailEnd type="none" w="med" len="med"/>
+                    </a:lnL>
+                    <a:lnR w="6350" cap="flat" cmpd="sng">
+                      <a:solidFill>
+                        <a:srgbClr val="000000"/>
+                      </a:solidFill>
+                      <a:prstDash val="solid"/>
+                      <a:headEnd type="none" w="med" len="med"/>
+                      <a:tailEnd type="none" w="med" len="med"/>
+                    </a:lnR>
+                    <a:lnT w="6350" cap="flat" cmpd="sng">
+                      <a:solidFill>
+                        <a:srgbClr val="000000"/>
+                      </a:solidFill>
+                      <a:prstDash val="solid"/>
+                      <a:headEnd type="none" w="med" len="med"/>
+                      <a:tailEnd type="none" w="med" len="med"/>
+                    </a:lnT>
+                    <a:lnB w="6350" cap="flat" cmpd="sng">
+                      <a:solidFill>
+                        <a:srgbClr val="000000"/>
+                      </a:solidFill>
+                      <a:prstDash val="solid"/>
+                      <a:headEnd type="none" w="med" len="med"/>
+                      <a:tailEnd type="none" w="med" len="med"/>
+                    </a:lnB>
+                    <a:lnTlToBr>
+                      <a:noFill/>
+                    </a:lnTlToBr>
+                    <a:lnBlToTr>
+                      <a:noFill/>
+                    </a:lnBlToTr>
+                    <a:noFill/>
+                  </a:tcPr>
+                </a:tc>
+                <a:tc>
+                  <a:txBody>
+                    <a:bodyPr/>
+                    <a:p>
+                      <a:pPr indent="0" algn="ctr">
+                        <a:buNone/>
+                      </a:pPr>
+                      <a:r>
+                        <a:rPr lang="" altLang="en-US" sz="1800">
+                          <a:solidFill>
+                            <a:srgbClr val="000000"/>
+                          </a:solidFill>
+                          <a:latin typeface="Calibri" charset="-122"/>
+                          <a:sym typeface="+mn-ea"/>
+                        </a:rPr>
+                        <a:t>judul2</a:t>
+                      </a:r>
+                      <a:endParaRPr lang="" altLang="en-US" sz="1800" b="0">
+                        <a:solidFill>
+                          <a:srgbClr val="000000"/>
+                        </a:solidFill>
+                        <a:latin typeface="Calibri" charset="-122"/>
+                        <a:sym typeface="+mn-ea"/>
+                      </a:endParaRPr>
+                    </a:p>
+                  </a:txBody>
+                  <a:tcPr marL="12700" marR="12700" marT="12700" vert="horz" anchor="ctr" anchorCtr="0">
+                    <a:lnL w="6350" cap="flat" cmpd="sng">
+                      <a:solidFill>
+                        <a:srgbClr val="000000"/>
+                      </a:solidFill>
+                      <a:prstDash val="solid"/>
+                      <a:headEnd type="none" w="med" len="med"/>
+                      <a:tailEnd type="none" w="med" len="med"/>
+                    </a:lnL>
+                    <a:lnR w="6350" cap="flat" cmpd="sng">
+                      <a:solidFill>
+                        <a:srgbClr val="000000"/>
+                      </a:solidFill>
+                      <a:prstDash val="solid"/>
+                      <a:headEnd type="none" w="med" len="med"/>
+                      <a:tailEnd type="none" w="med" len="med"/>
+                    </a:lnR>
+                    <a:lnT w="6350" cap="flat" cmpd="sng">
+                      <a:solidFill>
+                        <a:srgbClr val="000000"/>
+                      </a:solidFill>
+                      <a:prstDash val="solid"/>
+                      <a:headEnd type="none" w="med" len="med"/>
+                      <a:tailEnd type="none" w="med" len="med"/>
+                    </a:lnT>
+                    <a:lnB w="6350" cap="flat" cmpd="sng">
+                      <a:solidFill>
+                        <a:srgbClr val="000000"/>
+                      </a:solidFill>
+                      <a:prstDash val="solid"/>
+                      <a:headEnd type="none" w="med" len="med"/>
+                      <a:tailEnd type="none" w="med" len="med"/>
+                    </a:lnB>
+                    <a:lnTlToBr>
+                      <a:noFill/>
+                    </a:lnTlToBr>
+                    <a:lnBlToTr>
+                      <a:noFill/>
+                    </a:lnBlToTr>
+                    <a:noFill/>
+                  </a:tcPr>
+                </a:tc>
+                <a:tc>
+                  <a:txBody>
+                    <a:bodyPr/>
+                    <a:p>
+                      <a:pPr indent="0" algn="ctr">
+                        <a:buNone/>
+                      </a:pPr>
+                      <a:r>
+                        <a:rPr lang="" altLang="en-US" b="0">
+                          <a:solidFill>
+                            <a:srgbClr val="000000"/>
+                          </a:solidFill>
+                          <a:latin typeface="Calibri" charset="-122"/>
+                        </a:rPr>
+                        <a:t>x</a:t>
+                      </a:r>
+                      <a:endParaRPr lang="" altLang="en-US" b="0">
+                        <a:solidFill>
+                          <a:srgbClr val="000000"/>
+                        </a:solidFill>
+                        <a:latin typeface="Calibri" charset="-122"/>
+                      </a:endParaRPr>
+                    </a:p>
+                  </a:txBody>
+                  <a:tcPr marL="12700" marR="12700" marT="12700" vert="horz" anchor="ctr" anchorCtr="0">
+                    <a:lnL w="6350" cap="flat" cmpd="sng">
+                      <a:solidFill>
+                        <a:srgbClr val="000000"/>
+                      </a:solidFill>
+                      <a:prstDash val="solid"/>
+                      <a:headEnd type="none" w="med" len="med"/>
+                      <a:tailEnd type="none" w="med" len="med"/>
+                    </a:lnL>
+                    <a:lnR w="6350" cap="flat" cmpd="sng">
+                      <a:solidFill>
+                        <a:srgbClr val="000000"/>
+                      </a:solidFill>
+                      <a:prstDash val="solid"/>
+                      <a:headEnd type="none" w="med" len="med"/>
+                      <a:tailEnd type="none" w="med" len="med"/>
+                    </a:lnR>
+                    <a:lnT w="6350" cap="flat" cmpd="sng">
+                      <a:solidFill>
+                        <a:srgbClr val="000000"/>
+                      </a:solidFill>
+                      <a:prstDash val="solid"/>
+                      <a:headEnd type="none" w="med" len="med"/>
+                      <a:tailEnd type="none" w="med" len="med"/>
+                    </a:lnT>
+                    <a:lnB w="6350" cap="flat" cmpd="sng">
+                      <a:solidFill>
+                        <a:srgbClr val="000000"/>
+                      </a:solidFill>
+                      <a:prstDash val="solid"/>
+                      <a:headEnd type="none" w="med" len="med"/>
+                      <a:tailEnd type="none" w="med" len="med"/>
+                    </a:lnB>
+                    <a:lnTlToBr>
+                      <a:noFill/>
+                    </a:lnTlToBr>
+                    <a:lnBlToTr>
+                      <a:noFill/>
+                    </a:lnBlToTr>
+                    <a:noFill/>
+                  </a:tcPr>
+                </a:tc>
+                <a:tc>
+                  <a:txBody>
+                    <a:bodyPr/>
+                    <a:p>
+                      <a:pPr indent="0" algn="ctr">
+                        <a:buNone/>
+                      </a:pPr>
+                      <a:r>
+                        <a:rPr lang="" altLang="en-US" b="0">
+                          <a:solidFill>
+                            <a:srgbClr val="000000"/>
+                          </a:solidFill>
+                          <a:latin typeface="Calibri" charset="-122"/>
+                        </a:rPr>
+                        <a:t>x</a:t>
+                      </a:r>
+                      <a:endParaRPr lang="" altLang="en-US" b="0">
+                        <a:solidFill>
+                          <a:srgbClr val="000000"/>
+                        </a:solidFill>
+                        <a:latin typeface="Calibri" charset="-122"/>
+                      </a:endParaRPr>
+                    </a:p>
+                  </a:txBody>
+                  <a:tcPr marL="12700" marR="12700" marT="12700" vert="horz" anchor="ctr" anchorCtr="0">
+                    <a:lnL w="6350" cap="flat" cmpd="sng">
+                      <a:solidFill>
+                        <a:srgbClr val="000000"/>
+                      </a:solidFill>
+                      <a:prstDash val="solid"/>
+                      <a:headEnd type="none" w="med" len="med"/>
+                      <a:tailEnd type="none" w="med" len="med"/>
+                    </a:lnL>
+                    <a:lnR w="6350" cap="flat" cmpd="sng">
+                      <a:solidFill>
+                        <a:srgbClr val="000000"/>
+                      </a:solidFill>
+                      <a:prstDash val="solid"/>
+                      <a:headEnd type="none" w="med" len="med"/>
+                      <a:tailEnd type="none" w="med" len="med"/>
+                    </a:lnR>
+                    <a:lnT w="6350" cap="flat" cmpd="sng">
+                      <a:solidFill>
+                        <a:srgbClr val="000000"/>
+                      </a:solidFill>
+                      <a:prstDash val="solid"/>
+                      <a:headEnd type="none" w="med" len="med"/>
+                      <a:tailEnd type="none" w="med" len="med"/>
+                    </a:lnT>
+                    <a:lnB w="6350" cap="flat" cmpd="sng">
+                      <a:solidFill>
+                        <a:srgbClr val="000000"/>
+                      </a:solidFill>
+                      <a:prstDash val="solid"/>
+                      <a:headEnd type="none" w="med" len="med"/>
+                      <a:tailEnd type="none" w="med" len="med"/>
+                    </a:lnB>
+                    <a:lnTlToBr>
+                      <a:noFill/>
+                    </a:lnTlToBr>
+                    <a:lnBlToTr>
+                      <a:noFill/>
+                    </a:lnBlToTr>
+                    <a:noFill/>
+                  </a:tcPr>
+                </a:tc>
+                <a:tc>
+                  <a:txBody>
+                    <a:bodyPr/>
+                    <a:p>
+                      <a:pPr indent="0" algn="ctr">
+                        <a:buNone/>
+                      </a:pPr>
+                      <a:r>
+                        <a:rPr lang="" altLang="en-US" b="0">
+                          <a:solidFill>
+                            <a:srgbClr val="000000"/>
+                          </a:solidFill>
+                          <a:latin typeface="Calibri" charset="-122"/>
+                        </a:rPr>
+                        <a:t>x</a:t>
+                      </a:r>
+                      <a:endParaRPr lang="" altLang="en-US" b="0">
+                        <a:solidFill>
+                          <a:srgbClr val="000000"/>
+                        </a:solidFill>
+                        <a:latin typeface="Calibri" charset="-122"/>
+                      </a:endParaRPr>
+                    </a:p>
+                  </a:txBody>
+                  <a:tcPr marL="12700" marR="12700" marT="12700" vert="horz" anchor="ctr" anchorCtr="0">
+                    <a:lnL w="6350" cap="flat" cmpd="sng">
+                      <a:solidFill>
+                        <a:srgbClr val="000000"/>
+                      </a:solidFill>
+                      <a:prstDash val="solid"/>
+                      <a:headEnd type="none" w="med" len="med"/>
+                      <a:tailEnd type="none" w="med" len="med"/>
+                    </a:lnL>
+                    <a:lnR w="6350" cap="flat" cmpd="sng">
+                      <a:solidFill>
+                        <a:srgbClr val="000000"/>
+                      </a:solidFill>
+                      <a:prstDash val="solid"/>
+                      <a:headEnd type="none" w="med" len="med"/>
+                      <a:tailEnd type="none" w="med" len="med"/>
+                    </a:lnR>
+                    <a:lnT w="6350" cap="flat" cmpd="sng">
+                      <a:solidFill>
+                        <a:srgbClr val="000000"/>
+                      </a:solidFill>
+                      <a:prstDash val="solid"/>
+                      <a:headEnd type="none" w="med" len="med"/>
+                      <a:tailEnd type="none" w="med" len="med"/>
+                    </a:lnT>
+                    <a:lnB w="6350" cap="flat" cmpd="sng">
+                      <a:solidFill>
+                        <a:srgbClr val="000000"/>
+                      </a:solidFill>
+                      <a:prstDash val="solid"/>
+                      <a:headEnd type="none" w="med" len="med"/>
+                      <a:tailEnd type="none" w="med" len="med"/>
+                    </a:lnB>
+                    <a:lnTlToBr>
+                      <a:noFill/>
+                    </a:lnTlToBr>
+                    <a:lnBlToTr>
+                      <a:noFill/>
+                    </a:lnBlToTr>
+                    <a:noFill/>
+                  </a:tcPr>
+                </a:tc>
+                <a:tc>
+                  <a:txBody>
+                    <a:bodyPr/>
+                    <a:p>
+                      <a:pPr indent="0" algn="ctr">
+                        <a:buNone/>
+                      </a:pPr>
+                      <a:r>
+                        <a:rPr lang="" altLang="en-US" b="0">
+                          <a:solidFill>
+                            <a:srgbClr val="000000"/>
+                          </a:solidFill>
+                          <a:latin typeface="Calibri" charset="-122"/>
+                        </a:rPr>
+                        <a:t>x</a:t>
+                      </a:r>
+                      <a:endParaRPr lang="" altLang="en-US" b="0">
+                        <a:solidFill>
+                          <a:srgbClr val="000000"/>
+                        </a:solidFill>
+                        <a:latin typeface="Calibri" charset="-122"/>
+                      </a:endParaRPr>
+                    </a:p>
+                  </a:txBody>
+                  <a:tcPr marL="12700" marR="12700" marT="12700" vert="horz" anchor="ctr" anchorCtr="0">
+                    <a:lnL w="6350" cap="flat" cmpd="sng">
+                      <a:solidFill>
+                        <a:srgbClr val="000000"/>
+                      </a:solidFill>
+                      <a:prstDash val="solid"/>
+                      <a:headEnd type="none" w="med" len="med"/>
+                      <a:tailEnd type="none" w="med" len="med"/>
+                    </a:lnL>
+                    <a:lnR w="6350" cap="flat" cmpd="sng">
+                      <a:solidFill>
+                        <a:srgbClr val="000000"/>
+                      </a:solidFill>
+                      <a:prstDash val="solid"/>
+                      <a:headEnd type="none" w="med" len="med"/>
+                      <a:tailEnd type="none" w="med" len="med"/>
+                    </a:lnR>
+                    <a:lnT w="6350" cap="flat" cmpd="sng">
+                      <a:solidFill>
+                        <a:srgbClr val="000000"/>
+                      </a:solidFill>
+                      <a:prstDash val="solid"/>
+                      <a:headEnd type="none" w="med" len="med"/>
+                      <a:tailEnd type="none" w="med" len="med"/>
+                    </a:lnT>
+                    <a:lnB w="6350" cap="flat" cmpd="sng">
+                      <a:solidFill>
+                        <a:srgbClr val="000000"/>
+                      </a:solidFill>
+                      <a:prstDash val="solid"/>
+                      <a:headEnd type="none" w="med" len="med"/>
+                      <a:tailEnd type="none" w="med" len="med"/>
+                    </a:lnB>
+                    <a:lnTlToBr>
+                      <a:noFill/>
+                    </a:lnTlToBr>
+                    <a:lnBlToTr>
+                      <a:noFill/>
+                    </a:lnBlToTr>
+                    <a:noFill/>
+                  </a:tcPr>
+                </a:tc>
+                <a:tc>
+                  <a:txBody>
+                    <a:bodyPr/>
+                    <a:p>
+                      <a:pPr indent="0" algn="ctr">
+                        <a:buNone/>
+                      </a:pPr>
+                      <a:r>
+                        <a:rPr lang="" altLang="en-US" b="0">
+                          <a:solidFill>
+                            <a:srgbClr val="000000"/>
+                          </a:solidFill>
+                          <a:latin typeface="Calibri" charset="-122"/>
+                        </a:rPr>
+                        <a:t>x</a:t>
+                      </a:r>
+                      <a:endParaRPr lang="" altLang="en-US" b="0">
+                        <a:solidFill>
+                          <a:srgbClr val="000000"/>
+                        </a:solidFill>
+                        <a:latin typeface="Calibri" charset="-122"/>
+                      </a:endParaRPr>
+                    </a:p>
+                  </a:txBody>
+                  <a:tcPr marL="12700" marR="12700" marT="12700" vert="horz" anchor="ctr" anchorCtr="0">
+                    <a:lnL w="6350" cap="flat" cmpd="sng">
+                      <a:solidFill>
+                        <a:srgbClr val="000000"/>
+                      </a:solidFill>
+                      <a:prstDash val="solid"/>
+                      <a:headEnd type="none" w="med" len="med"/>
+                      <a:tailEnd type="none" w="med" len="med"/>
+                    </a:lnL>
+                    <a:lnR w="6350" cap="flat" cmpd="sng">
+                      <a:solidFill>
+                        <a:srgbClr val="000000"/>
+                      </a:solidFill>
+                      <a:prstDash val="solid"/>
+                      <a:headEnd type="none" w="med" len="med"/>
+                      <a:tailEnd type="none" w="med" len="med"/>
+                    </a:lnR>
+                    <a:lnT w="6350" cap="flat" cmpd="sng">
+                      <a:solidFill>
+                        <a:srgbClr val="000000"/>
+                      </a:solidFill>
+                      <a:prstDash val="solid"/>
+                      <a:headEnd type="none" w="med" len="med"/>
+                      <a:tailEnd type="none" w="med" len="med"/>
+                    </a:lnT>
+                    <a:lnB w="6350" cap="flat" cmpd="sng">
+                      <a:solidFill>
+                        <a:srgbClr val="000000"/>
+                      </a:solidFill>
+                      <a:prstDash val="solid"/>
+                      <a:headEnd type="none" w="med" len="med"/>
+                      <a:tailEnd type="none" w="med" len="med"/>
+                    </a:lnB>
+                    <a:lnTlToBr>
+                      <a:noFill/>
+                    </a:lnTlToBr>
+                    <a:lnBlToTr>
+                      <a:noFill/>
+                    </a:lnBlToTr>
+                    <a:noFill/>
+                  </a:tcPr>
+                </a:tc>
+                <a:tc>
+                  <a:txBody>
+                    <a:bodyPr/>
+                    <a:p>
+                      <a:pPr indent="0" algn="ctr">
+                        <a:buNone/>
+                      </a:pPr>
+                      <a:r>
+                        <a:rPr lang="" altLang="en-US" b="0">
+                          <a:solidFill>
+                            <a:srgbClr val="000000"/>
+                          </a:solidFill>
+                          <a:latin typeface="Calibri" charset="-122"/>
+                        </a:rPr>
+                        <a:t>x</a:t>
+                      </a:r>
+                      <a:endParaRPr lang="" altLang="en-US" b="0">
+                        <a:solidFill>
+                          <a:srgbClr val="000000"/>
+                        </a:solidFill>
+                        <a:latin typeface="Calibri" charset="-122"/>
+                      </a:endParaRPr>
+                    </a:p>
+                  </a:txBody>
+                  <a:tcPr marL="12700" marR="12700" marT="12700" vert="horz" anchor="ctr" anchorCtr="0">
+                    <a:lnL w="6350" cap="flat" cmpd="sng">
+                      <a:solidFill>
+                        <a:srgbClr val="000000"/>
+                      </a:solidFill>
+                      <a:prstDash val="solid"/>
+                      <a:headEnd type="none" w="med" len="med"/>
+                      <a:tailEnd type="none" w="med" len="med"/>
+                    </a:lnL>
+                    <a:lnR w="6350" cap="flat" cmpd="sng">
+                      <a:solidFill>
+                        <a:srgbClr val="000000"/>
+                      </a:solidFill>
+                      <a:prstDash val="solid"/>
+                      <a:headEnd type="none" w="med" len="med"/>
+                      <a:tailEnd type="none" w="med" len="med"/>
+                    </a:lnR>
+                    <a:lnT w="6350" cap="flat" cmpd="sng">
+                      <a:solidFill>
+                        <a:srgbClr val="000000"/>
+                      </a:solidFill>
+                      <a:prstDash val="solid"/>
+                      <a:headEnd type="none" w="med" len="med"/>
+                      <a:tailEnd type="none" w="med" len="med"/>
+                    </a:lnT>
+                    <a:lnB w="6350" cap="flat" cmpd="sng">
+                      <a:solidFill>
+                        <a:srgbClr val="000000"/>
+                      </a:solidFill>
+                      <a:prstDash val="solid"/>
+                      <a:headEnd type="none" w="med" len="med"/>
+                      <a:tailEnd type="none" w="med" len="med"/>
+                    </a:lnB>
+                    <a:lnTlToBr>
+                      <a:noFill/>
+                    </a:lnTlToBr>
+                    <a:lnBlToTr>
+                      <a:noFill/>
+                    </a:lnBlToTr>
+                    <a:noFill/>
+                  </a:tcPr>
+                </a:tc>
+                <a:tc>
+                  <a:txBody>
+                    <a:bodyPr/>
+                    <a:p>
+                      <a:pPr indent="0">
+                        <a:buNone/>
+                      </a:pPr>
+                      <a:r>
+                        <a:rPr lang="en-US" altLang="en-US" sz="1800">
+                          <a:solidFill>
+                            <a:srgbClr val="000000"/>
+                          </a:solidFill>
+                          <a:latin typeface="Calibri" charset="-122"/>
+                          <a:sym typeface="+mn-ea"/>
+                        </a:rPr>
+                        <a:t>kategori1</a:t>
+                      </a:r>
+                      <a:endParaRPr lang="en-US" b="0">
+                        <a:solidFill>
+                          <a:srgbClr val="000000"/>
+                        </a:solidFill>
+                        <a:latin typeface="Calibri" charset="-122"/>
+                      </a:endParaRPr>
+                    </a:p>
+                  </a:txBody>
+                  <a:tcPr marL="12700" marR="12700" marT="12700" vert="horz" anchor="ctr" anchorCtr="0">
+                    <a:lnL w="6350" cap="flat" cmpd="sng">
+                      <a:solidFill>
+                        <a:srgbClr val="000000"/>
+                      </a:solidFill>
+                      <a:prstDash val="solid"/>
+                      <a:headEnd type="none" w="med" len="med"/>
+                      <a:tailEnd type="none" w="med" len="med"/>
+                    </a:lnL>
+                    <a:lnR w="6350" cap="flat" cmpd="sng">
+                      <a:solidFill>
+                        <a:srgbClr val="000000"/>
+                      </a:solidFill>
+                      <a:prstDash val="solid"/>
+                      <a:headEnd type="none" w="med" len="med"/>
+                      <a:tailEnd type="none" w="med" len="med"/>
+                    </a:lnR>
+                    <a:lnT w="6350" cap="flat" cmpd="sng">
+                      <a:solidFill>
+                        <a:srgbClr val="000000"/>
+                      </a:solidFill>
+                      <a:prstDash val="solid"/>
+                      <a:headEnd type="none" w="med" len="med"/>
+                      <a:tailEnd type="none" w="med" len="med"/>
+                    </a:lnT>
+                    <a:lnB w="6350" cap="flat" cmpd="sng">
+                      <a:solidFill>
+                        <a:srgbClr val="000000"/>
+                      </a:solidFill>
+                      <a:prstDash val="solid"/>
+                      <a:headEnd type="none" w="med" len="med"/>
+                      <a:tailEnd type="none" w="med" len="med"/>
+                    </a:lnB>
+                    <a:lnTlToBr>
+                      <a:noFill/>
+                    </a:lnTlToBr>
+                    <a:lnBlToTr>
+                      <a:noFill/>
+                    </a:lnBlToTr>
+                    <a:noFill/>
+                  </a:tcPr>
+                </a:tc>
+              </a:tr>
+              <a:tr h="335280">
+                <a:tc>
+                  <a:txBody>
+                    <a:bodyPr/>
+                    <a:p>
+                      <a:pPr indent="0" algn="ctr">
+                        <a:buNone/>
+                      </a:pPr>
+                      <a:r>
+                        <a:rPr lang="en-US" b="0">
+                          <a:solidFill>
+                            <a:srgbClr val="000000"/>
+                          </a:solidFill>
+                          <a:latin typeface="Calibri" charset="-122"/>
+                        </a:rPr>
+                        <a:t>3</a:t>
+                      </a:r>
+                      <a:endParaRPr lang="en-US" b="0">
+                        <a:solidFill>
+                          <a:srgbClr val="000000"/>
+                        </a:solidFill>
+                        <a:latin typeface="Calibri" charset="-122"/>
+                      </a:endParaRPr>
+                    </a:p>
+                  </a:txBody>
+                  <a:tcPr marL="12700" marR="12700" marT="12700" vert="horz" anchor="ctr" anchorCtr="0">
+                    <a:lnL w="6350" cap="flat" cmpd="sng">
+                      <a:solidFill>
+                        <a:srgbClr val="000000"/>
+                      </a:solidFill>
+                      <a:prstDash val="solid"/>
+                      <a:headEnd type="none" w="med" len="med"/>
+                      <a:tailEnd type="none" w="med" len="med"/>
+                    </a:lnL>
+                    <a:lnR w="6350" cap="flat" cmpd="sng">
+                      <a:solidFill>
+                        <a:srgbClr val="000000"/>
+                      </a:solidFill>
+                      <a:prstDash val="solid"/>
+                      <a:headEnd type="none" w="med" len="med"/>
+                      <a:tailEnd type="none" w="med" len="med"/>
+                    </a:lnR>
+                    <a:lnT w="6350" cap="flat" cmpd="sng">
+                      <a:solidFill>
+                        <a:srgbClr val="000000"/>
+                      </a:solidFill>
+                      <a:prstDash val="solid"/>
+                      <a:headEnd type="none" w="med" len="med"/>
+                      <a:tailEnd type="none" w="med" len="med"/>
+                    </a:lnT>
+                    <a:lnB w="6350" cap="flat" cmpd="sng">
+                      <a:solidFill>
+                        <a:srgbClr val="000000"/>
+                      </a:solidFill>
+                      <a:prstDash val="solid"/>
+                      <a:headEnd type="none" w="med" len="med"/>
+                      <a:tailEnd type="none" w="med" len="med"/>
+                    </a:lnB>
+                    <a:lnTlToBr>
+                      <a:noFill/>
+                    </a:lnTlToBr>
+                    <a:lnBlToTr>
+                      <a:noFill/>
+                    </a:lnBlToTr>
+                    <a:noFill/>
+                  </a:tcPr>
+                </a:tc>
+                <a:tc>
+                  <a:txBody>
+                    <a:bodyPr/>
+                    <a:p>
+                      <a:pPr indent="0" algn="ctr">
+                        <a:buNone/>
+                      </a:pPr>
+                      <a:r>
+                        <a:rPr lang="" altLang="en-US" sz="1800">
+                          <a:solidFill>
+                            <a:srgbClr val="000000"/>
+                          </a:solidFill>
+                          <a:latin typeface="Calibri" charset="-122"/>
+                          <a:sym typeface="+mn-ea"/>
+                        </a:rPr>
+                        <a:t>judul3</a:t>
+                      </a:r>
+                      <a:endParaRPr lang="" altLang="en-US" sz="1800" b="0">
+                        <a:solidFill>
+                          <a:srgbClr val="000000"/>
+                        </a:solidFill>
+                        <a:latin typeface="Calibri" charset="-122"/>
+                        <a:sym typeface="+mn-ea"/>
+                      </a:endParaRPr>
+                    </a:p>
+                  </a:txBody>
+                  <a:tcPr marL="12700" marR="12700" marT="12700" vert="horz" anchor="ctr" anchorCtr="0">
+                    <a:lnL w="6350" cap="flat" cmpd="sng">
+                      <a:solidFill>
+                        <a:srgbClr val="000000"/>
+                      </a:solidFill>
+                      <a:prstDash val="solid"/>
+                      <a:headEnd type="none" w="med" len="med"/>
+                      <a:tailEnd type="none" w="med" len="med"/>
+                    </a:lnL>
+                    <a:lnR w="6350" cap="flat" cmpd="sng">
+                      <a:solidFill>
+                        <a:srgbClr val="000000"/>
+                      </a:solidFill>
+                      <a:prstDash val="solid"/>
+                      <a:headEnd type="none" w="med" len="med"/>
+                      <a:tailEnd type="none" w="med" len="med"/>
+                    </a:lnR>
+                    <a:lnT w="6350" cap="flat" cmpd="sng">
+                      <a:solidFill>
+                        <a:srgbClr val="000000"/>
+                      </a:solidFill>
+                      <a:prstDash val="solid"/>
+                      <a:headEnd type="none" w="med" len="med"/>
+                      <a:tailEnd type="none" w="med" len="med"/>
+                    </a:lnT>
+                    <a:lnB w="6350" cap="flat" cmpd="sng">
+                      <a:solidFill>
+                        <a:srgbClr val="000000"/>
+                      </a:solidFill>
+                      <a:prstDash val="solid"/>
+                      <a:headEnd type="none" w="med" len="med"/>
+                      <a:tailEnd type="none" w="med" len="med"/>
+                    </a:lnB>
+                    <a:lnTlToBr>
+                      <a:noFill/>
+                    </a:lnTlToBr>
+                    <a:lnBlToTr>
+                      <a:noFill/>
+                    </a:lnBlToTr>
+                    <a:noFill/>
+                  </a:tcPr>
+                </a:tc>
+                <a:tc>
+                  <a:txBody>
+                    <a:bodyPr/>
+                    <a:p>
+                      <a:pPr indent="0" algn="ctr">
+                        <a:buNone/>
+                      </a:pPr>
+                      <a:r>
+                        <a:rPr lang="en-US" b="0">
+                          <a:solidFill>
+                            <a:srgbClr val="000000"/>
+                          </a:solidFill>
+                          <a:latin typeface="Calibri" charset="-122"/>
+                        </a:rPr>
+                        <a:t>....</a:t>
+                      </a:r>
+                      <a:endParaRPr lang="en-US" b="0">
+                        <a:solidFill>
+                          <a:srgbClr val="000000"/>
+                        </a:solidFill>
+                        <a:latin typeface="Calibri" charset="-122"/>
+                      </a:endParaRPr>
+                    </a:p>
+                  </a:txBody>
+                  <a:tcPr marL="12700" marR="12700" marT="12700" vert="horz" anchor="ctr" anchorCtr="0">
+                    <a:lnL w="6350" cap="flat" cmpd="sng">
+                      <a:solidFill>
+                        <a:srgbClr val="000000"/>
+                      </a:solidFill>
+                      <a:prstDash val="solid"/>
+                      <a:headEnd type="none" w="med" len="med"/>
+                      <a:tailEnd type="none" w="med" len="med"/>
+                    </a:lnL>
+                    <a:lnR w="6350" cap="flat" cmpd="sng">
+                      <a:solidFill>
+                        <a:srgbClr val="000000"/>
+                      </a:solidFill>
+                      <a:prstDash val="solid"/>
+                      <a:headEnd type="none" w="med" len="med"/>
+                      <a:tailEnd type="none" w="med" len="med"/>
+                    </a:lnR>
+                    <a:lnT w="6350" cap="flat" cmpd="sng">
+                      <a:solidFill>
+                        <a:srgbClr val="000000"/>
+                      </a:solidFill>
+                      <a:prstDash val="solid"/>
+                      <a:headEnd type="none" w="med" len="med"/>
+                      <a:tailEnd type="none" w="med" len="med"/>
+                    </a:lnT>
+                    <a:lnB w="6350" cap="flat" cmpd="sng">
+                      <a:solidFill>
+                        <a:srgbClr val="000000"/>
+                      </a:solidFill>
+                      <a:prstDash val="solid"/>
+                      <a:headEnd type="none" w="med" len="med"/>
+                      <a:tailEnd type="none" w="med" len="med"/>
+                    </a:lnB>
+                    <a:lnTlToBr>
+                      <a:noFill/>
+                    </a:lnTlToBr>
+                    <a:lnBlToTr>
+                      <a:noFill/>
+                    </a:lnBlToTr>
+                    <a:noFill/>
+                  </a:tcPr>
+                </a:tc>
+                <a:tc>
+                  <a:txBody>
+                    <a:bodyPr/>
+                    <a:p>
+                      <a:pPr indent="0" algn="ctr">
+                        <a:buNone/>
+                      </a:pPr>
+                      <a:r>
+                        <a:rPr lang="en-US" b="0">
+                          <a:solidFill>
+                            <a:srgbClr val="000000"/>
+                          </a:solidFill>
+                          <a:latin typeface="Calibri" charset="-122"/>
+                        </a:rPr>
+                        <a:t>....</a:t>
+                      </a:r>
+                      <a:endParaRPr lang="en-US" b="0">
+                        <a:solidFill>
+                          <a:srgbClr val="000000"/>
+                        </a:solidFill>
+                        <a:latin typeface="Calibri" charset="-122"/>
+                      </a:endParaRPr>
+                    </a:p>
+                  </a:txBody>
+                  <a:tcPr marL="12700" marR="12700" marT="12700" vert="horz" anchor="ctr" anchorCtr="0">
+                    <a:lnL w="6350" cap="flat" cmpd="sng">
+                      <a:solidFill>
+                        <a:srgbClr val="000000"/>
+                      </a:solidFill>
+                      <a:prstDash val="solid"/>
+                      <a:headEnd type="none" w="med" len="med"/>
+                      <a:tailEnd type="none" w="med" len="med"/>
+                    </a:lnL>
+                    <a:lnR w="6350" cap="flat" cmpd="sng">
+                      <a:solidFill>
+                        <a:srgbClr val="000000"/>
+                      </a:solidFill>
+                      <a:prstDash val="solid"/>
+                      <a:headEnd type="none" w="med" len="med"/>
+                      <a:tailEnd type="none" w="med" len="med"/>
+                    </a:lnR>
+                    <a:lnT w="6350" cap="flat" cmpd="sng">
+                      <a:solidFill>
+                        <a:srgbClr val="000000"/>
+                      </a:solidFill>
+                      <a:prstDash val="solid"/>
+                      <a:headEnd type="none" w="med" len="med"/>
+                      <a:tailEnd type="none" w="med" len="med"/>
+                    </a:lnT>
+                    <a:lnB w="6350" cap="flat" cmpd="sng">
+                      <a:solidFill>
+                        <a:srgbClr val="000000"/>
+                      </a:solidFill>
+                      <a:prstDash val="solid"/>
+                      <a:headEnd type="none" w="med" len="med"/>
+                      <a:tailEnd type="none" w="med" len="med"/>
+                    </a:lnB>
+                    <a:lnTlToBr>
+                      <a:noFill/>
+                    </a:lnTlToBr>
+                    <a:lnBlToTr>
+                      <a:noFill/>
+                    </a:lnBlToTr>
+                    <a:noFill/>
+                  </a:tcPr>
+                </a:tc>
+                <a:tc>
+                  <a:txBody>
+                    <a:bodyPr/>
+                    <a:p>
+                      <a:pPr indent="0" algn="ctr">
+                        <a:buNone/>
+                      </a:pPr>
+                      <a:r>
+                        <a:rPr lang="en-US" b="0">
+                          <a:solidFill>
+                            <a:srgbClr val="000000"/>
+                          </a:solidFill>
+                          <a:latin typeface="Calibri" charset="-122"/>
+                        </a:rPr>
+                        <a:t>....</a:t>
+                      </a:r>
+                      <a:endParaRPr lang="en-US" b="0">
+                        <a:solidFill>
+                          <a:srgbClr val="000000"/>
+                        </a:solidFill>
+                        <a:latin typeface="Calibri" charset="-122"/>
+                      </a:endParaRPr>
+                    </a:p>
+                  </a:txBody>
+                  <a:tcPr marL="12700" marR="12700" marT="12700" vert="horz" anchor="ctr" anchorCtr="0">
+                    <a:lnL w="6350" cap="flat" cmpd="sng">
+                      <a:solidFill>
+                        <a:srgbClr val="000000"/>
+                      </a:solidFill>
+                      <a:prstDash val="solid"/>
+                      <a:headEnd type="none" w="med" len="med"/>
+                      <a:tailEnd type="none" w="med" len="med"/>
+                    </a:lnL>
+                    <a:lnR w="6350" cap="flat" cmpd="sng">
+                      <a:solidFill>
+                        <a:srgbClr val="000000"/>
+                      </a:solidFill>
+                      <a:prstDash val="solid"/>
+                      <a:headEnd type="none" w="med" len="med"/>
+                      <a:tailEnd type="none" w="med" len="med"/>
+                    </a:lnR>
+                    <a:lnT w="6350" cap="flat" cmpd="sng">
+                      <a:solidFill>
+                        <a:srgbClr val="000000"/>
+                      </a:solidFill>
+                      <a:prstDash val="solid"/>
+                      <a:headEnd type="none" w="med" len="med"/>
+                      <a:tailEnd type="none" w="med" len="med"/>
+                    </a:lnT>
+                    <a:lnB w="6350" cap="flat" cmpd="sng">
+                      <a:solidFill>
+                        <a:srgbClr val="000000"/>
+                      </a:solidFill>
+                      <a:prstDash val="solid"/>
+                      <a:headEnd type="none" w="med" len="med"/>
+                      <a:tailEnd type="none" w="med" len="med"/>
+                    </a:lnB>
+                    <a:lnTlToBr>
+                      <a:noFill/>
+                    </a:lnTlToBr>
+                    <a:lnBlToTr>
+                      <a:noFill/>
+                    </a:lnBlToTr>
+                    <a:noFill/>
+                  </a:tcPr>
+                </a:tc>
+                <a:tc>
+                  <a:txBody>
+                    <a:bodyPr/>
+                    <a:p>
+                      <a:pPr indent="0" algn="ctr">
+                        <a:buNone/>
+                      </a:pPr>
+                      <a:r>
+                        <a:rPr lang="en-US" b="0">
+                          <a:solidFill>
+                            <a:srgbClr val="000000"/>
+                          </a:solidFill>
+                          <a:latin typeface="Calibri" charset="-122"/>
+                        </a:rPr>
+                        <a:t>....</a:t>
+                      </a:r>
+                      <a:endParaRPr lang="en-US" b="0">
+                        <a:solidFill>
+                          <a:srgbClr val="000000"/>
+                        </a:solidFill>
+                        <a:latin typeface="Calibri" charset="-122"/>
+                      </a:endParaRPr>
+                    </a:p>
+                  </a:txBody>
+                  <a:tcPr marL="12700" marR="12700" marT="12700" vert="horz" anchor="ctr" anchorCtr="0">
+                    <a:lnL w="6350" cap="flat" cmpd="sng">
+                      <a:solidFill>
+                        <a:srgbClr val="000000"/>
+                      </a:solidFill>
+                      <a:prstDash val="solid"/>
+                      <a:headEnd type="none" w="med" len="med"/>
+                      <a:tailEnd type="none" w="med" len="med"/>
+                    </a:lnL>
+                    <a:lnR w="6350" cap="flat" cmpd="sng">
+                      <a:solidFill>
+                        <a:srgbClr val="000000"/>
+                      </a:solidFill>
+                      <a:prstDash val="solid"/>
+                      <a:headEnd type="none" w="med" len="med"/>
+                      <a:tailEnd type="none" w="med" len="med"/>
+                    </a:lnR>
+                    <a:lnT w="6350" cap="flat" cmpd="sng">
+                      <a:solidFill>
+                        <a:srgbClr val="000000"/>
+                      </a:solidFill>
+                      <a:prstDash val="solid"/>
+                      <a:headEnd type="none" w="med" len="med"/>
+                      <a:tailEnd type="none" w="med" len="med"/>
+                    </a:lnT>
+                    <a:lnB w="6350" cap="flat" cmpd="sng">
+                      <a:solidFill>
+                        <a:srgbClr val="000000"/>
+                      </a:solidFill>
+                      <a:prstDash val="solid"/>
+                      <a:headEnd type="none" w="med" len="med"/>
+                      <a:tailEnd type="none" w="med" len="med"/>
+                    </a:lnB>
+                    <a:lnTlToBr>
+                      <a:noFill/>
+                    </a:lnTlToBr>
+                    <a:lnBlToTr>
+                      <a:noFill/>
+                    </a:lnBlToTr>
+                    <a:noFill/>
+                  </a:tcPr>
+                </a:tc>
+                <a:tc>
+                  <a:txBody>
+                    <a:bodyPr/>
+                    <a:p>
+                      <a:pPr indent="0" algn="ctr">
+                        <a:buNone/>
+                      </a:pPr>
+                      <a:r>
+                        <a:rPr lang="en-US" b="0">
+                          <a:solidFill>
+                            <a:srgbClr val="000000"/>
+                          </a:solidFill>
+                          <a:latin typeface="Calibri" charset="-122"/>
+                        </a:rPr>
+                        <a:t>....</a:t>
+                      </a:r>
+                      <a:endParaRPr lang="en-US" b="0">
+                        <a:solidFill>
+                          <a:srgbClr val="000000"/>
+                        </a:solidFill>
+                        <a:latin typeface="Calibri" charset="-122"/>
+                      </a:endParaRPr>
+                    </a:p>
+                  </a:txBody>
+                  <a:tcPr marL="12700" marR="12700" marT="12700" vert="horz" anchor="ctr" anchorCtr="0">
+                    <a:lnL w="6350" cap="flat" cmpd="sng">
+                      <a:solidFill>
+                        <a:srgbClr val="000000"/>
+                      </a:solidFill>
+                      <a:prstDash val="solid"/>
+                      <a:headEnd type="none" w="med" len="med"/>
+                      <a:tailEnd type="none" w="med" len="med"/>
+                    </a:lnL>
+                    <a:lnR w="6350" cap="flat" cmpd="sng">
+                      <a:solidFill>
+                        <a:srgbClr val="000000"/>
+                      </a:solidFill>
+                      <a:prstDash val="solid"/>
+                      <a:headEnd type="none" w="med" len="med"/>
+                      <a:tailEnd type="none" w="med" len="med"/>
+                    </a:lnR>
+                    <a:lnT w="6350" cap="flat" cmpd="sng">
+                      <a:solidFill>
+                        <a:srgbClr val="000000"/>
+                      </a:solidFill>
+                      <a:prstDash val="solid"/>
+                      <a:headEnd type="none" w="med" len="med"/>
+                      <a:tailEnd type="none" w="med" len="med"/>
+                    </a:lnT>
+                    <a:lnB w="6350" cap="flat" cmpd="sng">
+                      <a:solidFill>
+                        <a:srgbClr val="000000"/>
+                      </a:solidFill>
+                      <a:prstDash val="solid"/>
+                      <a:headEnd type="none" w="med" len="med"/>
+                      <a:tailEnd type="none" w="med" len="med"/>
+                    </a:lnB>
+                    <a:lnTlToBr>
+                      <a:noFill/>
+                    </a:lnTlToBr>
+                    <a:lnBlToTr>
+                      <a:noFill/>
+                    </a:lnBlToTr>
+                    <a:noFill/>
+                  </a:tcPr>
+                </a:tc>
+                <a:tc>
+                  <a:txBody>
+                    <a:bodyPr/>
+                    <a:p>
+                      <a:pPr indent="0" algn="ctr">
+                        <a:buNone/>
+                      </a:pPr>
+                      <a:r>
+                        <a:rPr lang="en-US" b="0">
+                          <a:solidFill>
+                            <a:srgbClr val="000000"/>
+                          </a:solidFill>
+                          <a:latin typeface="Calibri" charset="-122"/>
+                        </a:rPr>
+                        <a:t>....</a:t>
+                      </a:r>
+                      <a:endParaRPr lang="en-US" b="0">
+                        <a:solidFill>
+                          <a:srgbClr val="000000"/>
+                        </a:solidFill>
+                        <a:latin typeface="Calibri" charset="-122"/>
+                      </a:endParaRPr>
+                    </a:p>
+                  </a:txBody>
+                  <a:tcPr marL="12700" marR="12700" marT="12700" vert="horz" anchor="ctr" anchorCtr="0">
+                    <a:lnL w="6350" cap="flat" cmpd="sng">
+                      <a:solidFill>
+                        <a:srgbClr val="000000"/>
+                      </a:solidFill>
+                      <a:prstDash val="solid"/>
+                      <a:headEnd type="none" w="med" len="med"/>
+                      <a:tailEnd type="none" w="med" len="med"/>
+                    </a:lnL>
+                    <a:lnR w="6350" cap="flat" cmpd="sng">
+                      <a:solidFill>
+                        <a:srgbClr val="000000"/>
+                      </a:solidFill>
+                      <a:prstDash val="solid"/>
+                      <a:headEnd type="none" w="med" len="med"/>
+                      <a:tailEnd type="none" w="med" len="med"/>
+                    </a:lnR>
+                    <a:lnT w="6350" cap="flat" cmpd="sng">
+                      <a:solidFill>
+                        <a:srgbClr val="000000"/>
+                      </a:solidFill>
+                      <a:prstDash val="solid"/>
+                      <a:headEnd type="none" w="med" len="med"/>
+                      <a:tailEnd type="none" w="med" len="med"/>
+                    </a:lnT>
+                    <a:lnB w="6350" cap="flat" cmpd="sng">
+                      <a:solidFill>
+                        <a:srgbClr val="000000"/>
+                      </a:solidFill>
+                      <a:prstDash val="solid"/>
+                      <a:headEnd type="none" w="med" len="med"/>
+                      <a:tailEnd type="none" w="med" len="med"/>
+                    </a:lnB>
+                    <a:lnTlToBr>
+                      <a:noFill/>
+                    </a:lnTlToBr>
+                    <a:lnBlToTr>
+                      <a:noFill/>
+                    </a:lnBlToTr>
+                    <a:noFill/>
+                  </a:tcPr>
+                </a:tc>
+                <a:tc>
+                  <a:txBody>
+                    <a:bodyPr/>
+                    <a:p>
+                      <a:pPr indent="0">
+                        <a:buNone/>
+                      </a:pPr>
+                      <a:r>
+                        <a:rPr lang="en-US" altLang="en-US" sz="1800">
+                          <a:solidFill>
+                            <a:srgbClr val="000000"/>
+                          </a:solidFill>
+                          <a:latin typeface="Calibri" charset="-122"/>
+                          <a:sym typeface="+mn-ea"/>
+                        </a:rPr>
+                        <a:t>kategori1</a:t>
+                      </a:r>
+                      <a:endParaRPr lang="en-US" b="0">
+                        <a:solidFill>
+                          <a:srgbClr val="000000"/>
+                        </a:solidFill>
+                        <a:latin typeface="Calibri" charset="-122"/>
+                      </a:endParaRPr>
+                    </a:p>
+                  </a:txBody>
+                  <a:tcPr marL="12700" marR="12700" marT="12700" vert="horz" anchor="ctr" anchorCtr="0">
+                    <a:lnL w="6350" cap="flat" cmpd="sng">
+                      <a:solidFill>
+                        <a:srgbClr val="000000"/>
+                      </a:solidFill>
+                      <a:prstDash val="solid"/>
+                      <a:headEnd type="none" w="med" len="med"/>
+                      <a:tailEnd type="none" w="med" len="med"/>
+                    </a:lnL>
+                    <a:lnR w="6350" cap="flat" cmpd="sng">
+                      <a:solidFill>
+                        <a:srgbClr val="000000"/>
+                      </a:solidFill>
+                      <a:prstDash val="solid"/>
+                      <a:headEnd type="none" w="med" len="med"/>
+                      <a:tailEnd type="none" w="med" len="med"/>
+                    </a:lnR>
+                    <a:lnT w="6350" cap="flat" cmpd="sng">
+                      <a:solidFill>
+                        <a:srgbClr val="000000"/>
+                      </a:solidFill>
+                      <a:prstDash val="solid"/>
+                      <a:headEnd type="none" w="med" len="med"/>
+                      <a:tailEnd type="none" w="med" len="med"/>
+                    </a:lnT>
+                    <a:lnB w="6350" cap="flat" cmpd="sng">
+                      <a:solidFill>
+                        <a:srgbClr val="000000"/>
+                      </a:solidFill>
+                      <a:prstDash val="solid"/>
+                      <a:headEnd type="none" w="med" len="med"/>
+                      <a:tailEnd type="none" w="med" len="med"/>
+                    </a:lnB>
+                    <a:lnTlToBr>
+                      <a:noFill/>
+                    </a:lnTlToBr>
+                    <a:lnBlToTr>
+                      <a:noFill/>
+                    </a:lnBlToTr>
+                    <a:noFill/>
+                  </a:tcPr>
+                </a:tc>
+              </a:tr>
+              <a:tr h="335280">
+                <a:tc>
+                  <a:txBody>
+                    <a:bodyPr/>
+                    <a:p>
+                      <a:pPr indent="0" algn="ctr">
+                        <a:buNone/>
+                      </a:pPr>
+                      <a:r>
+                        <a:rPr lang="en-US" b="0">
+                          <a:solidFill>
+                            <a:srgbClr val="000000"/>
+                          </a:solidFill>
+                          <a:latin typeface="Calibri" charset="-122"/>
+                        </a:rPr>
+                        <a:t>4</a:t>
+                      </a:r>
+                      <a:endParaRPr lang="en-US" b="0">
+                        <a:solidFill>
+                          <a:srgbClr val="000000"/>
+                        </a:solidFill>
+                        <a:latin typeface="Calibri" charset="-122"/>
+                      </a:endParaRPr>
+                    </a:p>
+                  </a:txBody>
+                  <a:tcPr marL="12700" marR="12700" marT="12700" vert="horz" anchor="ctr" anchorCtr="0">
+                    <a:lnL w="6350" cap="flat" cmpd="sng">
+                      <a:solidFill>
+                        <a:srgbClr val="000000"/>
+                      </a:solidFill>
+                      <a:prstDash val="solid"/>
+                      <a:headEnd type="none" w="med" len="med"/>
+                      <a:tailEnd type="none" w="med" len="med"/>
+                    </a:lnL>
+                    <a:lnR w="6350" cap="flat" cmpd="sng">
+                      <a:solidFill>
+                        <a:srgbClr val="000000"/>
+                      </a:solidFill>
+                      <a:prstDash val="solid"/>
+                      <a:headEnd type="none" w="med" len="med"/>
+                      <a:tailEnd type="none" w="med" len="med"/>
+                    </a:lnR>
+                    <a:lnT w="6350" cap="flat" cmpd="sng">
+                      <a:solidFill>
+                        <a:srgbClr val="000000"/>
+                      </a:solidFill>
+                      <a:prstDash val="solid"/>
+                      <a:headEnd type="none" w="med" len="med"/>
+                      <a:tailEnd type="none" w="med" len="med"/>
+                    </a:lnT>
+                    <a:lnB w="6350" cap="flat" cmpd="sng">
+                      <a:solidFill>
+                        <a:srgbClr val="000000"/>
+                      </a:solidFill>
+                      <a:prstDash val="solid"/>
+                      <a:headEnd type="none" w="med" len="med"/>
+                      <a:tailEnd type="none" w="med" len="med"/>
+                    </a:lnB>
+                    <a:lnTlToBr>
+                      <a:noFill/>
+                    </a:lnTlToBr>
+                    <a:lnBlToTr>
+                      <a:noFill/>
+                    </a:lnBlToTr>
+                    <a:noFill/>
+                  </a:tcPr>
+                </a:tc>
+                <a:tc>
+                  <a:txBody>
+                    <a:bodyPr/>
+                    <a:p>
+                      <a:pPr indent="0" algn="ctr">
+                        <a:buNone/>
+                      </a:pPr>
+                      <a:r>
+                        <a:rPr lang="" altLang="en-US" sz="1800">
+                          <a:solidFill>
+                            <a:srgbClr val="000000"/>
+                          </a:solidFill>
+                          <a:latin typeface="Calibri" charset="-122"/>
+                          <a:sym typeface="+mn-ea"/>
+                        </a:rPr>
+                        <a:t>judul4</a:t>
+                      </a:r>
+                      <a:endParaRPr lang="" altLang="en-US" sz="1800" b="0">
+                        <a:solidFill>
+                          <a:srgbClr val="000000"/>
+                        </a:solidFill>
+                        <a:latin typeface="Calibri" charset="-122"/>
+                        <a:sym typeface="+mn-ea"/>
+                      </a:endParaRPr>
+                    </a:p>
+                  </a:txBody>
+                  <a:tcPr marL="12700" marR="12700" marT="12700" vert="horz" anchor="ctr" anchorCtr="0">
+                    <a:lnL w="6350" cap="flat" cmpd="sng">
+                      <a:solidFill>
+                        <a:srgbClr val="000000"/>
+                      </a:solidFill>
+                      <a:prstDash val="solid"/>
+                      <a:headEnd type="none" w="med" len="med"/>
+                      <a:tailEnd type="none" w="med" len="med"/>
+                    </a:lnL>
+                    <a:lnR w="6350" cap="flat" cmpd="sng">
+                      <a:solidFill>
+                        <a:srgbClr val="000000"/>
+                      </a:solidFill>
+                      <a:prstDash val="solid"/>
+                      <a:headEnd type="none" w="med" len="med"/>
+                      <a:tailEnd type="none" w="med" len="med"/>
+                    </a:lnR>
+                    <a:lnT w="6350" cap="flat" cmpd="sng">
+                      <a:solidFill>
+                        <a:srgbClr val="000000"/>
+                      </a:solidFill>
+                      <a:prstDash val="solid"/>
+                      <a:headEnd type="none" w="med" len="med"/>
+                      <a:tailEnd type="none" w="med" len="med"/>
+                    </a:lnT>
+                    <a:lnB w="6350" cap="flat" cmpd="sng">
+                      <a:solidFill>
+                        <a:srgbClr val="000000"/>
+                      </a:solidFill>
+                      <a:prstDash val="solid"/>
+                      <a:headEnd type="none" w="med" len="med"/>
+                      <a:tailEnd type="none" w="med" len="med"/>
+                    </a:lnB>
+                    <a:lnTlToBr>
+                      <a:noFill/>
+                    </a:lnTlToBr>
+                    <a:lnBlToTr>
+                      <a:noFill/>
+                    </a:lnBlToTr>
+                    <a:noFill/>
+                  </a:tcPr>
+                </a:tc>
+                <a:tc>
+                  <a:txBody>
+                    <a:bodyPr/>
+                    <a:p>
+                      <a:pPr indent="0" algn="ctr">
+                        <a:buNone/>
+                      </a:pPr>
+                      <a:r>
+                        <a:rPr lang="en-US" b="0">
+                          <a:solidFill>
+                            <a:srgbClr val="000000"/>
+                          </a:solidFill>
+                          <a:latin typeface="Calibri" charset="-122"/>
+                        </a:rPr>
+                        <a:t>....</a:t>
+                      </a:r>
+                      <a:endParaRPr lang="en-US" b="0">
+                        <a:solidFill>
+                          <a:srgbClr val="000000"/>
+                        </a:solidFill>
+                        <a:latin typeface="Calibri" charset="-122"/>
+                      </a:endParaRPr>
+                    </a:p>
+                  </a:txBody>
+                  <a:tcPr marL="12700" marR="12700" marT="12700" vert="horz" anchor="ctr" anchorCtr="0">
+                    <a:lnL w="6350" cap="flat" cmpd="sng">
+                      <a:solidFill>
+                        <a:srgbClr val="000000"/>
+                      </a:solidFill>
+                      <a:prstDash val="solid"/>
+                      <a:headEnd type="none" w="med" len="med"/>
+                      <a:tailEnd type="none" w="med" len="med"/>
+                    </a:lnL>
+                    <a:lnR w="6350" cap="flat" cmpd="sng">
+                      <a:solidFill>
+                        <a:srgbClr val="000000"/>
+                      </a:solidFill>
+                      <a:prstDash val="solid"/>
+                      <a:headEnd type="none" w="med" len="med"/>
+                      <a:tailEnd type="none" w="med" len="med"/>
+                    </a:lnR>
+                    <a:lnT w="6350" cap="flat" cmpd="sng">
+                      <a:solidFill>
+                        <a:srgbClr val="000000"/>
+                      </a:solidFill>
+                      <a:prstDash val="solid"/>
+                      <a:headEnd type="none" w="med" len="med"/>
+                      <a:tailEnd type="none" w="med" len="med"/>
+                    </a:lnT>
+                    <a:lnB w="6350" cap="flat" cmpd="sng">
+                      <a:solidFill>
+                        <a:srgbClr val="000000"/>
+                      </a:solidFill>
+                      <a:prstDash val="solid"/>
+                      <a:headEnd type="none" w="med" len="med"/>
+                      <a:tailEnd type="none" w="med" len="med"/>
+                    </a:lnB>
+                    <a:lnTlToBr>
+                      <a:noFill/>
+                    </a:lnTlToBr>
+                    <a:lnBlToTr>
+                      <a:noFill/>
+                    </a:lnBlToTr>
+                    <a:noFill/>
+                  </a:tcPr>
+                </a:tc>
+                <a:tc>
+                  <a:txBody>
+                    <a:bodyPr/>
+                    <a:p>
+                      <a:pPr indent="0" algn="ctr">
+                        <a:buNone/>
+                      </a:pPr>
+                      <a:r>
+                        <a:rPr lang="en-US" b="0">
+                          <a:solidFill>
+                            <a:srgbClr val="000000"/>
+                          </a:solidFill>
+                          <a:latin typeface="Calibri" charset="-122"/>
+                        </a:rPr>
+                        <a:t>....</a:t>
+                      </a:r>
+                      <a:endParaRPr lang="en-US" b="0">
+                        <a:solidFill>
+                          <a:srgbClr val="000000"/>
+                        </a:solidFill>
+                        <a:latin typeface="Calibri" charset="-122"/>
+                      </a:endParaRPr>
+                    </a:p>
+                  </a:txBody>
+                  <a:tcPr marL="12700" marR="12700" marT="12700" vert="horz" anchor="ctr" anchorCtr="0">
+                    <a:lnL w="6350" cap="flat" cmpd="sng">
+                      <a:solidFill>
+                        <a:srgbClr val="000000"/>
+                      </a:solidFill>
+                      <a:prstDash val="solid"/>
+                      <a:headEnd type="none" w="med" len="med"/>
+                      <a:tailEnd type="none" w="med" len="med"/>
+                    </a:lnL>
+                    <a:lnR w="6350" cap="flat" cmpd="sng">
+                      <a:solidFill>
+                        <a:srgbClr val="000000"/>
+                      </a:solidFill>
+                      <a:prstDash val="solid"/>
+                      <a:headEnd type="none" w="med" len="med"/>
+                      <a:tailEnd type="none" w="med" len="med"/>
+                    </a:lnR>
+                    <a:lnT w="6350" cap="flat" cmpd="sng">
+                      <a:solidFill>
+                        <a:srgbClr val="000000"/>
+                      </a:solidFill>
+                      <a:prstDash val="solid"/>
+                      <a:headEnd type="none" w="med" len="med"/>
+                      <a:tailEnd type="none" w="med" len="med"/>
+                    </a:lnT>
+                    <a:lnB w="6350" cap="flat" cmpd="sng">
+                      <a:solidFill>
+                        <a:srgbClr val="000000"/>
+                      </a:solidFill>
+                      <a:prstDash val="solid"/>
+                      <a:headEnd type="none" w="med" len="med"/>
+                      <a:tailEnd type="none" w="med" len="med"/>
+                    </a:lnB>
+                    <a:lnTlToBr>
+                      <a:noFill/>
+                    </a:lnTlToBr>
+                    <a:lnBlToTr>
+                      <a:noFill/>
+                    </a:lnBlToTr>
+                    <a:noFill/>
+                  </a:tcPr>
+                </a:tc>
+                <a:tc>
+                  <a:txBody>
+                    <a:bodyPr/>
+                    <a:p>
+                      <a:pPr indent="0" algn="ctr">
+                        <a:buNone/>
+                      </a:pPr>
+                      <a:r>
+                        <a:rPr lang="en-US" b="0">
+                          <a:solidFill>
+                            <a:srgbClr val="000000"/>
+                          </a:solidFill>
+                          <a:latin typeface="Calibri" charset="-122"/>
+                        </a:rPr>
+                        <a:t>....</a:t>
+                      </a:r>
+                      <a:endParaRPr lang="en-US" b="0">
+                        <a:solidFill>
+                          <a:srgbClr val="000000"/>
+                        </a:solidFill>
+                        <a:latin typeface="Calibri" charset="-122"/>
+                      </a:endParaRPr>
+                    </a:p>
+                  </a:txBody>
+                  <a:tcPr marL="12700" marR="12700" marT="12700" vert="horz" anchor="ctr" anchorCtr="0">
+                    <a:lnL w="6350" cap="flat" cmpd="sng">
+                      <a:solidFill>
+                        <a:srgbClr val="000000"/>
+                      </a:solidFill>
+                      <a:prstDash val="solid"/>
+                      <a:headEnd type="none" w="med" len="med"/>
+                      <a:tailEnd type="none" w="med" len="med"/>
+                    </a:lnL>
+                    <a:lnR w="6350" cap="flat" cmpd="sng">
+                      <a:solidFill>
+                        <a:srgbClr val="000000"/>
+                      </a:solidFill>
+                      <a:prstDash val="solid"/>
+                      <a:headEnd type="none" w="med" len="med"/>
+                      <a:tailEnd type="none" w="med" len="med"/>
+                    </a:lnR>
+                    <a:lnT w="6350" cap="flat" cmpd="sng">
+                      <a:solidFill>
+                        <a:srgbClr val="000000"/>
+                      </a:solidFill>
+                      <a:prstDash val="solid"/>
+                      <a:headEnd type="none" w="med" len="med"/>
+                      <a:tailEnd type="none" w="med" len="med"/>
+                    </a:lnT>
+                    <a:lnB w="6350" cap="flat" cmpd="sng">
+                      <a:solidFill>
+                        <a:srgbClr val="000000"/>
+                      </a:solidFill>
+                      <a:prstDash val="solid"/>
+                      <a:headEnd type="none" w="med" len="med"/>
+                      <a:tailEnd type="none" w="med" len="med"/>
+                    </a:lnB>
+                    <a:lnTlToBr>
+                      <a:noFill/>
+                    </a:lnTlToBr>
+                    <a:lnBlToTr>
+                      <a:noFill/>
+                    </a:lnBlToTr>
+                    <a:noFill/>
+                  </a:tcPr>
+                </a:tc>
+                <a:tc>
+                  <a:txBody>
+                    <a:bodyPr/>
+                    <a:p>
+                      <a:pPr indent="0" algn="ctr">
+                        <a:buNone/>
+                      </a:pPr>
+                      <a:r>
+                        <a:rPr lang="en-US" b="0">
+                          <a:solidFill>
+                            <a:srgbClr val="000000"/>
+                          </a:solidFill>
+                          <a:latin typeface="Calibri" charset="-122"/>
+                        </a:rPr>
+                        <a:t>....</a:t>
+                      </a:r>
+                      <a:endParaRPr lang="en-US" b="0">
+                        <a:solidFill>
+                          <a:srgbClr val="000000"/>
+                        </a:solidFill>
+                        <a:latin typeface="Calibri" charset="-122"/>
+                      </a:endParaRPr>
+                    </a:p>
+                  </a:txBody>
+                  <a:tcPr marL="12700" marR="12700" marT="12700" vert="horz" anchor="ctr" anchorCtr="0">
+                    <a:lnL w="6350" cap="flat" cmpd="sng">
+                      <a:solidFill>
+                        <a:srgbClr val="000000"/>
+                      </a:solidFill>
+                      <a:prstDash val="solid"/>
+                      <a:headEnd type="none" w="med" len="med"/>
+                      <a:tailEnd type="none" w="med" len="med"/>
+                    </a:lnL>
+                    <a:lnR w="6350" cap="flat" cmpd="sng">
+                      <a:solidFill>
+                        <a:srgbClr val="000000"/>
+                      </a:solidFill>
+                      <a:prstDash val="solid"/>
+                      <a:headEnd type="none" w="med" len="med"/>
+                      <a:tailEnd type="none" w="med" len="med"/>
+                    </a:lnR>
+                    <a:lnT w="6350" cap="flat" cmpd="sng">
+                      <a:solidFill>
+                        <a:srgbClr val="000000"/>
+                      </a:solidFill>
+                      <a:prstDash val="solid"/>
+                      <a:headEnd type="none" w="med" len="med"/>
+                      <a:tailEnd type="none" w="med" len="med"/>
+                    </a:lnT>
+                    <a:lnB w="6350" cap="flat" cmpd="sng">
+                      <a:solidFill>
+                        <a:srgbClr val="000000"/>
+                      </a:solidFill>
+                      <a:prstDash val="solid"/>
+                      <a:headEnd type="none" w="med" len="med"/>
+                      <a:tailEnd type="none" w="med" len="med"/>
+                    </a:lnB>
+                    <a:lnTlToBr>
+                      <a:noFill/>
+                    </a:lnTlToBr>
+                    <a:lnBlToTr>
+                      <a:noFill/>
+                    </a:lnBlToTr>
+                    <a:noFill/>
+                  </a:tcPr>
+                </a:tc>
+                <a:tc>
+                  <a:txBody>
+                    <a:bodyPr/>
+                    <a:p>
+                      <a:pPr indent="0" algn="ctr">
+                        <a:buNone/>
+                      </a:pPr>
+                      <a:r>
+                        <a:rPr lang="en-US" b="0">
+                          <a:solidFill>
+                            <a:srgbClr val="000000"/>
+                          </a:solidFill>
+                          <a:latin typeface="Calibri" charset="-122"/>
+                        </a:rPr>
+                        <a:t>....</a:t>
+                      </a:r>
+                      <a:endParaRPr lang="en-US" b="0">
+                        <a:solidFill>
+                          <a:srgbClr val="000000"/>
+                        </a:solidFill>
+                        <a:latin typeface="Calibri" charset="-122"/>
+                      </a:endParaRPr>
+                    </a:p>
+                  </a:txBody>
+                  <a:tcPr marL="12700" marR="12700" marT="12700" vert="horz" anchor="ctr" anchorCtr="0">
+                    <a:lnL w="6350" cap="flat" cmpd="sng">
+                      <a:solidFill>
+                        <a:srgbClr val="000000"/>
+                      </a:solidFill>
+                      <a:prstDash val="solid"/>
+                      <a:headEnd type="none" w="med" len="med"/>
+                      <a:tailEnd type="none" w="med" len="med"/>
+                    </a:lnL>
+                    <a:lnR w="6350" cap="flat" cmpd="sng">
+                      <a:solidFill>
+                        <a:srgbClr val="000000"/>
+                      </a:solidFill>
+                      <a:prstDash val="solid"/>
+                      <a:headEnd type="none" w="med" len="med"/>
+                      <a:tailEnd type="none" w="med" len="med"/>
+                    </a:lnR>
+                    <a:lnT w="6350" cap="flat" cmpd="sng">
+                      <a:solidFill>
+                        <a:srgbClr val="000000"/>
+                      </a:solidFill>
+                      <a:prstDash val="solid"/>
+                      <a:headEnd type="none" w="med" len="med"/>
+                      <a:tailEnd type="none" w="med" len="med"/>
+                    </a:lnT>
+                    <a:lnB w="6350" cap="flat" cmpd="sng">
+                      <a:solidFill>
+                        <a:srgbClr val="000000"/>
+                      </a:solidFill>
+                      <a:prstDash val="solid"/>
+                      <a:headEnd type="none" w="med" len="med"/>
+                      <a:tailEnd type="none" w="med" len="med"/>
+                    </a:lnB>
+                    <a:lnTlToBr>
+                      <a:noFill/>
+                    </a:lnTlToBr>
+                    <a:lnBlToTr>
+                      <a:noFill/>
+                    </a:lnBlToTr>
+                    <a:noFill/>
+                  </a:tcPr>
+                </a:tc>
+                <a:tc>
+                  <a:txBody>
+                    <a:bodyPr/>
+                    <a:p>
+                      <a:pPr indent="0" algn="ctr">
+                        <a:buNone/>
+                      </a:pPr>
+                      <a:r>
+                        <a:rPr lang="en-US" b="0">
+                          <a:solidFill>
+                            <a:srgbClr val="000000"/>
+                          </a:solidFill>
+                          <a:latin typeface="Calibri" charset="-122"/>
+                        </a:rPr>
+                        <a:t>....</a:t>
+                      </a:r>
+                      <a:endParaRPr lang="en-US" b="0">
+                        <a:solidFill>
+                          <a:srgbClr val="000000"/>
+                        </a:solidFill>
+                        <a:latin typeface="Calibri" charset="-122"/>
+                      </a:endParaRPr>
+                    </a:p>
+                  </a:txBody>
+                  <a:tcPr marL="12700" marR="12700" marT="12700" vert="horz" anchor="ctr" anchorCtr="0">
+                    <a:lnL w="6350" cap="flat" cmpd="sng">
+                      <a:solidFill>
+                        <a:srgbClr val="000000"/>
+                      </a:solidFill>
+                      <a:prstDash val="solid"/>
+                      <a:headEnd type="none" w="med" len="med"/>
+                      <a:tailEnd type="none" w="med" len="med"/>
+                    </a:lnL>
+                    <a:lnR w="6350" cap="flat" cmpd="sng">
+                      <a:solidFill>
+                        <a:srgbClr val="000000"/>
+                      </a:solidFill>
+                      <a:prstDash val="solid"/>
+                      <a:headEnd type="none" w="med" len="med"/>
+                      <a:tailEnd type="none" w="med" len="med"/>
+                    </a:lnR>
+                    <a:lnT w="6350" cap="flat" cmpd="sng">
+                      <a:solidFill>
+                        <a:srgbClr val="000000"/>
+                      </a:solidFill>
+                      <a:prstDash val="solid"/>
+                      <a:headEnd type="none" w="med" len="med"/>
+                      <a:tailEnd type="none" w="med" len="med"/>
+                    </a:lnT>
+                    <a:lnB w="6350" cap="flat" cmpd="sng">
+                      <a:solidFill>
+                        <a:srgbClr val="000000"/>
+                      </a:solidFill>
+                      <a:prstDash val="solid"/>
+                      <a:headEnd type="none" w="med" len="med"/>
+                      <a:tailEnd type="none" w="med" len="med"/>
+                    </a:lnB>
+                    <a:lnTlToBr>
+                      <a:noFill/>
+                    </a:lnTlToBr>
+                    <a:lnBlToTr>
+                      <a:noFill/>
+                    </a:lnBlToTr>
+                    <a:noFill/>
+                  </a:tcPr>
+                </a:tc>
+                <a:tc>
+                  <a:txBody>
+                    <a:bodyPr/>
+                    <a:p>
+                      <a:pPr indent="0">
+                        <a:buNone/>
+                      </a:pPr>
+                      <a:r>
+                        <a:rPr lang="en-US" altLang="en-US" sz="1800">
+                          <a:solidFill>
+                            <a:srgbClr val="000000"/>
+                          </a:solidFill>
+                          <a:latin typeface="Calibri" charset="-122"/>
+                          <a:sym typeface="+mn-ea"/>
+                        </a:rPr>
+                        <a:t>kategori1</a:t>
+                      </a:r>
+                      <a:endParaRPr lang="en-US" b="0">
+                        <a:solidFill>
+                          <a:srgbClr val="000000"/>
+                        </a:solidFill>
+                        <a:latin typeface="Calibri" charset="-122"/>
+                      </a:endParaRPr>
+                    </a:p>
+                  </a:txBody>
+                  <a:tcPr marL="12700" marR="12700" marT="12700" vert="horz" anchor="ctr" anchorCtr="0">
+                    <a:lnL w="6350" cap="flat" cmpd="sng">
+                      <a:solidFill>
+                        <a:srgbClr val="000000"/>
+                      </a:solidFill>
+                      <a:prstDash val="solid"/>
+                      <a:headEnd type="none" w="med" len="med"/>
+                      <a:tailEnd type="none" w="med" len="med"/>
+                    </a:lnL>
+                    <a:lnR w="6350" cap="flat" cmpd="sng">
+                      <a:solidFill>
+                        <a:srgbClr val="000000"/>
+                      </a:solidFill>
+                      <a:prstDash val="solid"/>
+                      <a:headEnd type="none" w="med" len="med"/>
+                      <a:tailEnd type="none" w="med" len="med"/>
+                    </a:lnR>
+                    <a:lnT w="6350" cap="flat" cmpd="sng">
+                      <a:solidFill>
+                        <a:srgbClr val="000000"/>
+                      </a:solidFill>
+                      <a:prstDash val="solid"/>
+                      <a:headEnd type="none" w="med" len="med"/>
+                      <a:tailEnd type="none" w="med" len="med"/>
+                    </a:lnT>
+                    <a:lnB w="6350" cap="flat" cmpd="sng">
+                      <a:solidFill>
+                        <a:srgbClr val="000000"/>
+                      </a:solidFill>
+                      <a:prstDash val="solid"/>
+                      <a:headEnd type="none" w="med" len="med"/>
+                      <a:tailEnd type="none" w="med" len="med"/>
+                    </a:lnB>
+                    <a:lnTlToBr>
+                      <a:noFill/>
+                    </a:lnTlToBr>
+                    <a:lnBlToTr>
+                      <a:noFill/>
+                    </a:lnBlToTr>
+                    <a:noFill/>
+                  </a:tcPr>
+                </a:tc>
+              </a:tr>
+              <a:tr h="612140">
+                <a:tc>
+                  <a:txBody>
+                    <a:bodyPr/>
+                    <a:p>
+                      <a:pPr indent="0" algn="ctr">
+                        <a:buNone/>
+                      </a:pPr>
+                      <a:r>
+                        <a:rPr lang="" altLang="en-US" b="0">
+                          <a:solidFill>
+                            <a:srgbClr val="000000"/>
+                          </a:solidFill>
+                          <a:latin typeface="Calibri" charset="-122"/>
+                        </a:rPr>
+                        <a:t>N</a:t>
+                      </a:r>
+                      <a:endParaRPr lang="" altLang="en-US" b="0">
+                        <a:solidFill>
+                          <a:srgbClr val="000000"/>
+                        </a:solidFill>
+                        <a:latin typeface="Calibri" charset="-122"/>
+                      </a:endParaRPr>
+                    </a:p>
+                  </a:txBody>
+                  <a:tcPr marL="12700" marR="12700" marT="12700" vert="horz" anchor="ctr" anchorCtr="0">
+                    <a:lnL w="6350" cap="flat" cmpd="sng">
+                      <a:solidFill>
+                        <a:srgbClr val="000000"/>
+                      </a:solidFill>
+                      <a:prstDash val="solid"/>
+                      <a:headEnd type="none" w="med" len="med"/>
+                      <a:tailEnd type="none" w="med" len="med"/>
+                    </a:lnL>
+                    <a:lnR w="6350" cap="flat" cmpd="sng">
+                      <a:solidFill>
+                        <a:srgbClr val="000000"/>
+                      </a:solidFill>
+                      <a:prstDash val="solid"/>
+                      <a:headEnd type="none" w="med" len="med"/>
+                      <a:tailEnd type="none" w="med" len="med"/>
+                    </a:lnR>
+                    <a:lnT w="6350" cap="flat" cmpd="sng">
+                      <a:solidFill>
+                        <a:srgbClr val="000000"/>
+                      </a:solidFill>
+                      <a:prstDash val="solid"/>
+                      <a:headEnd type="none" w="med" len="med"/>
+                      <a:tailEnd type="none" w="med" len="med"/>
+                    </a:lnT>
+                    <a:lnB w="6350" cap="flat" cmpd="sng">
+                      <a:solidFill>
+                        <a:srgbClr val="000000"/>
+                      </a:solidFill>
+                      <a:prstDash val="solid"/>
+                      <a:headEnd type="none" w="med" len="med"/>
+                      <a:tailEnd type="none" w="med" len="med"/>
+                    </a:lnB>
+                    <a:lnTlToBr>
+                      <a:noFill/>
+                    </a:lnTlToBr>
+                    <a:lnBlToTr>
+                      <a:noFill/>
+                    </a:lnBlToTr>
+                    <a:noFill/>
+                  </a:tcPr>
+                </a:tc>
+                <a:tc>
+                  <a:txBody>
+                    <a:bodyPr/>
+                    <a:p>
+                      <a:pPr indent="0" algn="ctr">
+                        <a:buNone/>
+                      </a:pPr>
+                      <a:r>
+                        <a:rPr lang="" altLang="en-US" sz="1800">
+                          <a:solidFill>
+                            <a:srgbClr val="000000"/>
+                          </a:solidFill>
+                          <a:latin typeface="Calibri" charset="-122"/>
+                          <a:sym typeface="+mn-ea"/>
+                        </a:rPr>
+                        <a:t>judulN</a:t>
+                      </a:r>
+                      <a:endParaRPr lang="" altLang="en-US" sz="1800" b="0">
+                        <a:solidFill>
+                          <a:srgbClr val="000000"/>
+                        </a:solidFill>
+                        <a:latin typeface="Calibri" charset="-122"/>
+                        <a:sym typeface="+mn-ea"/>
+                      </a:endParaRPr>
+                    </a:p>
+                  </a:txBody>
+                  <a:tcPr marL="12700" marR="12700" marT="12700" vert="horz" anchor="ctr" anchorCtr="0">
+                    <a:lnL w="6350" cap="flat" cmpd="sng">
+                      <a:solidFill>
+                        <a:srgbClr val="000000"/>
+                      </a:solidFill>
+                      <a:prstDash val="solid"/>
+                      <a:headEnd type="none" w="med" len="med"/>
+                      <a:tailEnd type="none" w="med" len="med"/>
+                    </a:lnL>
+                    <a:lnR w="6350" cap="flat" cmpd="sng">
+                      <a:solidFill>
+                        <a:srgbClr val="000000"/>
+                      </a:solidFill>
+                      <a:prstDash val="solid"/>
+                      <a:headEnd type="none" w="med" len="med"/>
+                      <a:tailEnd type="none" w="med" len="med"/>
+                    </a:lnR>
+                    <a:lnT w="6350" cap="flat" cmpd="sng">
+                      <a:solidFill>
+                        <a:srgbClr val="000000"/>
+                      </a:solidFill>
+                      <a:prstDash val="solid"/>
+                      <a:headEnd type="none" w="med" len="med"/>
+                      <a:tailEnd type="none" w="med" len="med"/>
+                    </a:lnT>
+                    <a:lnB w="6350" cap="flat" cmpd="sng">
+                      <a:solidFill>
+                        <a:srgbClr val="000000"/>
+                      </a:solidFill>
+                      <a:prstDash val="solid"/>
+                      <a:headEnd type="none" w="med" len="med"/>
+                      <a:tailEnd type="none" w="med" len="med"/>
+                    </a:lnB>
+                    <a:lnTlToBr>
+                      <a:noFill/>
+                    </a:lnTlToBr>
+                    <a:lnBlToTr>
+                      <a:noFill/>
+                    </a:lnBlToTr>
+                    <a:noFill/>
+                  </a:tcPr>
+                </a:tc>
+                <a:tc>
+                  <a:txBody>
+                    <a:bodyPr/>
+                    <a:p>
+                      <a:pPr indent="0" algn="ctr">
+                        <a:buNone/>
+                      </a:pPr>
+                      <a:r>
+                        <a:rPr lang="en-US" b="0">
+                          <a:solidFill>
+                            <a:srgbClr val="000000"/>
+                          </a:solidFill>
+                          <a:latin typeface="Calibri" charset="-122"/>
+                        </a:rPr>
+                        <a:t>....</a:t>
+                      </a:r>
+                      <a:endParaRPr lang="en-US" b="0">
+                        <a:solidFill>
+                          <a:srgbClr val="000000"/>
+                        </a:solidFill>
+                        <a:latin typeface="Calibri" charset="-122"/>
+                      </a:endParaRPr>
+                    </a:p>
+                  </a:txBody>
+                  <a:tcPr marL="12700" marR="12700" marT="12700" vert="horz" anchor="ctr" anchorCtr="0">
+                    <a:lnL w="6350" cap="flat" cmpd="sng">
+                      <a:solidFill>
+                        <a:srgbClr val="000000"/>
+                      </a:solidFill>
+                      <a:prstDash val="solid"/>
+                      <a:headEnd type="none" w="med" len="med"/>
+                      <a:tailEnd type="none" w="med" len="med"/>
+                    </a:lnL>
+                    <a:lnR w="6350" cap="flat" cmpd="sng">
+                      <a:solidFill>
+                        <a:srgbClr val="000000"/>
+                      </a:solidFill>
+                      <a:prstDash val="solid"/>
+                      <a:headEnd type="none" w="med" len="med"/>
+                      <a:tailEnd type="none" w="med" len="med"/>
+                    </a:lnR>
+                    <a:lnT w="6350" cap="flat" cmpd="sng">
+                      <a:solidFill>
+                        <a:srgbClr val="000000"/>
+                      </a:solidFill>
+                      <a:prstDash val="solid"/>
+                      <a:headEnd type="none" w="med" len="med"/>
+                      <a:tailEnd type="none" w="med" len="med"/>
+                    </a:lnT>
+                    <a:lnB w="6350" cap="flat" cmpd="sng">
+                      <a:solidFill>
+                        <a:srgbClr val="000000"/>
+                      </a:solidFill>
+                      <a:prstDash val="solid"/>
+                      <a:headEnd type="none" w="med" len="med"/>
+                      <a:tailEnd type="none" w="med" len="med"/>
+                    </a:lnB>
+                    <a:lnTlToBr>
+                      <a:noFill/>
+                    </a:lnTlToBr>
+                    <a:lnBlToTr>
+                      <a:noFill/>
+                    </a:lnBlToTr>
+                    <a:noFill/>
+                  </a:tcPr>
+                </a:tc>
+                <a:tc>
+                  <a:txBody>
+                    <a:bodyPr/>
+                    <a:p>
+                      <a:pPr indent="0" algn="ctr">
+                        <a:buNone/>
+                      </a:pPr>
+                      <a:r>
+                        <a:rPr lang="en-US" b="0">
+                          <a:solidFill>
+                            <a:srgbClr val="000000"/>
+                          </a:solidFill>
+                          <a:latin typeface="Calibri" charset="-122"/>
+                        </a:rPr>
+                        <a:t>....</a:t>
+                      </a:r>
+                      <a:endParaRPr lang="en-US" b="0">
+                        <a:solidFill>
+                          <a:srgbClr val="000000"/>
+                        </a:solidFill>
+                        <a:latin typeface="Calibri" charset="-122"/>
+                      </a:endParaRPr>
+                    </a:p>
+                  </a:txBody>
+                  <a:tcPr marL="12700" marR="12700" marT="12700" vert="horz" anchor="ctr" anchorCtr="0">
+                    <a:lnL w="6350" cap="flat" cmpd="sng">
+                      <a:solidFill>
+                        <a:srgbClr val="000000"/>
+                      </a:solidFill>
+                      <a:prstDash val="solid"/>
+                      <a:headEnd type="none" w="med" len="med"/>
+                      <a:tailEnd type="none" w="med" len="med"/>
+                    </a:lnL>
+                    <a:lnR w="6350" cap="flat" cmpd="sng">
+                      <a:solidFill>
+                        <a:srgbClr val="000000"/>
+                      </a:solidFill>
+                      <a:prstDash val="solid"/>
+                      <a:headEnd type="none" w="med" len="med"/>
+                      <a:tailEnd type="none" w="med" len="med"/>
+                    </a:lnR>
+                    <a:lnT w="6350" cap="flat" cmpd="sng">
+                      <a:solidFill>
+                        <a:srgbClr val="000000"/>
+                      </a:solidFill>
+                      <a:prstDash val="solid"/>
+                      <a:headEnd type="none" w="med" len="med"/>
+                      <a:tailEnd type="none" w="med" len="med"/>
+                    </a:lnT>
+                    <a:lnB w="6350" cap="flat" cmpd="sng">
+                      <a:solidFill>
+                        <a:srgbClr val="000000"/>
+                      </a:solidFill>
+                      <a:prstDash val="solid"/>
+                      <a:headEnd type="none" w="med" len="med"/>
+                      <a:tailEnd type="none" w="med" len="med"/>
+                    </a:lnB>
+                    <a:lnTlToBr>
+                      <a:noFill/>
+                    </a:lnTlToBr>
+                    <a:lnBlToTr>
+                      <a:noFill/>
+                    </a:lnBlToTr>
+                    <a:noFill/>
+                  </a:tcPr>
+                </a:tc>
+                <a:tc>
+                  <a:txBody>
+                    <a:bodyPr/>
+                    <a:p>
+                      <a:pPr indent="0" algn="ctr">
+                        <a:buNone/>
+                      </a:pPr>
+                      <a:r>
+                        <a:rPr lang="en-US" b="0">
+                          <a:solidFill>
+                            <a:srgbClr val="000000"/>
+                          </a:solidFill>
+                          <a:latin typeface="Calibri" charset="-122"/>
+                        </a:rPr>
+                        <a:t>....</a:t>
+                      </a:r>
+                      <a:endParaRPr lang="en-US" b="0">
+                        <a:solidFill>
+                          <a:srgbClr val="000000"/>
+                        </a:solidFill>
+                        <a:latin typeface="Calibri" charset="-122"/>
+                      </a:endParaRPr>
+                    </a:p>
+                  </a:txBody>
+                  <a:tcPr marL="12700" marR="12700" marT="12700" vert="horz" anchor="ctr" anchorCtr="0">
+                    <a:lnL w="6350" cap="flat" cmpd="sng">
+                      <a:solidFill>
+                        <a:srgbClr val="000000"/>
+                      </a:solidFill>
+                      <a:prstDash val="solid"/>
+                      <a:headEnd type="none" w="med" len="med"/>
+                      <a:tailEnd type="none" w="med" len="med"/>
+                    </a:lnL>
+                    <a:lnR w="6350" cap="flat" cmpd="sng">
+                      <a:solidFill>
+                        <a:srgbClr val="000000"/>
+                      </a:solidFill>
+                      <a:prstDash val="solid"/>
+                      <a:headEnd type="none" w="med" len="med"/>
+                      <a:tailEnd type="none" w="med" len="med"/>
+                    </a:lnR>
+                    <a:lnT w="6350" cap="flat" cmpd="sng">
+                      <a:solidFill>
+                        <a:srgbClr val="000000"/>
+                      </a:solidFill>
+                      <a:prstDash val="solid"/>
+                      <a:headEnd type="none" w="med" len="med"/>
+                      <a:tailEnd type="none" w="med" len="med"/>
+                    </a:lnT>
+                    <a:lnB w="6350" cap="flat" cmpd="sng">
+                      <a:solidFill>
+                        <a:srgbClr val="000000"/>
+                      </a:solidFill>
+                      <a:prstDash val="solid"/>
+                      <a:headEnd type="none" w="med" len="med"/>
+                      <a:tailEnd type="none" w="med" len="med"/>
+                    </a:lnB>
+                    <a:lnTlToBr>
+                      <a:noFill/>
+                    </a:lnTlToBr>
+                    <a:lnBlToTr>
+                      <a:noFill/>
+                    </a:lnBlToTr>
+                    <a:noFill/>
+                  </a:tcPr>
+                </a:tc>
+                <a:tc>
+                  <a:txBody>
+                    <a:bodyPr/>
+                    <a:p>
+                      <a:pPr indent="0" algn="ctr">
+                        <a:buNone/>
+                      </a:pPr>
+                      <a:r>
+                        <a:rPr lang="en-US" b="0">
+                          <a:solidFill>
+                            <a:srgbClr val="000000"/>
+                          </a:solidFill>
+                          <a:latin typeface="Calibri" charset="-122"/>
+                        </a:rPr>
+                        <a:t>....</a:t>
+                      </a:r>
+                      <a:endParaRPr lang="en-US" b="0">
+                        <a:solidFill>
+                          <a:srgbClr val="000000"/>
+                        </a:solidFill>
+                        <a:latin typeface="Calibri" charset="-122"/>
+                      </a:endParaRPr>
+                    </a:p>
+                  </a:txBody>
+                  <a:tcPr marL="12700" marR="12700" marT="12700" vert="horz" anchor="ctr" anchorCtr="0">
+                    <a:lnL w="6350" cap="flat" cmpd="sng">
+                      <a:solidFill>
+                        <a:srgbClr val="000000"/>
+                      </a:solidFill>
+                      <a:prstDash val="solid"/>
+                      <a:headEnd type="none" w="med" len="med"/>
+                      <a:tailEnd type="none" w="med" len="med"/>
+                    </a:lnL>
+                    <a:lnR w="6350" cap="flat" cmpd="sng">
+                      <a:solidFill>
+                        <a:srgbClr val="000000"/>
+                      </a:solidFill>
+                      <a:prstDash val="solid"/>
+                      <a:headEnd type="none" w="med" len="med"/>
+                      <a:tailEnd type="none" w="med" len="med"/>
+                    </a:lnR>
+                    <a:lnT w="6350" cap="flat" cmpd="sng">
+                      <a:solidFill>
+                        <a:srgbClr val="000000"/>
+                      </a:solidFill>
+                      <a:prstDash val="solid"/>
+                      <a:headEnd type="none" w="med" len="med"/>
+                      <a:tailEnd type="none" w="med" len="med"/>
+                    </a:lnT>
+                    <a:lnB w="6350" cap="flat" cmpd="sng">
+                      <a:solidFill>
+                        <a:srgbClr val="000000"/>
+                      </a:solidFill>
+                      <a:prstDash val="solid"/>
+                      <a:headEnd type="none" w="med" len="med"/>
+                      <a:tailEnd type="none" w="med" len="med"/>
+                    </a:lnB>
+                    <a:lnTlToBr>
+                      <a:noFill/>
+                    </a:lnTlToBr>
+                    <a:lnBlToTr>
+                      <a:noFill/>
+                    </a:lnBlToTr>
+                    <a:noFill/>
+                  </a:tcPr>
+                </a:tc>
+                <a:tc>
+                  <a:txBody>
+                    <a:bodyPr/>
+                    <a:p>
+                      <a:pPr indent="0" algn="ctr">
+                        <a:buNone/>
+                      </a:pPr>
+                      <a:r>
+                        <a:rPr lang="en-US" b="0">
+                          <a:solidFill>
+                            <a:srgbClr val="000000"/>
+                          </a:solidFill>
+                          <a:latin typeface="Calibri" charset="-122"/>
+                        </a:rPr>
+                        <a:t>....</a:t>
+                      </a:r>
+                      <a:endParaRPr lang="en-US" b="0">
+                        <a:solidFill>
+                          <a:srgbClr val="000000"/>
+                        </a:solidFill>
+                        <a:latin typeface="Calibri" charset="-122"/>
+                      </a:endParaRPr>
+                    </a:p>
+                  </a:txBody>
+                  <a:tcPr marL="12700" marR="12700" marT="12700" vert="horz" anchor="ctr" anchorCtr="0">
+                    <a:lnL w="6350" cap="flat" cmpd="sng">
+                      <a:solidFill>
+                        <a:srgbClr val="000000"/>
+                      </a:solidFill>
+                      <a:prstDash val="solid"/>
+                      <a:headEnd type="none" w="med" len="med"/>
+                      <a:tailEnd type="none" w="med" len="med"/>
+                    </a:lnL>
+                    <a:lnR w="6350" cap="flat" cmpd="sng">
+                      <a:solidFill>
+                        <a:srgbClr val="000000"/>
+                      </a:solidFill>
+                      <a:prstDash val="solid"/>
+                      <a:headEnd type="none" w="med" len="med"/>
+                      <a:tailEnd type="none" w="med" len="med"/>
+                    </a:lnR>
+                    <a:lnT w="6350" cap="flat" cmpd="sng">
+                      <a:solidFill>
+                        <a:srgbClr val="000000"/>
+                      </a:solidFill>
+                      <a:prstDash val="solid"/>
+                      <a:headEnd type="none" w="med" len="med"/>
+                      <a:tailEnd type="none" w="med" len="med"/>
+                    </a:lnT>
+                    <a:lnB w="6350" cap="flat" cmpd="sng">
+                      <a:solidFill>
+                        <a:srgbClr val="000000"/>
+                      </a:solidFill>
+                      <a:prstDash val="solid"/>
+                      <a:headEnd type="none" w="med" len="med"/>
+                      <a:tailEnd type="none" w="med" len="med"/>
+                    </a:lnB>
+                    <a:lnTlToBr>
+                      <a:noFill/>
+                    </a:lnTlToBr>
+                    <a:lnBlToTr>
+                      <a:noFill/>
+                    </a:lnBlToTr>
+                    <a:noFill/>
+                  </a:tcPr>
+                </a:tc>
+                <a:tc>
+                  <a:txBody>
+                    <a:bodyPr/>
+                    <a:p>
+                      <a:pPr indent="0" algn="ctr">
+                        <a:buNone/>
+                      </a:pPr>
+                      <a:r>
+                        <a:rPr lang="en-US" b="0">
+                          <a:solidFill>
+                            <a:srgbClr val="000000"/>
+                          </a:solidFill>
+                          <a:latin typeface="Calibri" charset="-122"/>
+                        </a:rPr>
+                        <a:t>....</a:t>
+                      </a:r>
+                      <a:endParaRPr lang="en-US" b="0">
+                        <a:solidFill>
+                          <a:srgbClr val="000000"/>
+                        </a:solidFill>
+                        <a:latin typeface="Calibri" charset="-122"/>
+                      </a:endParaRPr>
+                    </a:p>
+                  </a:txBody>
+                  <a:tcPr marL="12700" marR="12700" marT="12700" vert="horz" anchor="ctr" anchorCtr="0">
+                    <a:lnL w="6350" cap="flat" cmpd="sng">
+                      <a:solidFill>
+                        <a:srgbClr val="000000"/>
+                      </a:solidFill>
+                      <a:prstDash val="solid"/>
+                      <a:headEnd type="none" w="med" len="med"/>
+                      <a:tailEnd type="none" w="med" len="med"/>
+                    </a:lnL>
+                    <a:lnR w="6350" cap="flat" cmpd="sng">
+                      <a:solidFill>
+                        <a:srgbClr val="000000"/>
+                      </a:solidFill>
+                      <a:prstDash val="solid"/>
+                      <a:headEnd type="none" w="med" len="med"/>
+                      <a:tailEnd type="none" w="med" len="med"/>
+                    </a:lnR>
+                    <a:lnT w="6350" cap="flat" cmpd="sng">
+                      <a:solidFill>
+                        <a:srgbClr val="000000"/>
+                      </a:solidFill>
+                      <a:prstDash val="solid"/>
+                      <a:headEnd type="none" w="med" len="med"/>
+                      <a:tailEnd type="none" w="med" len="med"/>
+                    </a:lnT>
+                    <a:lnB w="6350" cap="flat" cmpd="sng">
+                      <a:solidFill>
+                        <a:srgbClr val="000000"/>
+                      </a:solidFill>
+                      <a:prstDash val="solid"/>
+                      <a:headEnd type="none" w="med" len="med"/>
+                      <a:tailEnd type="none" w="med" len="med"/>
+                    </a:lnB>
+                    <a:lnTlToBr>
+                      <a:noFill/>
+                    </a:lnTlToBr>
+                    <a:lnBlToTr>
+                      <a:noFill/>
+                    </a:lnBlToTr>
+                    <a:noFill/>
+                  </a:tcPr>
+                </a:tc>
+                <a:tc>
+                  <a:txBody>
+                    <a:bodyPr/>
+                    <a:p>
+                      <a:pPr indent="0">
+                        <a:buNone/>
+                      </a:pPr>
+                      <a:r>
+                        <a:rPr lang="en-US" altLang="en-US" sz="1800">
+                          <a:solidFill>
+                            <a:srgbClr val="000000"/>
+                          </a:solidFill>
+                          <a:latin typeface="Calibri" charset="-122"/>
+                          <a:sym typeface="+mn-ea"/>
+                        </a:rPr>
+                        <a:t>kategori</a:t>
+                      </a:r>
+                      <a:r>
+                        <a:rPr lang="" altLang="en-US" sz="1800">
+                          <a:solidFill>
+                            <a:srgbClr val="000000"/>
+                          </a:solidFill>
+                          <a:latin typeface="Calibri" charset="-122"/>
+                          <a:sym typeface="+mn-ea"/>
+                        </a:rPr>
+                        <a:t>N</a:t>
+                      </a:r>
+                      <a:endParaRPr lang="" altLang="en-US" sz="1800" b="0">
+                        <a:solidFill>
+                          <a:srgbClr val="000000"/>
+                        </a:solidFill>
+                        <a:latin typeface="Calibri" charset="-122"/>
+                        <a:sym typeface="+mn-ea"/>
+                      </a:endParaRPr>
+                    </a:p>
+                  </a:txBody>
+                  <a:tcPr marL="12700" marR="12700" marT="12700" vert="horz" anchor="ctr" anchorCtr="0">
+                    <a:lnL w="6350" cap="flat" cmpd="sng">
+                      <a:solidFill>
+                        <a:srgbClr val="000000"/>
+                      </a:solidFill>
+                      <a:prstDash val="solid"/>
+                      <a:headEnd type="none" w="med" len="med"/>
+                      <a:tailEnd type="none" w="med" len="med"/>
+                    </a:lnL>
+                    <a:lnR w="6350" cap="flat" cmpd="sng">
+                      <a:solidFill>
+                        <a:srgbClr val="000000"/>
+                      </a:solidFill>
+                      <a:prstDash val="solid"/>
+                      <a:headEnd type="none" w="med" len="med"/>
+                      <a:tailEnd type="none" w="med" len="med"/>
+                    </a:lnR>
+                    <a:lnT w="6350" cap="flat" cmpd="sng">
+                      <a:solidFill>
+                        <a:srgbClr val="000000"/>
+                      </a:solidFill>
+                      <a:prstDash val="solid"/>
+                      <a:headEnd type="none" w="med" len="med"/>
+                      <a:tailEnd type="none" w="med" len="med"/>
+                    </a:lnT>
+                    <a:lnB w="6350" cap="flat" cmpd="sng">
+                      <a:solidFill>
+                        <a:srgbClr val="000000"/>
+                      </a:solidFill>
+                      <a:prstDash val="solid"/>
+                      <a:headEnd type="none" w="med" len="med"/>
+                      <a:tailEnd type="none" w="med" len="med"/>
+                    </a:lnB>
+                    <a:lnTlToBr>
+                      <a:noFill/>
+                    </a:lnTlToBr>
+                    <a:lnBlToTr>
+                      <a:noFill/>
+                    </a:lnBlToTr>
+                    <a:noFill/>
+                  </a:tcPr>
+                </a:tc>
+              </a:tr>
+            </a:tbl>
+          </a:graphicData>
+        </a:graphic>
+      </p:graphicFrame>
+      <p:sp>
+        <p:nvSpPr>
+          <p:cNvPr id="3" name="Rectangle 2"/>
+          <p:cNvSpPr/>
+          <p:nvPr/>
+        </p:nvSpPr>
+        <p:spPr>
+          <a:xfrm>
+            <a:off x="3359785" y="2764790"/>
+            <a:ext cx="5746750" cy="693420"/>
+          </a:xfrm>
+          <a:prstGeom prst="rect">
+            <a:avLst/>
+          </a:prstGeom>
+          <a:noFill/>
+          <a:ln w="38100" cap="flat" cmpd="sng" algn="ctr">
+            <a:solidFill>
+              <a:srgbClr val="FFC000"/>
+            </a:solidFill>
+            <a:prstDash val="solid"/>
+            <a:round/>
+            <a:headEnd type="none" w="med" len="med"/>
+            <a:tailEnd type="none" w="med" len="med"/>
+          </a:ln>
+          <a:extLst>
+            <a:ext uri="{909E8E84-426E-40DD-AFC4-6F175D3DCCD1}">
+              <a14:hiddenFill xmlns:a14="http://schemas.microsoft.com/office/drawing/2010/main">
+                <a:gradFill rotWithShape="0">
+                  <a:gsLst>
+                    <a:gs pos="0">
+                      <a:schemeClr val="accent1"/>
+                    </a:gs>
+                    <a:gs pos="100000">
+                      <a:schemeClr val="accent2"/>
+                    </a:gs>
+                  </a:gsLst>
+                  <a:lin ang="5400000" scaled="1"/>
+                </a:gradFill>
+              </a14:hiddenFill>
+            </a:ext>
+          </a:extLst>
+        </p:spPr>
+        <p:txBody>
+          <a:bodyPr vert="horz" wrap="none" lIns="91440" tIns="45720" rIns="91440" bIns="45720" numCol="1" anchor="ctr" anchorCtr="0" compatLnSpc="1"/>
+          <a:p>
+            <a:pPr marL="0" marR="0" indent="0" algn="l" defTabSz="914400" rtl="0" eaLnBrk="1" fontAlgn="base" latinLnBrk="0" hangingPunct="1">
+              <a:lnSpc>
+                <a:spcPct val="100000"/>
+              </a:lnSpc>
+              <a:spcBef>
+                <a:spcPct val="0"/>
+              </a:spcBef>
+              <a:spcAft>
+                <a:spcPct val="0"/>
+              </a:spcAft>
+              <a:buClrTx/>
+              <a:buSzTx/>
+              <a:buFontTx/>
+              <a:buNone/>
+            </a:pPr>
+            <a:endParaRPr kumimoji="0" lang="zh-CN" altLang="en-US" sz="1800" b="0" i="0" u="none" strike="noStrike" cap="none" normalizeH="0" baseline="0" smtClean="0">
+              <a:ln>
+                <a:noFill/>
+              </a:ln>
+              <a:solidFill>
+                <a:schemeClr val="tx1"/>
+              </a:solidFill>
+              <a:effectLst/>
+              <a:latin typeface="Arial" panose="020B0604020202020204" pitchFamily="34" charset="0"/>
+              <a:ea typeface="SimSun" pitchFamily="2" charset="-122"/>
+            </a:endParaRPr>
+          </a:p>
+        </p:txBody>
+      </p:sp>
+      <p:sp>
+        <p:nvSpPr>
+          <p:cNvPr id="5" name="Rectangular Callout 4"/>
+          <p:cNvSpPr/>
+          <p:nvPr/>
+        </p:nvSpPr>
+        <p:spPr>
+          <a:xfrm>
+            <a:off x="2841625" y="2003425"/>
+            <a:ext cx="4260850" cy="524510"/>
+          </a:xfrm>
+          <a:prstGeom prst="wedgeRectCallout">
+            <a:avLst>
+              <a:gd name="adj1" fmla="val -178"/>
+              <a:gd name="adj2" fmla="val 89588"/>
+            </a:avLst>
+          </a:prstGeom>
+          <a:solidFill>
+            <a:srgbClr val="FFC000"/>
+          </a:solidFill>
+          <a:ln>
+            <a:headEnd type="none" w="med" len="med"/>
+            <a:tailEnd type="none" w="med" len="med"/>
+          </a:ln>
+        </p:spPr>
+        <p:style>
+          <a:lnRef idx="0">
+            <a:schemeClr val="accent6"/>
+          </a:lnRef>
+          <a:fillRef idx="3">
+            <a:schemeClr val="accent6"/>
+          </a:fillRef>
+          <a:effectRef idx="3">
+            <a:schemeClr val="accent6"/>
+          </a:effectRef>
+          <a:fontRef idx="minor">
+            <a:schemeClr val="lt1"/>
+          </a:fontRef>
+        </p:style>
+        <p:txBody>
+          <a:bodyPr vert="horz" wrap="none" lIns="91440" tIns="45720" rIns="91440" bIns="45720" numCol="1" anchor="ctr" anchorCtr="0" compatLnSpc="1"/>
+          <a:p>
+            <a:pPr marL="0" marR="0" indent="0" algn="ctr" defTabSz="914400" rtl="0" eaLnBrk="1" fontAlgn="base" latinLnBrk="0" hangingPunct="1">
+              <a:lnSpc>
+                <a:spcPct val="100000"/>
+              </a:lnSpc>
+              <a:spcBef>
+                <a:spcPct val="0"/>
+              </a:spcBef>
+              <a:spcAft>
+                <a:spcPct val="0"/>
+              </a:spcAft>
+              <a:buClrTx/>
+              <a:buSzTx/>
+              <a:buFontTx/>
+              <a:buNone/>
+            </a:pPr>
+            <a:r>
+              <a:rPr kumimoji="0" lang="" altLang="zh-CN" sz="1400" b="0" i="0" u="none" strike="noStrike" cap="none" normalizeH="0" baseline="0" smtClean="0">
+                <a:ln>
+                  <a:noFill/>
+                </a:ln>
+                <a:solidFill>
+                  <a:schemeClr val="bg1"/>
+                </a:solidFill>
+                <a:effectLst/>
+                <a:latin typeface="Arial" panose="020B0604020202020204" pitchFamily="34" charset="0"/>
+                <a:ea typeface="SimSun" pitchFamily="2" charset="-122"/>
+              </a:rPr>
+              <a:t>hasil penggabungan seluruh kata</a:t>
+            </a:r>
+            <a:endParaRPr kumimoji="0" lang="" altLang="zh-CN" sz="1400" b="0" i="0" u="none" strike="noStrike" cap="none" normalizeH="0" baseline="0" smtClean="0">
+              <a:ln>
+                <a:noFill/>
+              </a:ln>
+              <a:solidFill>
+                <a:schemeClr val="bg1"/>
+              </a:solidFill>
+              <a:effectLst/>
+              <a:latin typeface="Arial" panose="020B0604020202020204" pitchFamily="34" charset="0"/>
+              <a:ea typeface="SimSun" pitchFamily="2" charset="-122"/>
+            </a:endParaRPr>
+          </a:p>
+          <a:p>
+            <a:pPr marL="0" marR="0" indent="0" algn="ctr" defTabSz="914400" rtl="0" eaLnBrk="1" fontAlgn="base" latinLnBrk="0" hangingPunct="1">
+              <a:lnSpc>
+                <a:spcPct val="100000"/>
+              </a:lnSpc>
+              <a:spcBef>
+                <a:spcPct val="0"/>
+              </a:spcBef>
+              <a:spcAft>
+                <a:spcPct val="0"/>
+              </a:spcAft>
+              <a:buClrTx/>
+              <a:buSzTx/>
+              <a:buFontTx/>
+              <a:buNone/>
+            </a:pPr>
+            <a:r>
+              <a:rPr kumimoji="0" lang="" altLang="zh-CN" sz="1400" b="0" i="0" u="none" strike="noStrike" cap="none" normalizeH="0" baseline="0" smtClean="0">
+                <a:ln>
+                  <a:noFill/>
+                </a:ln>
+                <a:solidFill>
+                  <a:schemeClr val="bg1"/>
+                </a:solidFill>
+                <a:effectLst/>
+                <a:latin typeface="Arial" panose="020B0604020202020204" pitchFamily="34" charset="0"/>
+                <a:ea typeface="SimSun" pitchFamily="2" charset="-122"/>
+              </a:rPr>
+              <a:t>dari seluruh kategori dokumen</a:t>
+            </a:r>
+            <a:endParaRPr kumimoji="0" lang="" altLang="zh-CN" sz="1400" b="0" i="0" u="none" strike="noStrike" cap="none" normalizeH="0" baseline="0" smtClean="0">
+              <a:ln>
+                <a:noFill/>
+              </a:ln>
+              <a:solidFill>
+                <a:schemeClr val="bg1"/>
+              </a:solidFill>
+              <a:effectLst/>
+              <a:latin typeface="Arial" panose="020B0604020202020204" pitchFamily="34" charset="0"/>
+              <a:ea typeface="SimSun" pitchFamily="2" charset="-122"/>
+            </a:endParaRPr>
+          </a:p>
+        </p:txBody>
+      </p:sp>
+    </p:spTree>
+  </p:cSld>
+  <p:clrMapOvr>
+    <a:masterClrMapping/>
+  </p:clrMapOvr>
+</p:sld>
+</file>
+
+<file path=ppt/slides/slide6.xml><?xml version="1.0" encoding="utf-8"?>
+<p:sld xmlns:a="http://schemas.openxmlformats.org/drawingml/2006/main" xmlns:r="http://schemas.openxmlformats.org/officeDocument/2006/relationships" xmlns:p="http://schemas.openxmlformats.org/presentationml/2006/main">
+  <p:cSld>
+    <p:spTree>
+      <p:nvGrpSpPr>
+        <p:cNvPr id="1" name=""/>
+        <p:cNvGrpSpPr/>
+        <p:nvPr/>
+      </p:nvGrpSpPr>
+      <p:grpSpPr/>
+      <p:sp>
+        <p:nvSpPr>
+          <p:cNvPr id="2" name="Title 1"/>
+          <p:cNvSpPr>
+            <a:spLocks noGrp="1"/>
+          </p:cNvSpPr>
+          <p:nvPr>
+            <p:ph type="title"/>
+          </p:nvPr>
+        </p:nvSpPr>
+        <p:spPr>
+          <a:xfrm>
+            <a:off x="609600" y="190500"/>
+            <a:ext cx="4533900" cy="1569085"/>
+          </a:xfrm>
+        </p:spPr>
+        <p:txBody>
+          <a:bodyPr/>
+          <a:p>
+            <a:r>
+              <a:rPr lang="" altLang="en-US" b="1"/>
+              <a:t>MEMBUAT</a:t>
+            </a:r>
+            <a:br>
+              <a:rPr lang="" altLang="en-US" b="1"/>
+            </a:br>
+            <a:r>
+              <a:rPr lang="" altLang="en-US" b="1"/>
+              <a:t>FORMAT DATA </a:t>
+            </a:r>
+            <a:br>
+              <a:rPr lang="" altLang="en-US" b="1"/>
+            </a:br>
+            <a:r>
+              <a:rPr lang="" altLang="en-US" b="1"/>
+              <a:t>STANDARD</a:t>
+            </a:r>
+            <a:endParaRPr lang="" altLang="en-US" b="1"/>
+          </a:p>
+        </p:txBody>
+      </p:sp>
+      <p:sp>
+        <p:nvSpPr>
+          <p:cNvPr id="3" name="Content Placeholder 2"/>
+          <p:cNvSpPr>
+            <a:spLocks noGrp="1"/>
+          </p:cNvSpPr>
+          <p:nvPr>
+            <p:ph idx="1"/>
+          </p:nvPr>
+        </p:nvSpPr>
+        <p:spPr>
+          <a:xfrm>
+            <a:off x="609600" y="1965325"/>
+            <a:ext cx="4533900" cy="4162425"/>
+          </a:xfrm>
+        </p:spPr>
+        <p:txBody>
+          <a:bodyPr/>
+          <a:p>
+            <a:r>
+              <a:rPr lang="" altLang="en-US"/>
+              <a:t>Mengambil seluruh kata hasil proses text mining pada semua artikel</a:t>
+            </a:r>
+            <a:endParaRPr lang="" altLang="en-US"/>
+          </a:p>
+          <a:p>
+            <a:pPr marL="0" indent="0">
+              <a:buNone/>
+            </a:pPr>
+            <a:endParaRPr lang="" altLang="en-US"/>
+          </a:p>
+        </p:txBody>
+      </p:sp>
+      <p:pic>
+        <p:nvPicPr>
+          <p:cNvPr id="4" name="Picture 3"/>
+          <p:cNvPicPr>
+            <a:picLocks noChangeAspect="1"/>
+          </p:cNvPicPr>
+          <p:nvPr/>
+        </p:nvPicPr>
+        <p:blipFill>
+          <a:blip r:embed="rId1"/>
+          <a:stretch>
+            <a:fillRect/>
+          </a:stretch>
+        </p:blipFill>
+        <p:spPr>
+          <a:xfrm>
+            <a:off x="5651500" y="4445"/>
+            <a:ext cx="6551295" cy="6858000"/>
+          </a:xfrm>
+          <a:prstGeom prst="rect">
+            <a:avLst/>
+          </a:prstGeom>
+        </p:spPr>
+      </p:pic>
+      <p:sp>
+        <p:nvSpPr>
+          <p:cNvPr id="5" name="Rectangle 4"/>
+          <p:cNvSpPr/>
+          <p:nvPr/>
+        </p:nvSpPr>
+        <p:spPr>
+          <a:xfrm>
+            <a:off x="6891020" y="986155"/>
+            <a:ext cx="774065" cy="231775"/>
+          </a:xfrm>
+          <a:prstGeom prst="rect">
+            <a:avLst/>
+          </a:prstGeom>
+          <a:noFill/>
+          <a:ln w="28575" cap="flat" cmpd="sng" algn="ctr">
+            <a:solidFill>
+              <a:srgbClr val="FFFF00"/>
+            </a:solidFill>
+            <a:prstDash val="solid"/>
+            <a:round/>
+            <a:headEnd type="none" w="med" len="med"/>
+            <a:tailEnd type="none" w="med" len="med"/>
+          </a:ln>
+          <a:extLst>
+            <a:ext uri="{909E8E84-426E-40DD-AFC4-6F175D3DCCD1}">
+              <a14:hiddenFill xmlns:a14="http://schemas.microsoft.com/office/drawing/2010/main">
+                <a:gradFill rotWithShape="0">
+                  <a:gsLst>
+                    <a:gs pos="0">
+                      <a:schemeClr val="accent1"/>
+                    </a:gs>
+                    <a:gs pos="100000">
+                      <a:schemeClr val="accent2"/>
+                    </a:gs>
+                  </a:gsLst>
+                  <a:lin ang="5400000" scaled="1"/>
+                </a:gradFill>
+              </a14:hiddenFill>
+            </a:ext>
+          </a:extLst>
+        </p:spPr>
+        <p:txBody>
+          <a:bodyPr vert="horz" wrap="none" lIns="91440" tIns="45720" rIns="91440" bIns="45720" numCol="1" anchor="ctr" anchorCtr="0" compatLnSpc="1"/>
+          <a:p>
+            <a:pPr marL="0" marR="0" indent="0" algn="l" defTabSz="914400" rtl="0" eaLnBrk="1" fontAlgn="base" latinLnBrk="0" hangingPunct="1">
+              <a:lnSpc>
+                <a:spcPct val="100000"/>
+              </a:lnSpc>
+              <a:spcBef>
+                <a:spcPct val="0"/>
+              </a:spcBef>
+              <a:spcAft>
+                <a:spcPct val="0"/>
+              </a:spcAft>
+              <a:buClrTx/>
+              <a:buSzTx/>
+              <a:buFontTx/>
+              <a:buNone/>
+            </a:pPr>
+            <a:endParaRPr kumimoji="0" lang="zh-CN" altLang="en-US" sz="1800" b="0" i="0" u="none" strike="noStrike" cap="none" normalizeH="0" baseline="0" smtClean="0">
+              <a:ln>
+                <a:noFill/>
+              </a:ln>
+              <a:solidFill>
+                <a:schemeClr val="tx1"/>
+              </a:solidFill>
+              <a:effectLst/>
+              <a:latin typeface="Arial" panose="020B0604020202020204" pitchFamily="34" charset="0"/>
+              <a:ea typeface="SimSun" pitchFamily="2" charset="-122"/>
+            </a:endParaRPr>
+          </a:p>
+        </p:txBody>
+      </p:sp>
+    </p:spTree>
+  </p:cSld>
+  <p:clrMapOvr>
+    <a:masterClrMapping/>
+  </p:clrMapOvr>
+</p:sld>
+</file>
+
+<file path=ppt/slides/slide7.xml><?xml version="1.0" encoding="utf-8"?>
+<p:sld xmlns:a="http://schemas.openxmlformats.org/drawingml/2006/main" xmlns:r="http://schemas.openxmlformats.org/officeDocument/2006/relationships" xmlns:p="http://schemas.openxmlformats.org/presentationml/2006/main">
+  <p:cSld>
+    <p:spTree>
+      <p:nvGrpSpPr>
+        <p:cNvPr id="1" name=""/>
+        <p:cNvGrpSpPr/>
+        <p:nvPr/>
+      </p:nvGrpSpPr>
+      <p:grpSpPr/>
+      <p:sp>
+        <p:nvSpPr>
+          <p:cNvPr id="2" name="Title 1"/>
+          <p:cNvSpPr>
+            <a:spLocks noGrp="1"/>
+          </p:cNvSpPr>
+          <p:nvPr>
+            <p:ph type="title"/>
+          </p:nvPr>
+        </p:nvSpPr>
+        <p:spPr>
+          <a:xfrm>
+            <a:off x="609600" y="190500"/>
+            <a:ext cx="4248785" cy="1951990"/>
+          </a:xfrm>
+        </p:spPr>
+        <p:txBody>
+          <a:bodyPr/>
+          <a:p>
+            <a:r>
+              <a:rPr lang="" altLang="en-US"/>
+              <a:t>OUTPUT</a:t>
+            </a:r>
+            <a:br>
+              <a:rPr lang="" altLang="en-US"/>
+            </a:br>
+            <a:r>
+              <a:rPr lang="" altLang="en-US" sz="2800"/>
+              <a:t>dengan threshold = 5</a:t>
+            </a:r>
+            <a:endParaRPr lang="" altLang="en-US" sz="2800"/>
+          </a:p>
+        </p:txBody>
+      </p:sp>
+      <p:pic>
+        <p:nvPicPr>
+          <p:cNvPr id="4" name="Content Placeholder 3"/>
+          <p:cNvPicPr>
+            <a:picLocks noChangeAspect="1"/>
+          </p:cNvPicPr>
+          <p:nvPr>
+            <p:ph idx="1"/>
+          </p:nvPr>
+        </p:nvPicPr>
+        <p:blipFill>
+          <a:blip r:embed="rId1"/>
+          <a:stretch>
+            <a:fillRect/>
+          </a:stretch>
+        </p:blipFill>
+        <p:spPr>
+          <a:xfrm>
+            <a:off x="5089525" y="382270"/>
+            <a:ext cx="5943600" cy="2533650"/>
+          </a:xfrm>
+          <a:prstGeom prst="rect">
+            <a:avLst/>
+          </a:prstGeom>
+        </p:spPr>
+      </p:pic>
+      <p:pic>
+        <p:nvPicPr>
+          <p:cNvPr id="5" name="Picture 4"/>
+          <p:cNvPicPr>
+            <a:picLocks noChangeAspect="1"/>
+          </p:cNvPicPr>
+          <p:nvPr/>
+        </p:nvPicPr>
+        <p:blipFill>
+          <a:blip r:embed="rId2"/>
+          <a:stretch>
+            <a:fillRect/>
+          </a:stretch>
+        </p:blipFill>
+        <p:spPr>
+          <a:xfrm>
+            <a:off x="609600" y="3226435"/>
+            <a:ext cx="11096625" cy="3286125"/>
+          </a:xfrm>
+          <a:prstGeom prst="rect">
+            <a:avLst/>
+          </a:prstGeom>
+        </p:spPr>
+      </p:pic>
+    </p:spTree>
+  </p:cSld>
+  <p:clrMapOvr>
+    <a:masterClrMapping/>
+  </p:clrMapOvr>
+</p:sld>
+</file>
+
+<file path=ppt/slides/slide8.xml><?xml version="1.0" encoding="utf-8"?>
+<p:sld xmlns:a="http://schemas.openxmlformats.org/drawingml/2006/main" xmlns:r="http://schemas.openxmlformats.org/officeDocument/2006/relationships" xmlns:p="http://schemas.openxmlformats.org/presentationml/2006/main">
+  <p:cSld>
+    <p:spTree>
+      <p:nvGrpSpPr>
+        <p:cNvPr id="1" name=""/>
+        <p:cNvGrpSpPr/>
+        <p:nvPr/>
+      </p:nvGrpSpPr>
+      <p:grpSpPr/>
+      <p:sp>
+        <p:nvSpPr>
+          <p:cNvPr id="2" name="Title 1"/>
+          <p:cNvSpPr>
+            <a:spLocks noGrp="1"/>
+          </p:cNvSpPr>
+          <p:nvPr>
+            <p:ph type="title"/>
+          </p:nvPr>
+        </p:nvSpPr>
+        <p:spPr>
+          <a:xfrm>
+            <a:off x="609600" y="190500"/>
+            <a:ext cx="10972800" cy="1261110"/>
+          </a:xfrm>
+        </p:spPr>
+        <p:txBody>
+          <a:bodyPr/>
+          <a:p>
+            <a:r>
+              <a:rPr lang="" altLang="en-US" b="1"/>
+              <a:t>PROSES PENGGABUNGAN </a:t>
+            </a:r>
+            <a:br>
+              <a:rPr lang="" altLang="en-US" b="1"/>
+            </a:br>
+            <a:r>
+              <a:rPr lang="" altLang="en-US" b="1"/>
+              <a:t>SELURUH LIST WORD</a:t>
+            </a:r>
+            <a:endParaRPr lang="" altLang="en-US" b="1"/>
+          </a:p>
+        </p:txBody>
+      </p:sp>
+      <p:pic>
+        <p:nvPicPr>
+          <p:cNvPr id="6" name="Picture 5"/>
+          <p:cNvPicPr>
+            <a:picLocks noChangeAspect="1"/>
+          </p:cNvPicPr>
+          <p:nvPr/>
+        </p:nvPicPr>
+        <p:blipFill>
+          <a:blip r:embed="rId1"/>
+          <a:stretch>
+            <a:fillRect/>
+          </a:stretch>
+        </p:blipFill>
+        <p:spPr>
+          <a:xfrm>
+            <a:off x="710565" y="5374005"/>
+            <a:ext cx="11010900" cy="1123950"/>
+          </a:xfrm>
+          <a:prstGeom prst="rect">
+            <a:avLst/>
+          </a:prstGeom>
+        </p:spPr>
+      </p:pic>
+      <p:pic>
+        <p:nvPicPr>
+          <p:cNvPr id="8" name="Content Placeholder 7"/>
+          <p:cNvPicPr>
+            <a:picLocks noChangeAspect="1"/>
+          </p:cNvPicPr>
+          <p:nvPr>
+            <p:ph idx="1"/>
+          </p:nvPr>
+        </p:nvPicPr>
+        <p:blipFill>
+          <a:blip r:embed="rId2"/>
+          <a:stretch>
+            <a:fillRect/>
+          </a:stretch>
+        </p:blipFill>
+        <p:spPr>
+          <a:xfrm>
+            <a:off x="710565" y="1568450"/>
+            <a:ext cx="7620000" cy="3476625"/>
+          </a:xfrm>
+          <a:prstGeom prst="rect">
+            <a:avLst/>
+          </a:prstGeom>
+        </p:spPr>
+      </p:pic>
+      <p:sp>
+        <p:nvSpPr>
+          <p:cNvPr id="9" name="Text Box 8"/>
+          <p:cNvSpPr txBox="1"/>
+          <p:nvPr/>
+        </p:nvSpPr>
+        <p:spPr>
+          <a:xfrm>
+            <a:off x="8403590" y="2725420"/>
+            <a:ext cx="3751580" cy="645160"/>
+          </a:xfrm>
+          <a:prstGeom prst="rect">
+            <a:avLst/>
+          </a:prstGeom>
+        </p:spPr>
+        <p:style>
+          <a:lnRef idx="0">
+            <a:schemeClr val="accent6"/>
+          </a:lnRef>
+          <a:fillRef idx="3">
+            <a:schemeClr val="accent6"/>
+          </a:fillRef>
+          <a:effectRef idx="3">
+            <a:schemeClr val="accent6"/>
+          </a:effectRef>
+          <a:fontRef idx="minor">
+            <a:schemeClr val="lt1"/>
+          </a:fontRef>
+        </p:style>
+        <p:txBody>
+          <a:bodyPr wrap="none" rtlCol="0">
+            <a:spAutoFit/>
+          </a:bodyPr>
+          <a:p>
+            <a:r>
+              <a:rPr lang="" altLang="en-US"/>
+              <a:t>VARIABEL 	: wordsAllArticles</a:t>
+            </a:r>
+            <a:endParaRPr lang="" altLang="en-US"/>
+          </a:p>
+          <a:p>
+            <a:r>
+              <a:rPr lang="" altLang="en-US"/>
+              <a:t>TOTAL KATA	: 371</a:t>
+            </a:r>
+            <a:endParaRPr lang="" altLang="en-US"/>
+          </a:p>
+        </p:txBody>
+      </p:sp>
+    </p:spTree>
+  </p:cSld>
+  <p:clrMapOvr>
+    <a:masterClrMapping/>
+  </p:clrMapOvr>
+</p:sld>
+</file>
+
+<file path=ppt/slides/slide9.xml><?xml version="1.0" encoding="utf-8"?>
+<p:sld xmlns:a="http://schemas.openxmlformats.org/drawingml/2006/main" xmlns:r="http://schemas.openxmlformats.org/officeDocument/2006/relationships" xmlns:p="http://schemas.openxmlformats.org/presentationml/2006/main">
+  <p:cSld>
+    <p:spTree>
+      <p:nvGrpSpPr>
+        <p:cNvPr id="1" name=""/>
+        <p:cNvGrpSpPr/>
+        <p:nvPr/>
+      </p:nvGrpSpPr>
+      <p:grpSpPr/>
+      <p:sp>
+        <p:nvSpPr>
+          <p:cNvPr id="2" name="Title 1"/>
+          <p:cNvSpPr>
+            <a:spLocks noGrp="1"/>
+          </p:cNvSpPr>
+          <p:nvPr>
+            <p:ph type="title"/>
+          </p:nvPr>
+        </p:nvSpPr>
+        <p:spPr/>
+        <p:txBody>
+          <a:bodyPr/>
+          <a:p>
+            <a:r>
+              <a:rPr lang="" altLang="en-US" b="1"/>
+              <a:t>MEMBUAT DATA TRAINING DAN DATA TESTING</a:t>
+            </a:r>
+            <a:endParaRPr lang="" altLang="en-US" b="1"/>
+          </a:p>
+        </p:txBody>
+      </p:sp>
+      <p:graphicFrame>
+        <p:nvGraphicFramePr>
+          <p:cNvPr id="4" name="Table 3"/>
+          <p:cNvGraphicFramePr/>
+          <p:nvPr/>
+        </p:nvGraphicFramePr>
+        <p:xfrm>
+          <a:off x="336550" y="1452245"/>
+          <a:ext cx="8849360" cy="3898900"/>
+        </p:xfrm>
+        <a:graphic>
+          <a:graphicData uri="http://schemas.openxmlformats.org/drawingml/2006/table">
+            <a:tbl>
+              <a:tblPr firstRow="1" bandRow="1">
+                <a:tableStyleId>{5C22544A-7EE6-4342-B048-85BDC9FD1C3A}</a:tableStyleId>
+              </a:tblPr>
+              <a:tblGrid>
+                <a:gridCol w="496570"/>
+                <a:gridCol w="1424305"/>
+                <a:gridCol w="947420"/>
+                <a:gridCol w="949325"/>
+                <a:gridCol w="947420"/>
+                <a:gridCol w="949325"/>
+                <a:gridCol w="947420"/>
+                <a:gridCol w="948690"/>
+                <a:gridCol w="1238885"/>
+              </a:tblGrid>
+              <a:tr h="481965">
+                <a:tc>
+                  <a:txBody>
+                    <a:bodyPr/>
+                    <a:p>
+                      <a:pPr indent="0" algn="ctr">
+                        <a:buNone/>
+                      </a:pPr>
+                      <a:r>
+                        <a:rPr lang="en-US" b="0">
+                          <a:solidFill>
+                            <a:srgbClr val="FFFFFF"/>
+                          </a:solidFill>
+                          <a:latin typeface="Calibri" charset="-122"/>
+                        </a:rPr>
+                        <a:t>No</a:t>
+                      </a:r>
+                      <a:endParaRPr lang="en-US" b="0">
+                        <a:solidFill>
+                          <a:srgbClr val="FFFFFF"/>
+                        </a:solidFill>
+                        <a:latin typeface="Calibri" charset="-122"/>
+                      </a:endParaRPr>
+                    </a:p>
+                  </a:txBody>
+                  <a:tcPr marL="12700" marR="12700" marT="12700" vert="horz" anchor="ctr" anchorCtr="0">
+                    <a:lnL w="6350" cap="flat" cmpd="sng">
+                      <a:solidFill>
+                        <a:srgbClr val="000000"/>
+                      </a:solidFill>
+                      <a:prstDash val="solid"/>
+                      <a:headEnd type="none" w="med" len="med"/>
+                      <a:tailEnd type="none" w="med" len="med"/>
+                    </a:lnL>
+                    <a:lnR w="6350" cap="flat" cmpd="sng">
+                      <a:solidFill>
+                        <a:srgbClr val="000000"/>
+                      </a:solidFill>
+                      <a:prstDash val="solid"/>
+                      <a:headEnd type="none" w="med" len="med"/>
+                      <a:tailEnd type="none" w="med" len="med"/>
+                    </a:lnR>
+                    <a:lnT w="6350" cap="flat" cmpd="sng">
+                      <a:solidFill>
+                        <a:srgbClr val="000000"/>
+                      </a:solidFill>
+                      <a:prstDash val="solid"/>
+                      <a:headEnd type="none" w="med" len="med"/>
+                      <a:tailEnd type="none" w="med" len="med"/>
+                    </a:lnT>
+                    <a:lnB w="6350" cap="flat" cmpd="sng">
+                      <a:solidFill>
+                        <a:srgbClr val="000000"/>
+                      </a:solidFill>
+                      <a:prstDash val="solid"/>
+                      <a:headEnd type="none" w="med" len="med"/>
+                      <a:tailEnd type="none" w="med" len="med"/>
+                    </a:lnB>
+                    <a:lnTlToBr>
+                      <a:noFill/>
+                    </a:lnTlToBr>
+                    <a:lnBlToTr>
+                      <a:noFill/>
+                    </a:lnBlToTr>
+                    <a:solidFill>
+                      <a:srgbClr val="00B0F0"/>
+                    </a:solidFill>
+                  </a:tcPr>
+                </a:tc>
+                <a:tc>
+                  <a:txBody>
+                    <a:bodyPr/>
+                    <a:p>
+                      <a:pPr indent="0" algn="ctr">
+                        <a:buNone/>
+                      </a:pPr>
+                      <a:r>
+                        <a:rPr lang="" altLang="en-US" b="0">
+                          <a:solidFill>
+                            <a:srgbClr val="FFFFFF"/>
+                          </a:solidFill>
+                          <a:latin typeface="Calibri" charset="-122"/>
+                        </a:rPr>
+                        <a:t>Title</a:t>
+                      </a:r>
+                      <a:endParaRPr lang="" altLang="en-US" b="0">
+                        <a:solidFill>
+                          <a:srgbClr val="FFFFFF"/>
+                        </a:solidFill>
+                        <a:latin typeface="Calibri" charset="-122"/>
+                      </a:endParaRPr>
+                    </a:p>
+                  </a:txBody>
+                  <a:tcPr marL="12700" marR="12700" marT="12700" vert="horz" anchor="ctr" anchorCtr="0">
+                    <a:lnL w="6350" cap="flat" cmpd="sng">
+                      <a:solidFill>
+                        <a:srgbClr val="000000"/>
+                      </a:solidFill>
+                      <a:prstDash val="solid"/>
+                      <a:headEnd type="none" w="med" len="med"/>
+                      <a:tailEnd type="none" w="med" len="med"/>
+                    </a:lnL>
+                    <a:lnR w="6350" cap="flat" cmpd="sng">
+                      <a:solidFill>
+                        <a:srgbClr val="000000"/>
+                      </a:solidFill>
+                      <a:prstDash val="solid"/>
+                      <a:headEnd type="none" w="med" len="med"/>
+                      <a:tailEnd type="none" w="med" len="med"/>
+                    </a:lnR>
+                    <a:lnT w="6350" cap="flat" cmpd="sng">
+                      <a:solidFill>
+                        <a:srgbClr val="000000"/>
+                      </a:solidFill>
+                      <a:prstDash val="solid"/>
+                      <a:headEnd type="none" w="med" len="med"/>
+                      <a:tailEnd type="none" w="med" len="med"/>
+                    </a:lnT>
+                    <a:lnB w="6350" cap="flat" cmpd="sng">
+                      <a:solidFill>
+                        <a:srgbClr val="000000"/>
+                      </a:solidFill>
+                      <a:prstDash val="solid"/>
+                      <a:headEnd type="none" w="med" len="med"/>
+                      <a:tailEnd type="none" w="med" len="med"/>
+                    </a:lnB>
+                    <a:lnTlToBr>
+                      <a:noFill/>
+                    </a:lnTlToBr>
+                    <a:lnBlToTr>
+                      <a:noFill/>
+                    </a:lnBlToTr>
+                    <a:solidFill>
+                      <a:srgbClr val="00B0F0"/>
+                    </a:solidFill>
+                  </a:tcPr>
+                </a:tc>
+                <a:tc>
+                  <a:txBody>
+                    <a:bodyPr/>
+                    <a:p>
+                      <a:pPr indent="0" algn="ctr">
+                        <a:buNone/>
+                      </a:pPr>
+                      <a:r>
+                        <a:rPr lang="en-US" b="0">
+                          <a:solidFill>
+                            <a:srgbClr val="FFFFFF"/>
+                          </a:solidFill>
+                          <a:latin typeface="Calibri" charset="-122"/>
+                        </a:rPr>
+                        <a:t>word1</a:t>
+                      </a:r>
+                      <a:endParaRPr lang="en-US" b="0">
+                        <a:solidFill>
+                          <a:srgbClr val="FFFFFF"/>
+                        </a:solidFill>
+                        <a:latin typeface="Calibri" charset="-122"/>
+                      </a:endParaRPr>
+                    </a:p>
+                  </a:txBody>
+                  <a:tcPr marL="12700" marR="12700" marT="12700" vert="horz" anchor="ctr" anchorCtr="0">
+                    <a:lnL w="6350" cap="flat" cmpd="sng">
+                      <a:solidFill>
+                        <a:srgbClr val="000000"/>
+                      </a:solidFill>
+                      <a:prstDash val="solid"/>
+                      <a:headEnd type="none" w="med" len="med"/>
+                      <a:tailEnd type="none" w="med" len="med"/>
+                    </a:lnL>
+                    <a:lnR w="6350" cap="flat" cmpd="sng">
+                      <a:solidFill>
+                        <a:srgbClr val="000000"/>
+                      </a:solidFill>
+                      <a:prstDash val="solid"/>
+                      <a:headEnd type="none" w="med" len="med"/>
+                      <a:tailEnd type="none" w="med" len="med"/>
+                    </a:lnR>
+                    <a:lnT w="6350" cap="flat" cmpd="sng">
+                      <a:solidFill>
+                        <a:srgbClr val="000000"/>
+                      </a:solidFill>
+                      <a:prstDash val="solid"/>
+                      <a:headEnd type="none" w="med" len="med"/>
+                      <a:tailEnd type="none" w="med" len="med"/>
+                    </a:lnT>
+                    <a:lnB w="6350" cap="flat" cmpd="sng">
+                      <a:solidFill>
+                        <a:srgbClr val="000000"/>
+                      </a:solidFill>
+                      <a:prstDash val="solid"/>
+                      <a:headEnd type="none" w="med" len="med"/>
+                      <a:tailEnd type="none" w="med" len="med"/>
+                    </a:lnB>
+                    <a:lnTlToBr>
+                      <a:noFill/>
+                    </a:lnTlToBr>
+                    <a:lnBlToTr>
+                      <a:noFill/>
+                    </a:lnBlToTr>
+                    <a:solidFill>
+                      <a:srgbClr val="00B0F0"/>
+                    </a:solidFill>
+                  </a:tcPr>
+                </a:tc>
+                <a:tc>
+                  <a:txBody>
+                    <a:bodyPr/>
+                    <a:p>
+                      <a:pPr indent="0" algn="ctr">
+                        <a:buNone/>
+                      </a:pPr>
+                      <a:r>
+                        <a:rPr lang="en-US" b="0">
+                          <a:solidFill>
+                            <a:srgbClr val="FFFFFF"/>
+                          </a:solidFill>
+                          <a:latin typeface="Calibri" charset="-122"/>
+                        </a:rPr>
+                        <a:t>word2</a:t>
+                      </a:r>
+                      <a:endParaRPr lang="en-US" b="0">
+                        <a:solidFill>
+                          <a:srgbClr val="FFFFFF"/>
+                        </a:solidFill>
+                        <a:latin typeface="Calibri" charset="-122"/>
+                      </a:endParaRPr>
+                    </a:p>
+                  </a:txBody>
+                  <a:tcPr marL="12700" marR="12700" marT="12700" vert="horz" anchor="ctr" anchorCtr="0">
+                    <a:lnL w="6350" cap="flat" cmpd="sng">
+                      <a:solidFill>
+                        <a:srgbClr val="000000"/>
+                      </a:solidFill>
+                      <a:prstDash val="solid"/>
+                      <a:headEnd type="none" w="med" len="med"/>
+                      <a:tailEnd type="none" w="med" len="med"/>
+                    </a:lnL>
+                    <a:lnR w="6350" cap="flat" cmpd="sng">
+                      <a:solidFill>
+                        <a:srgbClr val="000000"/>
+                      </a:solidFill>
+                      <a:prstDash val="solid"/>
+                      <a:headEnd type="none" w="med" len="med"/>
+                      <a:tailEnd type="none" w="med" len="med"/>
+                    </a:lnR>
+                    <a:lnT w="6350" cap="flat" cmpd="sng">
+                      <a:solidFill>
+                        <a:srgbClr val="000000"/>
+                      </a:solidFill>
+                      <a:prstDash val="solid"/>
+                      <a:headEnd type="none" w="med" len="med"/>
+                      <a:tailEnd type="none" w="med" len="med"/>
+                    </a:lnT>
+                    <a:lnB w="6350" cap="flat" cmpd="sng">
+                      <a:solidFill>
+                        <a:srgbClr val="000000"/>
+                      </a:solidFill>
+                      <a:prstDash val="solid"/>
+                      <a:headEnd type="none" w="med" len="med"/>
+                      <a:tailEnd type="none" w="med" len="med"/>
+                    </a:lnB>
+                    <a:lnTlToBr>
+                      <a:noFill/>
+                    </a:lnTlToBr>
+                    <a:lnBlToTr>
+                      <a:noFill/>
+                    </a:lnBlToTr>
+                    <a:solidFill>
+                      <a:srgbClr val="00B0F0"/>
+                    </a:solidFill>
+                  </a:tcPr>
+                </a:tc>
+                <a:tc>
+                  <a:txBody>
+                    <a:bodyPr/>
+                    <a:p>
+                      <a:pPr indent="0" algn="ctr">
+                        <a:buNone/>
+                      </a:pPr>
+                      <a:r>
+                        <a:rPr lang="en-US" b="0">
+                          <a:solidFill>
+                            <a:srgbClr val="FFFFFF"/>
+                          </a:solidFill>
+                          <a:latin typeface="Calibri" charset="-122"/>
+                        </a:rPr>
+                        <a:t>word3</a:t>
+                      </a:r>
+                      <a:endParaRPr lang="en-US" b="0">
+                        <a:solidFill>
+                          <a:srgbClr val="FFFFFF"/>
+                        </a:solidFill>
+                        <a:latin typeface="Calibri" charset="-122"/>
+                      </a:endParaRPr>
+                    </a:p>
+                  </a:txBody>
+                  <a:tcPr marL="12700" marR="12700" marT="12700" vert="horz" anchor="ctr" anchorCtr="0">
+                    <a:lnL w="6350" cap="flat" cmpd="sng">
+                      <a:solidFill>
+                        <a:srgbClr val="000000"/>
+                      </a:solidFill>
+                      <a:prstDash val="solid"/>
+                      <a:headEnd type="none" w="med" len="med"/>
+                      <a:tailEnd type="none" w="med" len="med"/>
+                    </a:lnL>
+                    <a:lnR w="6350" cap="flat" cmpd="sng">
+                      <a:solidFill>
+                        <a:srgbClr val="000000"/>
+                      </a:solidFill>
+                      <a:prstDash val="solid"/>
+                      <a:headEnd type="none" w="med" len="med"/>
+                      <a:tailEnd type="none" w="med" len="med"/>
+                    </a:lnR>
+                    <a:lnT w="6350" cap="flat" cmpd="sng">
+                      <a:solidFill>
+                        <a:srgbClr val="000000"/>
+                      </a:solidFill>
+                      <a:prstDash val="solid"/>
+                      <a:headEnd type="none" w="med" len="med"/>
+                      <a:tailEnd type="none" w="med" len="med"/>
+                    </a:lnT>
+                    <a:lnB w="6350" cap="flat" cmpd="sng">
+                      <a:solidFill>
+                        <a:srgbClr val="000000"/>
+                      </a:solidFill>
+                      <a:prstDash val="solid"/>
+                      <a:headEnd type="none" w="med" len="med"/>
+                      <a:tailEnd type="none" w="med" len="med"/>
+                    </a:lnB>
+                    <a:lnTlToBr>
+                      <a:noFill/>
+                    </a:lnTlToBr>
+                    <a:lnBlToTr>
+                      <a:noFill/>
+                    </a:lnBlToTr>
+                    <a:solidFill>
+                      <a:srgbClr val="00B0F0"/>
+                    </a:solidFill>
+                  </a:tcPr>
+                </a:tc>
+                <a:tc>
+                  <a:txBody>
+                    <a:bodyPr/>
+                    <a:p>
+                      <a:pPr indent="0" algn="ctr">
+                        <a:buNone/>
+                      </a:pPr>
+                      <a:r>
+                        <a:rPr lang="en-US" b="0">
+                          <a:solidFill>
+                            <a:srgbClr val="FFFFFF"/>
+                          </a:solidFill>
+                          <a:latin typeface="Calibri" charset="-122"/>
+                        </a:rPr>
+                        <a:t>word4</a:t>
+                      </a:r>
+                      <a:endParaRPr lang="en-US" b="0">
+                        <a:solidFill>
+                          <a:srgbClr val="FFFFFF"/>
+                        </a:solidFill>
+                        <a:latin typeface="Calibri" charset="-122"/>
+                      </a:endParaRPr>
+                    </a:p>
+                  </a:txBody>
+                  <a:tcPr marL="12700" marR="12700" marT="12700" vert="horz" anchor="ctr" anchorCtr="0">
+                    <a:lnL w="6350" cap="flat" cmpd="sng">
+                      <a:solidFill>
+                        <a:srgbClr val="000000"/>
+                      </a:solidFill>
+                      <a:prstDash val="solid"/>
+                      <a:headEnd type="none" w="med" len="med"/>
+                      <a:tailEnd type="none" w="med" len="med"/>
+                    </a:lnL>
+                    <a:lnR w="6350" cap="flat" cmpd="sng">
+                      <a:solidFill>
+                        <a:srgbClr val="000000"/>
+                      </a:solidFill>
+                      <a:prstDash val="solid"/>
+                      <a:headEnd type="none" w="med" len="med"/>
+                      <a:tailEnd type="none" w="med" len="med"/>
+                    </a:lnR>
+                    <a:lnT w="6350" cap="flat" cmpd="sng">
+                      <a:solidFill>
+                        <a:srgbClr val="000000"/>
+                      </a:solidFill>
+                      <a:prstDash val="solid"/>
+                      <a:headEnd type="none" w="med" len="med"/>
+                      <a:tailEnd type="none" w="med" len="med"/>
+                    </a:lnT>
+                    <a:lnB w="6350" cap="flat" cmpd="sng">
+                      <a:solidFill>
+                        <a:srgbClr val="000000"/>
+                      </a:solidFill>
+                      <a:prstDash val="solid"/>
+                      <a:headEnd type="none" w="med" len="med"/>
+                      <a:tailEnd type="none" w="med" len="med"/>
+                    </a:lnB>
+                    <a:lnTlToBr>
+                      <a:noFill/>
+                    </a:lnTlToBr>
+                    <a:lnBlToTr>
+                      <a:noFill/>
+                    </a:lnBlToTr>
+                    <a:solidFill>
+                      <a:srgbClr val="00B0F0"/>
+                    </a:solidFill>
+                  </a:tcPr>
+                </a:tc>
+                <a:tc>
+                  <a:txBody>
+                    <a:bodyPr/>
+                    <a:p>
+                      <a:pPr indent="0" algn="ctr">
+                        <a:buNone/>
+                      </a:pPr>
+                      <a:r>
+                        <a:rPr lang="en-US" b="0">
+                          <a:solidFill>
+                            <a:srgbClr val="FFFFFF"/>
+                          </a:solidFill>
+                          <a:latin typeface="Calibri" charset="-122"/>
+                        </a:rPr>
+                        <a:t>word5</a:t>
+                      </a:r>
+                      <a:endParaRPr lang="en-US" b="0">
+                        <a:solidFill>
+                          <a:srgbClr val="FFFFFF"/>
+                        </a:solidFill>
+                        <a:latin typeface="Calibri" charset="-122"/>
+                      </a:endParaRPr>
+                    </a:p>
+                  </a:txBody>
+                  <a:tcPr marL="12700" marR="12700" marT="12700" vert="horz" anchor="ctr" anchorCtr="0">
+                    <a:lnL w="6350" cap="flat" cmpd="sng">
+                      <a:solidFill>
+                        <a:srgbClr val="000000"/>
+                      </a:solidFill>
+                      <a:prstDash val="solid"/>
+                      <a:headEnd type="none" w="med" len="med"/>
+                      <a:tailEnd type="none" w="med" len="med"/>
+                    </a:lnL>
+                    <a:lnR w="6350" cap="flat" cmpd="sng">
+                      <a:solidFill>
+                        <a:srgbClr val="000000"/>
+                      </a:solidFill>
+                      <a:prstDash val="solid"/>
+                      <a:headEnd type="none" w="med" len="med"/>
+                      <a:tailEnd type="none" w="med" len="med"/>
+                    </a:lnR>
+                    <a:lnT w="6350" cap="flat" cmpd="sng">
+                      <a:solidFill>
+                        <a:srgbClr val="000000"/>
+                      </a:solidFill>
+                      <a:prstDash val="solid"/>
+                      <a:headEnd type="none" w="med" len="med"/>
+                      <a:tailEnd type="none" w="med" len="med"/>
+                    </a:lnT>
+                    <a:lnB w="6350" cap="flat" cmpd="sng">
+                      <a:solidFill>
+                        <a:srgbClr val="000000"/>
+                      </a:solidFill>
+                      <a:prstDash val="solid"/>
+                      <a:headEnd type="none" w="med" len="med"/>
+                      <a:tailEnd type="none" w="med" len="med"/>
+                    </a:lnB>
+                    <a:lnTlToBr>
+                      <a:noFill/>
+                    </a:lnTlToBr>
+                    <a:lnBlToTr>
+                      <a:noFill/>
+                    </a:lnBlToTr>
+                    <a:solidFill>
+                      <a:srgbClr val="00B0F0"/>
+                    </a:solidFill>
+                  </a:tcPr>
+                </a:tc>
+                <a:tc>
+                  <a:txBody>
+                    <a:bodyPr/>
+                    <a:p>
+                      <a:pPr indent="0" algn="ctr">
+                        <a:buNone/>
+                      </a:pPr>
+                      <a:r>
+                        <a:rPr lang="en-US" b="0">
+                          <a:solidFill>
+                            <a:srgbClr val="FFFFFF"/>
+                          </a:solidFill>
+                          <a:latin typeface="Calibri" charset="-122"/>
+                        </a:rPr>
+                        <a:t>wordN</a:t>
+                      </a:r>
+                      <a:endParaRPr lang="en-US" b="0">
+                        <a:solidFill>
+                          <a:srgbClr val="FFFFFF"/>
+                        </a:solidFill>
+                        <a:latin typeface="Calibri" charset="-122"/>
+                      </a:endParaRPr>
+                    </a:p>
+                  </a:txBody>
+                  <a:tcPr marL="12700" marR="12700" marT="12700" vert="horz" anchor="ctr" anchorCtr="0">
+                    <a:lnL w="6350" cap="flat" cmpd="sng">
+                      <a:solidFill>
+                        <a:srgbClr val="000000"/>
+                      </a:solidFill>
+                      <a:prstDash val="solid"/>
+                      <a:headEnd type="none" w="med" len="med"/>
+                      <a:tailEnd type="none" w="med" len="med"/>
+                    </a:lnL>
+                    <a:lnR w="6350" cap="flat" cmpd="sng">
+                      <a:solidFill>
+                        <a:srgbClr val="000000"/>
+                      </a:solidFill>
+                      <a:prstDash val="solid"/>
+                      <a:headEnd type="none" w="med" len="med"/>
+                      <a:tailEnd type="none" w="med" len="med"/>
+                    </a:lnR>
+                    <a:lnT w="6350" cap="flat" cmpd="sng">
+                      <a:solidFill>
+                        <a:srgbClr val="000000"/>
+                      </a:solidFill>
+                      <a:prstDash val="solid"/>
+                      <a:headEnd type="none" w="med" len="med"/>
+                      <a:tailEnd type="none" w="med" len="med"/>
+                    </a:lnT>
+                    <a:lnB w="6350" cap="flat" cmpd="sng">
+                      <a:solidFill>
+                        <a:srgbClr val="000000"/>
+                      </a:solidFill>
+                      <a:prstDash val="solid"/>
+                      <a:headEnd type="none" w="med" len="med"/>
+                      <a:tailEnd type="none" w="med" len="med"/>
+                    </a:lnB>
+                    <a:lnTlToBr>
+                      <a:noFill/>
+                    </a:lnTlToBr>
+                    <a:lnBlToTr>
+                      <a:noFill/>
+                    </a:lnBlToTr>
+                    <a:solidFill>
+                      <a:srgbClr val="00B0F0"/>
+                    </a:solidFill>
+                  </a:tcPr>
+                </a:tc>
+                <a:tc>
+                  <a:txBody>
+                    <a:bodyPr/>
+                    <a:p>
+                      <a:pPr indent="0" algn="ctr">
+                        <a:buNone/>
+                      </a:pPr>
+                      <a:r>
+                        <a:rPr lang="en-US" b="0">
+                          <a:solidFill>
+                            <a:srgbClr val="FFFFFF"/>
+                          </a:solidFill>
+                          <a:latin typeface="Calibri" charset="-122"/>
+                        </a:rPr>
+                        <a:t>label</a:t>
+                      </a:r>
+                      <a:endParaRPr lang="en-US" b="0">
+                        <a:solidFill>
+                          <a:srgbClr val="FFFFFF"/>
+                        </a:solidFill>
+                        <a:latin typeface="Calibri" charset="-122"/>
+                      </a:endParaRPr>
+                    </a:p>
+                  </a:txBody>
+                  <a:tcPr marL="12700" marR="12700" marT="12700" vert="horz" anchor="ctr" anchorCtr="0">
+                    <a:lnL w="6350" cap="flat" cmpd="sng">
+                      <a:solidFill>
+                        <a:srgbClr val="000000"/>
+                      </a:solidFill>
+                      <a:prstDash val="solid"/>
+                      <a:headEnd type="none" w="med" len="med"/>
+                      <a:tailEnd type="none" w="med" len="med"/>
+                    </a:lnL>
+                    <a:lnR w="6350" cap="flat" cmpd="sng">
+                      <a:solidFill>
+                        <a:srgbClr val="000000"/>
+                      </a:solidFill>
+                      <a:prstDash val="solid"/>
+                      <a:headEnd type="none" w="med" len="med"/>
+                      <a:tailEnd type="none" w="med" len="med"/>
+                    </a:lnR>
+                    <a:lnT w="6350" cap="flat" cmpd="sng">
+                      <a:solidFill>
+                        <a:srgbClr val="000000"/>
+                      </a:solidFill>
+                      <a:prstDash val="solid"/>
+                      <a:headEnd type="none" w="med" len="med"/>
+                      <a:tailEnd type="none" w="med" len="med"/>
+                    </a:lnT>
+                    <a:lnB w="6350" cap="flat" cmpd="sng">
+                      <a:solidFill>
+                        <a:srgbClr val="000000"/>
+                      </a:solidFill>
+                      <a:prstDash val="solid"/>
+                      <a:headEnd type="none" w="med" len="med"/>
+                      <a:tailEnd type="none" w="med" len="med"/>
+                    </a:lnB>
+                    <a:lnTlToBr>
+                      <a:noFill/>
+                    </a:lnTlToBr>
+                    <a:lnBlToTr>
+                      <a:noFill/>
+                    </a:lnBlToTr>
+                    <a:solidFill>
+                      <a:srgbClr val="00B0F0"/>
+                    </a:solidFill>
+                  </a:tcPr>
+                </a:tc>
+              </a:tr>
+              <a:tr h="355600">
+                <a:tc>
+                  <a:txBody>
+                    <a:bodyPr/>
+                    <a:p>
+                      <a:pPr indent="0" algn="ctr">
+                        <a:buNone/>
+                      </a:pPr>
+                      <a:r>
+                        <a:rPr lang="en-US" b="0">
+                          <a:solidFill>
+                            <a:srgbClr val="000000"/>
+                          </a:solidFill>
+                          <a:latin typeface="Calibri" charset="-122"/>
+                        </a:rPr>
+                        <a:t>1</a:t>
+                      </a:r>
+                      <a:endParaRPr lang="en-US" b="0">
+                        <a:solidFill>
+                          <a:srgbClr val="000000"/>
+                        </a:solidFill>
+                        <a:latin typeface="Calibri" charset="-122"/>
+                      </a:endParaRPr>
+                    </a:p>
+                  </a:txBody>
+                  <a:tcPr marL="12700" marR="12700" marT="12700" vert="horz" anchor="ctr" anchorCtr="0">
+                    <a:lnL w="6350" cap="flat" cmpd="sng">
+                      <a:solidFill>
+                        <a:srgbClr val="000000"/>
+                      </a:solidFill>
+                      <a:prstDash val="solid"/>
+                      <a:headEnd type="none" w="med" len="med"/>
+                      <a:tailEnd type="none" w="med" len="med"/>
+                    </a:lnL>
+                    <a:lnR w="6350" cap="flat" cmpd="sng">
+                      <a:solidFill>
+                        <a:srgbClr val="000000"/>
+                      </a:solidFill>
+                      <a:prstDash val="solid"/>
+                      <a:headEnd type="none" w="med" len="med"/>
+                      <a:tailEnd type="none" w="med" len="med"/>
+                    </a:lnR>
+                    <a:lnT w="6350" cap="flat" cmpd="sng">
+                      <a:solidFill>
+                        <a:srgbClr val="000000"/>
+                      </a:solidFill>
+                      <a:prstDash val="solid"/>
+                      <a:headEnd type="none" w="med" len="med"/>
+                      <a:tailEnd type="none" w="med" len="med"/>
+                    </a:lnT>
+                    <a:lnB w="6350" cap="flat" cmpd="sng">
+                      <a:solidFill>
+                        <a:srgbClr val="000000"/>
+                      </a:solidFill>
+                      <a:prstDash val="solid"/>
+                      <a:headEnd type="none" w="med" len="med"/>
+                      <a:tailEnd type="none" w="med" len="med"/>
+                    </a:lnB>
+                    <a:lnTlToBr>
+                      <a:noFill/>
+                    </a:lnTlToBr>
+                    <a:lnBlToTr>
+                      <a:noFill/>
+                    </a:lnBlToTr>
+                    <a:noFill/>
+                  </a:tcPr>
+                </a:tc>
+                <a:tc>
+                  <a:txBody>
+                    <a:bodyPr/>
+                    <a:p>
+                      <a:pPr indent="0" algn="ctr">
+                        <a:buNone/>
+                      </a:pPr>
+                      <a:r>
+                        <a:rPr lang="" altLang="en-US" b="0">
+                          <a:solidFill>
+                            <a:srgbClr val="000000"/>
+                          </a:solidFill>
+                          <a:latin typeface="Calibri" charset="-122"/>
+                        </a:rPr>
+                        <a:t>Judul Berita1</a:t>
+                      </a:r>
+                      <a:endParaRPr lang="" altLang="en-US" b="0">
                         <a:solidFill>
                           <a:srgbClr val="000000"/>
                         </a:solidFill>
@@ -6074,7 +10551,7 @@
                   </a:tcPr>
                 </a:tc>
               </a:tr>
-              <a:tr h="332740">
+              <a:tr h="333375">
                 <a:tc>
                   <a:txBody>
                     <a:bodyPr/>
@@ -6092,6 +10569,72 @@
                         <a:t>2</a:t>
                       </a:r>
                       <a:endParaRPr lang="en-US" b="0">
+                        <a:solidFill>
+                          <a:srgbClr val="000000"/>
+                        </a:solidFill>
+                        <a:latin typeface="Calibri" charset="-122"/>
+                      </a:endParaRPr>
+                    </a:p>
+                  </a:txBody>
+                  <a:tcPr marL="12700" marR="12700" marT="12700" vert="horz" anchor="ctr" anchorCtr="0">
+                    <a:lnL w="6350" cap="flat" cmpd="sng">
+                      <a:solidFill>
+                        <a:srgbClr val="000000"/>
+                      </a:solidFill>
+                      <a:prstDash val="solid"/>
+                      <a:headEnd type="none" w="med" len="med"/>
+                      <a:tailEnd type="none" w="med" len="med"/>
+                    </a:lnL>
+                    <a:lnR w="6350" cap="flat" cmpd="sng">
+                      <a:solidFill>
+                        <a:srgbClr val="000000"/>
+                      </a:solidFill>
+                      <a:prstDash val="solid"/>
+                      <a:headEnd type="none" w="med" len="med"/>
+                      <a:tailEnd type="none" w="med" len="med"/>
+                    </a:lnR>
+                    <a:lnT w="6350" cap="flat" cmpd="sng">
+                      <a:solidFill>
+                        <a:srgbClr val="000000"/>
+                      </a:solidFill>
+                      <a:prstDash val="solid"/>
+                      <a:headEnd type="none" w="med" len="med"/>
+                      <a:tailEnd type="none" w="med" len="med"/>
+                    </a:lnT>
+                    <a:lnB w="6350" cap="flat" cmpd="sng">
+                      <a:solidFill>
+                        <a:srgbClr val="000000"/>
+                      </a:solidFill>
+                      <a:prstDash val="solid"/>
+                      <a:headEnd type="none" w="med" len="med"/>
+                      <a:tailEnd type="none" w="med" len="med"/>
+                    </a:lnB>
+                    <a:lnTlToBr>
+                      <a:noFill/>
+                    </a:lnTlToBr>
+                    <a:lnBlToTr>
+                      <a:noFill/>
+                    </a:lnBlToTr>
+                    <a:noFill/>
+                  </a:tcPr>
+                </a:tc>
+                <a:tc>
+                  <a:txBody>
+                    <a:bodyPr/>
+                    <a:p>
+                      <a:pPr indent="0" algn="ctr">
+                        <a:buNone/>
+                      </a:pPr>
+                      <a:r>
+                        <a:rPr lang="" altLang="en-US" b="0">
+                          <a:solidFill>
+                            <a:srgbClr val="000000"/>
+                          </a:solidFill>
+                          <a:latin typeface="Calibri" charset="-122"/>
+                        </a:rPr>
+                        <a:t>Judul Berita2</a:t>
+                      </a:r>
+                      <a:endParaRPr lang="" altLang="en-US" b="0">
                         <a:solidFill>
                           <a:srgbClr val="000000"/>
                         </a:solidFill>
@@ -6604,7 +11147,7 @@
                   </a:tcPr>
                 </a:tc>
               </a:tr>
-              <a:tr h="332740">
+              <a:tr h="333375">
                 <a:tc>
                   <a:txBody>
                     <a:bodyPr/>
@@ -6626,6 +11169,84 @@
                           <a:srgbClr val="000000"/>
                         </a:solidFill>
                         <a:latin typeface="Calibri" charset="-122"/>
+                      </a:endParaRPr>
+                    </a:p>
+                  </a:txBody>
+                  <a:tcPr marL="12700" marR="12700" marT="12700" vert="horz" anchor="ctr" anchorCtr="0">
+                    <a:lnL w="6350" cap="flat" cmpd="sng">
+                      <a:solidFill>
+                        <a:srgbClr val="000000"/>
+                      </a:solidFill>
+                      <a:prstDash val="solid"/>
+                      <a:headEnd type="none" w="med" len="med"/>
+                      <a:tailEnd type="none" w="med" len="med"/>
+                    </a:lnL>
+                    <a:lnR w="6350" cap="flat" cmpd="sng">
+                      <a:solidFill>
+                        <a:srgbClr val="000000"/>
+                      </a:solidFill>
+                      <a:prstDash val="solid"/>
+                      <a:headEnd type="none" w="med" len="med"/>
+                      <a:tailEnd type="none" w="med" len="med"/>
+                    </a:lnR>
+                    <a:lnT w="6350" cap="flat" cmpd="sng">
+                      <a:solidFill>
+                        <a:srgbClr val="000000"/>
+                      </a:solidFill>
+                      <a:prstDash val="solid"/>
+                      <a:headEnd type="none" w="med" len="med"/>
+                      <a:tailEnd type="none" w="med" len="med"/>
+                    </a:lnT>
+                    <a:lnB w="6350" cap="flat" cmpd="sng">
+                      <a:solidFill>
+                        <a:srgbClr val="000000"/>
+                      </a:solidFill>
+                      <a:prstDash val="solid"/>
+                      <a:headEnd type="none" w="med" len="med"/>
+                      <a:tailEnd type="none" w="med" len="med"/>
+                    </a:lnB>
+                    <a:lnTlToBr>
+                      <a:noFill/>
+                    </a:lnTlToBr>
+                    <a:lnBlToTr>
+                      <a:noFill/>
+                    </a:lnBlToTr>
+                    <a:noFill/>
+                  </a:tcPr>
+                </a:tc>
+                <a:tc>
+                  <a:txBody>
+                    <a:bodyPr/>
+                    <a:p>
+                      <a:pPr indent="0" algn="ctr">
+                        <a:buNone/>
+                      </a:pPr>
+                      <a:r>
+                        <a:rPr lang="en-US" altLang="en-US" sz="1800">
+                          <a:solidFill>
+                            <a:srgbClr val="000000"/>
+                          </a:solidFill>
+                          <a:latin typeface="Calibri" charset="-122"/>
+                          <a:sym typeface="+mn-ea"/>
+                        </a:rPr>
+                        <a:t>Judul Berita</a:t>
+                      </a:r>
+                      <a:r>
+                        <a:rPr lang="" altLang="en-US" sz="1800">
+                          <a:solidFill>
+                            <a:srgbClr val="000000"/>
+                          </a:solidFill>
+                          <a:latin typeface="Calibri" charset="-122"/>
+                          <a:sym typeface="+mn-ea"/>
+                        </a:rPr>
+                        <a:t>3</a:t>
+                      </a:r>
+                      <a:endParaRPr lang="" altLang="en-US" sz="1800" b="0">
+                        <a:solidFill>
+                          <a:srgbClr val="000000"/>
+                        </a:solidFill>
+                        <a:latin typeface="Calibri" charset="-122"/>
+                        <a:sym typeface="+mn-ea"/>
                       </a:endParaRPr>
                     </a:p>
                   </a:txBody>
@@ -7134,7 +11755,7 @@
                   </a:tcPr>
                 </a:tc>
               </a:tr>
-              <a:tr h="332740">
+              <a:tr h="333375">
                 <a:tc>
                   <a:txBody>
                     <a:bodyPr/>
@@ -7156,6 +11777,84 @@
                           <a:srgbClr val="000000"/>
                         </a:solidFill>
                         <a:latin typeface="Calibri" charset="-122"/>
+                      </a:endParaRPr>
+                    </a:p>
+                  </a:txBody>
+                  <a:tcPr marL="12700" marR="12700" marT="12700" vert="horz" anchor="ctr" anchorCtr="0">
+                    <a:lnL w="6350" cap="flat" cmpd="sng">
+                      <a:solidFill>
+                        <a:srgbClr val="000000"/>
+                      </a:solidFill>
+                      <a:prstDash val="solid"/>
+                      <a:headEnd type="none" w="med" len="med"/>
+                      <a:tailEnd type="none" w="med" len="med"/>
+                    </a:lnL>
+                    <a:lnR w="6350" cap="flat" cmpd="sng">
+                      <a:solidFill>
+                        <a:srgbClr val="000000"/>
+                      </a:solidFill>
+                      <a:prstDash val="solid"/>
+                      <a:headEnd type="none" w="med" len="med"/>
+                      <a:tailEnd type="none" w="med" len="med"/>
+                    </a:lnR>
+                    <a:lnT w="6350" cap="flat" cmpd="sng">
+                      <a:solidFill>
+                        <a:srgbClr val="000000"/>
+                      </a:solidFill>
+                      <a:prstDash val="solid"/>
+                      <a:headEnd type="none" w="med" len="med"/>
+                      <a:tailEnd type="none" w="med" len="med"/>
+                    </a:lnT>
+                    <a:lnB w="6350" cap="flat" cmpd="sng">
+                      <a:solidFill>
+                        <a:srgbClr val="000000"/>
+                      </a:solidFill>
+                      <a:prstDash val="solid"/>
+                      <a:headEnd type="none" w="med" len="med"/>
+                      <a:tailEnd type="none" w="med" len="med"/>
+                    </a:lnB>
+                    <a:lnTlToBr>
+                      <a:noFill/>
+                    </a:lnTlToBr>
+                    <a:lnBlToTr>
+                      <a:noFill/>
+                    </a:lnBlToTr>
+                    <a:noFill/>
+                  </a:tcPr>
+                </a:tc>
+                <a:tc>
+                  <a:txBody>
+                    <a:bodyPr/>
+                    <a:p>
+                      <a:pPr indent="0" algn="ctr">
+                        <a:buNone/>
+                      </a:pPr>
+                      <a:r>
+                        <a:rPr lang="en-US" altLang="en-US" sz="1800">
+                          <a:solidFill>
+                            <a:srgbClr val="000000"/>
+                          </a:solidFill>
+                          <a:latin typeface="Calibri" charset="-122"/>
+                          <a:sym typeface="+mn-ea"/>
+                        </a:rPr>
+                        <a:t>Judul Berita</a:t>
+                      </a:r>
+                      <a:r>
+                        <a:rPr lang="" altLang="en-US" sz="1800">
+                          <a:solidFill>
+                            <a:srgbClr val="000000"/>
+                          </a:solidFill>
+                          <a:latin typeface="Calibri" charset="-122"/>
+                          <a:sym typeface="+mn-ea"/>
+                        </a:rPr>
+                        <a:t>4</a:t>
+                      </a:r>
+                      <a:endParaRPr lang="" altLang="en-US" sz="1800" b="0">
+                        <a:solidFill>
+                          <a:srgbClr val="000000"/>
+                        </a:solidFill>
+                        <a:latin typeface="Calibri" charset="-122"/>
+                        <a:sym typeface="+mn-ea"/>
                       </a:endParaRPr>
                     </a:p>
                   </a:txBody>
@@ -7664,7 +12363,7 @@
                   </a:tcPr>
                 </a:tc>
               </a:tr>
-              <a:tr h="604520">
+              <a:tr h="393700">
                 <a:tc>
                   <a:txBody>
                     <a:bodyPr/>
@@ -7686,6 +12385,84 @@
                           <a:srgbClr val="000000"/>
                         </a:solidFill>
                         <a:latin typeface="Calibri" charset="-122"/>
+                      </a:endParaRPr>
+                    </a:p>
+                  </a:txBody>
+                  <a:tcPr marL="12700" marR="12700" marT="12700" vert="horz" anchor="ctr" anchorCtr="0">
+                    <a:lnL w="6350" cap="flat" cmpd="sng">
+                      <a:solidFill>
+                        <a:srgbClr val="000000"/>
+                      </a:solidFill>
+                      <a:prstDash val="solid"/>
+                      <a:headEnd type="none" w="med" len="med"/>
+                      <a:tailEnd type="none" w="med" len="med"/>
+                    </a:lnL>
+                    <a:lnR w="6350" cap="flat" cmpd="sng">
+                      <a:solidFill>
+                        <a:srgbClr val="000000"/>
+                      </a:solidFill>
+                      <a:prstDash val="solid"/>
+                      <a:headEnd type="none" w="med" len="med"/>
+                      <a:tailEnd type="none" w="med" len="med"/>
+                    </a:lnR>
+                    <a:lnT w="6350" cap="flat" cmpd="sng">
+                      <a:solidFill>
+                        <a:srgbClr val="000000"/>
+                      </a:solidFill>
+                      <a:prstDash val="solid"/>
+                      <a:headEnd type="none" w="med" len="med"/>
+                      <a:tailEnd type="none" w="med" len="med"/>
+                    </a:lnT>
+                    <a:lnB w="6350" cap="flat" cmpd="sng">
+                      <a:solidFill>
+                        <a:srgbClr val="000000"/>
+                      </a:solidFill>
+                      <a:prstDash val="solid"/>
+                      <a:headEnd type="none" w="med" len="med"/>
+                      <a:tailEnd type="none" w="med" len="med"/>
+                    </a:lnB>
+                    <a:lnTlToBr>
+                      <a:noFill/>
+                    </a:lnTlToBr>
+                    <a:lnBlToTr>
+                      <a:noFill/>
+                    </a:lnBlToTr>
+                    <a:noFill/>
+                  </a:tcPr>
+                </a:tc>
+                <a:tc>
+                  <a:txBody>
+                    <a:bodyPr/>
+                    <a:p>
+                      <a:pPr indent="0" algn="ctr">
+                        <a:buNone/>
+                      </a:pPr>
+                      <a:r>
+                        <a:rPr lang="en-US" altLang="en-US" sz="1800">
+                          <a:solidFill>
+                            <a:srgbClr val="000000"/>
+                          </a:solidFill>
+                          <a:latin typeface="Calibri" charset="-122"/>
+                          <a:sym typeface="+mn-ea"/>
+                        </a:rPr>
+                        <a:t>Judul Berita</a:t>
+                      </a:r>
+                      <a:r>
+                        <a:rPr lang="" altLang="en-US" sz="1800">
+                          <a:solidFill>
+                            <a:srgbClr val="000000"/>
+                          </a:solidFill>
+                          <a:latin typeface="Calibri" charset="-122"/>
+                          <a:sym typeface="+mn-ea"/>
+                        </a:rPr>
+                        <a:t>5</a:t>
+                      </a:r>
+                      <a:endParaRPr lang="" altLang="en-US" sz="1800" b="0">
+                        <a:solidFill>
+                          <a:srgbClr val="000000"/>
+                        </a:solidFill>
+                        <a:latin typeface="Calibri" charset="-122"/>
+                        <a:sym typeface="+mn-ea"/>
                       </a:endParaRPr>
                     </a:p>
                   </a:txBody>
@@ -8194,7 +12971,7 @@
                   </a:tcPr>
                 </a:tc>
               </a:tr>
-              <a:tr h="332740">
+              <a:tr h="333375">
                 <a:tc>
                   <a:txBody>
                     <a:bodyPr/>
@@ -8216,6 +12993,84 @@
                           <a:srgbClr val="000000"/>
                         </a:solidFill>
                         <a:latin typeface="Calibri" charset="-122"/>
+                      </a:endParaRPr>
+                    </a:p>
+                  </a:txBody>
+                  <a:tcPr marL="12700" marR="12700" marT="12700" vert="horz" anchor="ctr" anchorCtr="0">
+                    <a:lnL w="6350" cap="flat" cmpd="sng">
+                      <a:solidFill>
+                        <a:srgbClr val="000000"/>
+                      </a:solidFill>
+                      <a:prstDash val="solid"/>
+                      <a:headEnd type="none" w="med" len="med"/>
+                      <a:tailEnd type="none" w="med" len="med"/>
+                    </a:lnL>
+                    <a:lnR w="6350" cap="flat" cmpd="sng">
+                      <a:solidFill>
+                        <a:srgbClr val="000000"/>
+                      </a:solidFill>
+                      <a:prstDash val="solid"/>
+                      <a:headEnd type="none" w="med" len="med"/>
+                      <a:tailEnd type="none" w="med" len="med"/>
+                    </a:lnR>
+                    <a:lnT w="6350" cap="flat" cmpd="sng">
+                      <a:solidFill>
+                        <a:srgbClr val="000000"/>
+                      </a:solidFill>
+                      <a:prstDash val="solid"/>
+                      <a:headEnd type="none" w="med" len="med"/>
+                      <a:tailEnd type="none" w="med" len="med"/>
+                    </a:lnT>
+                    <a:lnB w="6350" cap="flat" cmpd="sng">
+                      <a:solidFill>
+                        <a:srgbClr val="000000"/>
+                      </a:solidFill>
+                      <a:prstDash val="solid"/>
+                      <a:headEnd type="none" w="med" len="med"/>
+                      <a:tailEnd type="none" w="med" len="med"/>
+                    </a:lnB>
+                    <a:lnTlToBr>
+                      <a:noFill/>
+                    </a:lnTlToBr>
+                    <a:lnBlToTr>
+                      <a:noFill/>
+                    </a:lnBlToTr>
+                    <a:noFill/>
+                  </a:tcPr>
+                </a:tc>
+                <a:tc>
+                  <a:txBody>
+                    <a:bodyPr/>
+                    <a:p>
+                      <a:pPr indent="0" algn="ctr">
+                        <a:buNone/>
+                      </a:pPr>
+                      <a:r>
+                        <a:rPr lang="en-US" altLang="en-US" sz="1800">
+                          <a:solidFill>
+                            <a:srgbClr val="000000"/>
+                          </a:solidFill>
+                          <a:latin typeface="Calibri" charset="-122"/>
+                          <a:sym typeface="+mn-ea"/>
+                        </a:rPr>
+                        <a:t>Judul Berita</a:t>
+                      </a:r>
+                      <a:r>
+                        <a:rPr lang="" altLang="en-US" sz="1800">
+                          <a:solidFill>
+                            <a:srgbClr val="000000"/>
+                          </a:solidFill>
+                          <a:latin typeface="Calibri" charset="-122"/>
+                          <a:sym typeface="+mn-ea"/>
+                        </a:rPr>
+                        <a:t>6</a:t>
+                      </a:r>
+                      <a:endParaRPr lang="" altLang="en-US" sz="1800" b="0">
+                        <a:solidFill>
+                          <a:srgbClr val="000000"/>
+                        </a:solidFill>
+                        <a:latin typeface="Calibri" charset="-122"/>
+                        <a:sym typeface="+mn-ea"/>
                       </a:endParaRPr>
                     </a:p>
                   </a:txBody>
@@ -8724,7 +13579,7 @@
                   </a:tcPr>
                 </a:tc>
               </a:tr>
-              <a:tr h="332740">
+              <a:tr h="334010">
                 <a:tc>
                   <a:txBody>
                     <a:bodyPr/>
@@ -8746,6 +13601,84 @@
                           <a:srgbClr val="000000"/>
                         </a:solidFill>
                         <a:latin typeface="Calibri" charset="-122"/>
+                      </a:endParaRPr>
+                    </a:p>
+                  </a:txBody>
+                  <a:tcPr marL="12700" marR="12700" marT="12700" vert="horz" anchor="ctr" anchorCtr="0">
+                    <a:lnL w="6350" cap="flat" cmpd="sng">
+                      <a:solidFill>
+                        <a:srgbClr val="000000"/>
+                      </a:solidFill>
+                      <a:prstDash val="solid"/>
+                      <a:headEnd type="none" w="med" len="med"/>
+                      <a:tailEnd type="none" w="med" len="med"/>
+                    </a:lnL>
+                    <a:lnR w="6350" cap="flat" cmpd="sng">
+                      <a:solidFill>
+                        <a:srgbClr val="000000"/>
+                      </a:solidFill>
+                      <a:prstDash val="solid"/>
+                      <a:headEnd type="none" w="med" len="med"/>
+                      <a:tailEnd type="none" w="med" len="med"/>
+                    </a:lnR>
+                    <a:lnT w="6350" cap="flat" cmpd="sng">
+                      <a:solidFill>
+                        <a:srgbClr val="000000"/>
+                      </a:solidFill>
+                      <a:prstDash val="solid"/>
+                      <a:headEnd type="none" w="med" len="med"/>
+                      <a:tailEnd type="none" w="med" len="med"/>
+                    </a:lnT>
+                    <a:lnB w="6350" cap="flat" cmpd="sng">
+                      <a:solidFill>
+                        <a:srgbClr val="000000"/>
+                      </a:solidFill>
+                      <a:prstDash val="solid"/>
+                      <a:headEnd type="none" w="med" len="med"/>
+                      <a:tailEnd type="none" w="med" len="med"/>
+                    </a:lnB>
+                    <a:lnTlToBr>
+                      <a:noFill/>
+                    </a:lnTlToBr>
+                    <a:lnBlToTr>
+                      <a:noFill/>
+                    </a:lnBlToTr>
+                    <a:noFill/>
+                  </a:tcPr>
+                </a:tc>
+                <a:tc>
+                  <a:txBody>
+                    <a:bodyPr/>
+                    <a:p>
+                      <a:pPr indent="0" algn="ctr">
+                        <a:buNone/>
+                      </a:pPr>
+                      <a:r>
+                        <a:rPr lang="en-US" altLang="en-US" sz="1800">
+                          <a:solidFill>
+                            <a:srgbClr val="000000"/>
+                          </a:solidFill>
+                          <a:latin typeface="Calibri" charset="-122"/>
+                          <a:sym typeface="+mn-ea"/>
+                        </a:rPr>
+                        <a:t>Judul Berita</a:t>
+                      </a:r>
+                      <a:r>
+                        <a:rPr lang="" altLang="en-US" sz="1800">
+                          <a:solidFill>
+                            <a:srgbClr val="000000"/>
+                          </a:solidFill>
+                          <a:latin typeface="Calibri" charset="-122"/>
+                          <a:sym typeface="+mn-ea"/>
+                        </a:rPr>
+                        <a:t>7</a:t>
+                      </a:r>
+                      <a:endParaRPr lang="" altLang="en-US" sz="1800" b="0">
+                        <a:solidFill>
+                          <a:srgbClr val="000000"/>
+                        </a:solidFill>
+                        <a:latin typeface="Calibri" charset="-122"/>
+                        <a:sym typeface="+mn-ea"/>
                       </a:endParaRPr>
                     </a:p>
                   </a:txBody>
@@ -9254,7 +14187,7 @@
                   </a:tcPr>
                 </a:tc>
               </a:tr>
-              <a:tr h="332740">
+              <a:tr h="333375">
                 <a:tc>
                   <a:txBody>
                     <a:bodyPr/>
@@ -9276,6 +14209,84 @@
                           <a:srgbClr val="000000"/>
                         </a:solidFill>
                         <a:latin typeface="Calibri" charset="-122"/>
+                      </a:endParaRPr>
+                    </a:p>
+                  </a:txBody>
+                  <a:tcPr marL="12700" marR="12700" marT="12700" vert="horz" anchor="ctr" anchorCtr="0">
+                    <a:lnL w="6350" cap="flat" cmpd="sng">
+                      <a:solidFill>
+                        <a:srgbClr val="000000"/>
+                      </a:solidFill>
+                      <a:prstDash val="solid"/>
+                      <a:headEnd type="none" w="med" len="med"/>
+                      <a:tailEnd type="none" w="med" len="med"/>
+                    </a:lnL>
+                    <a:lnR w="6350" cap="flat" cmpd="sng">
+                      <a:solidFill>
+                        <a:srgbClr val="000000"/>
+                      </a:solidFill>
+                      <a:prstDash val="solid"/>
+                      <a:headEnd type="none" w="med" len="med"/>
+                      <a:tailEnd type="none" w="med" len="med"/>
+                    </a:lnR>
+                    <a:lnT w="6350" cap="flat" cmpd="sng">
+                      <a:solidFill>
+                        <a:srgbClr val="000000"/>
+                      </a:solidFill>
+                      <a:prstDash val="solid"/>
+                      <a:headEnd type="none" w="med" len="med"/>
+                      <a:tailEnd type="none" w="med" len="med"/>
+                    </a:lnT>
+                    <a:lnB w="6350" cap="flat" cmpd="sng">
+                      <a:solidFill>
+                        <a:srgbClr val="000000"/>
+                      </a:solidFill>
+                      <a:prstDash val="solid"/>
+                      <a:headEnd type="none" w="med" len="med"/>
+                      <a:tailEnd type="none" w="med" len="med"/>
+                    </a:lnB>
+                    <a:lnTlToBr>
+                      <a:noFill/>
+                    </a:lnTlToBr>
+                    <a:lnBlToTr>
+                      <a:noFill/>
+                    </a:lnBlToTr>
+                    <a:noFill/>
+                  </a:tcPr>
+                </a:tc>
+                <a:tc>
+                  <a:txBody>
+                    <a:bodyPr/>
+                    <a:p>
+                      <a:pPr indent="0" algn="ctr">
+                        <a:buNone/>
+                      </a:pPr>
+                      <a:r>
+                        <a:rPr lang="en-US" altLang="en-US" sz="1800">
+                          <a:solidFill>
+                            <a:srgbClr val="000000"/>
+                          </a:solidFill>
+                          <a:latin typeface="Calibri" charset="-122"/>
+                          <a:sym typeface="+mn-ea"/>
+                        </a:rPr>
+                        <a:t>Judul Berita</a:t>
+                      </a:r>
+                      <a:r>
+                        <a:rPr lang="" altLang="en-US" sz="1800">
+                          <a:solidFill>
+                            <a:srgbClr val="000000"/>
+                          </a:solidFill>
+                          <a:latin typeface="Calibri" charset="-122"/>
+                          <a:sym typeface="+mn-ea"/>
+                        </a:rPr>
+                        <a:t>8</a:t>
+                      </a:r>
+                      <a:endParaRPr lang="" altLang="en-US" sz="1800" b="0">
+                        <a:solidFill>
+                          <a:srgbClr val="000000"/>
+                        </a:solidFill>
+                        <a:latin typeface="Calibri" charset="-122"/>
+                        <a:sym typeface="+mn-ea"/>
                       </a:endParaRPr>
                     </a:p>
                   </a:txBody>
@@ -9784,7 +14795,7 @@
                   </a:tcPr>
                 </a:tc>
               </a:tr>
-              <a:tr h="332740">
+              <a:tr h="333375">
                 <a:tc>
                   <a:txBody>
                     <a:bodyPr/>
@@ -9802,6 +14813,72 @@
                         <a:t>...</a:t>
                       </a:r>
                       <a:endParaRPr lang="en-US" b="0">
+                        <a:solidFill>
+                          <a:srgbClr val="000000"/>
+                        </a:solidFill>
+                        <a:latin typeface="Calibri" charset="-122"/>
+                      </a:endParaRPr>
+                    </a:p>
+                  </a:txBody>
+                  <a:tcPr marL="12700" marR="12700" marT="12700" vert="horz" anchor="ctr" anchorCtr="0">
+                    <a:lnL w="6350" cap="flat" cmpd="sng">
+                      <a:solidFill>
+                        <a:srgbClr val="000000"/>
+                      </a:solidFill>
+                      <a:prstDash val="solid"/>
+                      <a:headEnd type="none" w="med" len="med"/>
+                      <a:tailEnd type="none" w="med" len="med"/>
+                    </a:lnL>
+                    <a:lnR w="6350" cap="flat" cmpd="sng">
+                      <a:solidFill>
+                        <a:srgbClr val="000000"/>
+                      </a:solidFill>
+                      <a:prstDash val="solid"/>
+                      <a:headEnd type="none" w="med" len="med"/>
+                      <a:tailEnd type="none" w="med" len="med"/>
+                    </a:lnR>
+                    <a:lnT w="6350" cap="flat" cmpd="sng">
+                      <a:solidFill>
+                        <a:srgbClr val="000000"/>
+                      </a:solidFill>
+                      <a:prstDash val="solid"/>
+                      <a:headEnd type="none" w="med" len="med"/>
+                      <a:tailEnd type="none" w="med" len="med"/>
+                    </a:lnT>
+                    <a:lnB w="6350" cap="flat" cmpd="sng">
+                      <a:solidFill>
+                        <a:srgbClr val="000000"/>
+                      </a:solidFill>
+                      <a:prstDash val="solid"/>
+                      <a:headEnd type="none" w="med" len="med"/>
+                      <a:tailEnd type="none" w="med" len="med"/>
+                    </a:lnB>
+                    <a:lnTlToBr>
+                      <a:noFill/>
+                    </a:lnTlToBr>
+                    <a:lnBlToTr>
+                      <a:noFill/>
+                    </a:lnBlToTr>
+                    <a:noFill/>
+                  </a:tcPr>
+                </a:tc>
+                <a:tc>
+                  <a:txBody>
+                    <a:bodyPr/>
+                    <a:p>
+                      <a:pPr indent="0" algn="ctr">
+                        <a:buNone/>
+                      </a:pPr>
+                      <a:r>
+                        <a:rPr lang="" altLang="en-US" b="0">
+                          <a:solidFill>
+                            <a:srgbClr val="000000"/>
+                          </a:solidFill>
+                          <a:latin typeface="Calibri" charset="-122"/>
+                        </a:rPr>
+                        <a:t>...</a:t>
+                      </a:r>
+                      <a:endParaRPr lang="" altLang="en-US" b="0">
                         <a:solidFill>
                           <a:srgbClr val="000000"/>
                         </a:solidFill>
@@ -10314,7 +15391,7 @@
                   </a:tcPr>
                 </a:tc>
               </a:tr>
-              <a:tr h="332740">
+              <a:tr h="333375">
                 <a:tc>
                   <a:txBody>
                     <a:bodyPr/>
@@ -10323,19 +15400,97 @@
                         <a:buNone/>
                       </a:pPr>
                       <a:r>
-                        <a:rPr lang="en-US" b="0">
+                        <a:rPr lang="" altLang="en-US" b="0">
                           <a:solidFill>
                             <a:srgbClr val="000000"/>
                           </a:solidFill>
                           <a:latin typeface="Calibri" charset="-122"/>
                         </a:rPr>
-                        <a:t>N</a:t>
+                        <a:t>35</a:t>
                       </a:r>
-                      <a:endParaRPr lang="en-US" b="0">
+                      <a:endParaRPr lang="" altLang="en-US" b="0">
                         <a:solidFill>
                           <a:srgbClr val="000000"/>
                         </a:solidFill>
                         <a:latin typeface="Calibri" charset="-122"/>
+                      </a:endParaRPr>
+                    </a:p>
+                  </a:txBody>
+                  <a:tcPr marL="12700" marR="12700" marT="12700" vert="horz" anchor="ctr" anchorCtr="0">
+                    <a:lnL w="6350" cap="flat" cmpd="sng">
+                      <a:solidFill>
+                        <a:srgbClr val="000000"/>
+                      </a:solidFill>
+                      <a:prstDash val="solid"/>
+                      <a:headEnd type="none" w="med" len="med"/>
+                      <a:tailEnd type="none" w="med" len="med"/>
+                    </a:lnL>
+                    <a:lnR w="6350" cap="flat" cmpd="sng">
+                      <a:solidFill>
+                        <a:srgbClr val="000000"/>
+                      </a:solidFill>
+                      <a:prstDash val="solid"/>
+                      <a:headEnd type="none" w="med" len="med"/>
+                      <a:tailEnd type="none" w="med" len="med"/>
+                    </a:lnR>
+                    <a:lnT w="6350" cap="flat" cmpd="sng">
+                      <a:solidFill>
+                        <a:srgbClr val="000000"/>
+                      </a:solidFill>
+                      <a:prstDash val="solid"/>
+                      <a:headEnd type="none" w="med" len="med"/>
+                      <a:tailEnd type="none" w="med" len="med"/>
+                    </a:lnT>
+                    <a:lnB w="6350" cap="flat" cmpd="sng">
+                      <a:solidFill>
+                        <a:srgbClr val="000000"/>
+                      </a:solidFill>
+                      <a:prstDash val="solid"/>
+                      <a:headEnd type="none" w="med" len="med"/>
+                      <a:tailEnd type="none" w="med" len="med"/>
+                    </a:lnB>
+                    <a:lnTlToBr>
+                      <a:noFill/>
+                    </a:lnTlToBr>
+                    <a:lnBlToTr>
+                      <a:noFill/>
+                    </a:lnBlToTr>
+                    <a:noFill/>
+                  </a:tcPr>
+                </a:tc>
+                <a:tc>
+                  <a:txBody>
+                    <a:bodyPr/>
+                    <a:p>
+                      <a:pPr indent="0" algn="ctr">
+                        <a:buNone/>
+                      </a:pPr>
+                      <a:r>
+                        <a:rPr lang="en-US" altLang="en-US" sz="1800">
+                          <a:solidFill>
+                            <a:srgbClr val="000000"/>
+                          </a:solidFill>
+                          <a:latin typeface="Calibri" charset="-122"/>
+                          <a:sym typeface="+mn-ea"/>
+                        </a:rPr>
+                        <a:t>Judul Berita</a:t>
+                      </a:r>
+                      <a:r>
+                        <a:rPr lang="" altLang="en-US" sz="1800">
+                          <a:solidFill>
+                            <a:srgbClr val="000000"/>
+                          </a:solidFill>
+                          <a:latin typeface="Calibri" charset="-122"/>
+                          <a:sym typeface="+mn-ea"/>
+                        </a:rPr>
+                        <a:t>N</a:t>
+                      </a:r>
+                      <a:endParaRPr lang="" altLang="en-US" sz="1800" b="0">
+                        <a:solidFill>
+                          <a:srgbClr val="000000"/>
+                        </a:solidFill>
+                        <a:latin typeface="Calibri" charset="-122"/>
+                        <a:sym typeface="+mn-ea"/>
                       </a:endParaRPr>
                     </a:p>
                   </a:txBody>
@@ -10848,6 +16003,199 @@
           </a:graphicData>
         </a:graphic>
       </p:graphicFrame>
+      <p:sp>
+        <p:nvSpPr>
+          <p:cNvPr id="5" name="Rectangle 4"/>
+          <p:cNvSpPr/>
+          <p:nvPr/>
+        </p:nvSpPr>
+        <p:spPr>
+          <a:xfrm>
+            <a:off x="2221230" y="1846580"/>
+            <a:ext cx="2923540" cy="920750"/>
+          </a:xfrm>
+          <a:prstGeom prst="rect">
+            <a:avLst/>
+          </a:prstGeom>
+          <a:noFill/>
+          <a:ln w="38100" cap="flat" cmpd="sng" algn="ctr">
+            <a:solidFill>
+              <a:srgbClr val="FFC000"/>
+            </a:solidFill>
+            <a:prstDash val="solid"/>
+            <a:round/>
+            <a:headEnd type="none" w="med" len="med"/>
+            <a:tailEnd type="none" w="med" len="med"/>
+          </a:ln>
+          <a:extLst>
+            <a:ext uri="{909E8E84-426E-40DD-AFC4-6F175D3DCCD1}">
+              <a14:hiddenFill xmlns:a14="http://schemas.microsoft.com/office/drawing/2010/main">
+                <a:gradFill rotWithShape="0">
+                  <a:gsLst>
+                    <a:gs pos="0">
+                      <a:schemeClr val="accent1"/>
+                    </a:gs>
+                    <a:gs pos="100000">
+                      <a:schemeClr val="accent2"/>
+                    </a:gs>
+                  </a:gsLst>
+                  <a:lin ang="5400000" scaled="1"/>
+                </a:gradFill>
+              </a14:hiddenFill>
+            </a:ext>
+          </a:extLst>
+        </p:spPr>
+        <p:txBody>
+          <a:bodyPr vert="horz" wrap="none" lIns="91440" tIns="45720" rIns="91440" bIns="45720" numCol="1" anchor="ctr" anchorCtr="0" compatLnSpc="1"/>
+          <a:p>
+            <a:pPr marL="0" marR="0" indent="0" algn="l" defTabSz="914400" rtl="0" eaLnBrk="1" fontAlgn="base" latinLnBrk="0" hangingPunct="1">
+              <a:lnSpc>
+                <a:spcPct val="100000"/>
+              </a:lnSpc>
+              <a:spcBef>
+                <a:spcPct val="0"/>
+              </a:spcBef>
+              <a:spcAft>
+                <a:spcPct val="0"/>
+              </a:spcAft>
+              <a:buClrTx/>
+              <a:buSzTx/>
+              <a:buFontTx/>
+              <a:buNone/>
+            </a:pPr>
+            <a:endParaRPr kumimoji="0" lang="zh-CN" altLang="en-US" sz="1800" b="0" i="0" u="none" strike="noStrike" cap="none" normalizeH="0" baseline="0" smtClean="0">
+              <a:ln>
+                <a:noFill/>
+              </a:ln>
+              <a:solidFill>
+                <a:schemeClr val="tx1"/>
+              </a:solidFill>
+              <a:effectLst/>
+              <a:latin typeface="Arial" panose="020B0604020202020204" pitchFamily="34" charset="0"/>
+              <a:ea typeface="SimSun" pitchFamily="2" charset="-122"/>
+            </a:endParaRPr>
+          </a:p>
+        </p:txBody>
+      </p:sp>
+      <p:cxnSp>
+        <p:nvCxnSpPr>
+          <p:cNvPr id="6" name="Straight Arrow Connector 5"/>
+          <p:cNvCxnSpPr>
+            <a:stCxn id="5" idx="2"/>
+          </p:cNvCxnSpPr>
+          <p:nvPr/>
+        </p:nvCxnSpPr>
+        <p:spPr>
+          <a:xfrm>
+            <a:off x="3683000" y="2767330"/>
+            <a:ext cx="5736590" cy="1131570"/>
+          </a:xfrm>
+          <a:prstGeom prst="straightConnector1">
+            <a:avLst/>
+          </a:prstGeom>
+          <a:gradFill rotWithShape="0">
+            <a:gsLst>
+              <a:gs pos="0">
+                <a:schemeClr val="accent1"/>
+              </a:gs>
+              <a:gs pos="100000">
+                <a:schemeClr val="accent2"/>
+              </a:gs>
+            </a:gsLst>
+            <a:lin ang="5400000" scaled="1"/>
+          </a:gradFill>
+          <a:ln w="38100" cap="flat" cmpd="sng" algn="ctr">
+            <a:solidFill>
+              <a:srgbClr val="FFC000"/>
+            </a:solidFill>
+            <a:prstDash val="solid"/>
+            <a:round/>
+            <a:headEnd type="none" w="med" len="med"/>
+            <a:tailEnd type="arrow" w="med" len="med"/>
+          </a:ln>
+        </p:spPr>
+      </p:cxnSp>
+      <p:sp>
+        <p:nvSpPr>
+          <p:cNvPr id="7" name="Text Box 6"/>
+          <p:cNvSpPr txBox="1"/>
+          <p:nvPr/>
+        </p:nvSpPr>
+        <p:spPr>
+          <a:xfrm>
+            <a:off x="9589770" y="2037080"/>
+            <a:ext cx="1992630" cy="3415030"/>
+          </a:xfrm>
+          <a:prstGeom prst="rect">
+            <a:avLst/>
+          </a:prstGeom>
+          <a:solidFill>
+            <a:srgbClr val="FFC000"/>
+          </a:solidFill>
+          <a:ln>
+            <a:solidFill>
+              <a:srgbClr val="FFC000"/>
+            </a:solidFill>
+          </a:ln>
+        </p:spPr>
+        <p:style>
+          <a:lnRef idx="1">
+            <a:schemeClr val="accent2"/>
+          </a:lnRef>
+          <a:fillRef idx="3">
+            <a:schemeClr val="accent2"/>
+          </a:fillRef>
+          <a:effectRef idx="2">
+            <a:schemeClr val="accent2"/>
+          </a:effectRef>
+          <a:fontRef idx="minor">
+            <a:schemeClr val="lt1"/>
+          </a:fontRef>
+        </p:style>
+        <p:txBody>
+          <a:bodyPr wrap="square" rtlCol="0">
+            <a:spAutoFit/>
+            <a:scene3d>
+              <a:camera prst="orthographicFront"/>
+              <a:lightRig rig="soft" dir="t">
+                <a:rot lat="0" lon="0" rev="15600000"/>
+              </a:lightRig>
+            </a:scene3d>
+            <a:sp3d extrusionH="57150" prstMaterial="softEdge">
+              <a:bevelT w="25400" h="38100"/>
+            </a:sp3d>
+          </a:bodyPr>
+          <a:p>
+            <a:r>
+              <a:rPr lang="" altLang="en-US">
+                <a:ln/>
+                <a:solidFill>
+                  <a:schemeClr val="accent4"/>
+                </a:solidFill>
+                <a:effectLst/>
+              </a:rPr>
+              <a:t>Apabila pada data training tidak terdapat “kata” pada sekumpulan “kata” yang telah ada dari seluruh dokumen hasil proses text mining, maka nilai untuk kata tersebut akan </a:t>
+            </a:r>
+            <a:r>
+              <a:rPr lang="" altLang="en-US" b="1">
+                <a:ln/>
+                <a:solidFill>
+                  <a:schemeClr val="accent4"/>
+                </a:solidFill>
+                <a:effectLst/>
+              </a:rPr>
+              <a:t>di nol kan</a:t>
+            </a:r>
+            <a:endParaRPr lang="" altLang="en-US" b="1">
+              <a:ln/>
+              <a:solidFill>
+                <a:schemeClr val="accent4"/>
+              </a:solidFill>
+              <a:effectLst/>
+            </a:endParaRPr>
+          </a:p>
+        </p:txBody>
+      </p:sp>
     </p:spTree>
   </p:cSld>
   <p:clrMapOvr>
